--- a/Progress Report for Project 10_13_17.pptx
+++ b/Progress Report for Project 10_13_17.pptx
@@ -5,22 +5,25 @@
     <p:sldMasterId id="2147483660" r:id="rId1"/>
   </p:sldMasterIdLst>
   <p:notesMasterIdLst>
-    <p:notesMasterId r:id="rId15"/>
+    <p:notesMasterId r:id="rId18"/>
   </p:notesMasterIdLst>
   <p:sldIdLst>
     <p:sldId id="256" r:id="rId2"/>
     <p:sldId id="267" r:id="rId3"/>
     <p:sldId id="268" r:id="rId4"/>
-    <p:sldId id="257" r:id="rId5"/>
-    <p:sldId id="266" r:id="rId6"/>
-    <p:sldId id="258" r:id="rId7"/>
-    <p:sldId id="259" r:id="rId8"/>
-    <p:sldId id="260" r:id="rId9"/>
-    <p:sldId id="261" r:id="rId10"/>
-    <p:sldId id="262" r:id="rId11"/>
-    <p:sldId id="269" r:id="rId12"/>
-    <p:sldId id="263" r:id="rId13"/>
-    <p:sldId id="265" r:id="rId14"/>
+    <p:sldId id="271" r:id="rId5"/>
+    <p:sldId id="257" r:id="rId6"/>
+    <p:sldId id="266" r:id="rId7"/>
+    <p:sldId id="273" r:id="rId8"/>
+    <p:sldId id="258" r:id="rId9"/>
+    <p:sldId id="259" r:id="rId10"/>
+    <p:sldId id="260" r:id="rId11"/>
+    <p:sldId id="261" r:id="rId12"/>
+    <p:sldId id="262" r:id="rId13"/>
+    <p:sldId id="269" r:id="rId14"/>
+    <p:sldId id="263" r:id="rId15"/>
+    <p:sldId id="265" r:id="rId16"/>
+    <p:sldId id="274" r:id="rId17"/>
   </p:sldIdLst>
   <p:sldSz cx="12192000" cy="6858000"/>
   <p:notesSz cx="6858000" cy="9144000"/>
@@ -127,8 +130,10 @@
             <p14:sldId id="256"/>
             <p14:sldId id="267"/>
             <p14:sldId id="268"/>
+            <p14:sldId id="271"/>
             <p14:sldId id="257"/>
             <p14:sldId id="266"/>
+            <p14:sldId id="273"/>
             <p14:sldId id="258"/>
             <p14:sldId id="259"/>
             <p14:sldId id="260"/>
@@ -141,6 +146,7 @@
         <p14:section name="Appendix" id="{09A9D3B7-5AA0-444B-9BC7-B3BA78004DEE}">
           <p14:sldIdLst>
             <p14:sldId id="265"/>
+            <p14:sldId id="274"/>
           </p14:sldIdLst>
         </p14:section>
       </p14:sectionLst>
@@ -439,10 +445,11 @@
           </c:marker>
           <c:trendline>
             <c:spPr>
-              <a:ln w="9525" cap="rnd">
+              <a:ln w="19050" cap="rnd" cmpd="sng" algn="ctr">
                 <a:solidFill>
-                  <a:schemeClr val="accent2"/>
+                  <a:schemeClr val="accent6"/>
                 </a:solidFill>
+                <a:prstDash val="solid"/>
               </a:ln>
               <a:effectLst/>
             </c:spPr>
@@ -1473,6 +1480,3399 @@
 </cs:chartStyle>
 </file>
 
+<file path=ppt/diagrams/colors1.xml><?xml version="1.0" encoding="utf-8"?>
+<dgm:colorsDef xmlns:dgm="http://schemas.openxmlformats.org/drawingml/2006/diagram" xmlns:a="http://schemas.openxmlformats.org/drawingml/2006/main" uniqueId="urn:microsoft.com/office/officeart/2005/8/colors/colorful4">
+  <dgm:title val=""/>
+  <dgm:desc val=""/>
+  <dgm:catLst>
+    <dgm:cat type="colorful" pri="10400"/>
+  </dgm:catLst>
+  <dgm:styleLbl name="node0">
+    <dgm:fillClrLst meth="repeat">
+      <a:schemeClr val="accent3"/>
+    </dgm:fillClrLst>
+    <dgm:linClrLst meth="repeat">
+      <a:schemeClr val="lt1"/>
+    </dgm:linClrLst>
+    <dgm:effectClrLst/>
+    <dgm:txLinClrLst/>
+    <dgm:txFillClrLst/>
+    <dgm:txEffectClrLst/>
+  </dgm:styleLbl>
+  <dgm:styleLbl name="node1">
+    <dgm:fillClrLst>
+      <a:schemeClr val="accent4"/>
+      <a:schemeClr val="accent5"/>
+    </dgm:fillClrLst>
+    <dgm:linClrLst meth="repeat">
+      <a:schemeClr val="lt1"/>
+    </dgm:linClrLst>
+    <dgm:effectClrLst/>
+    <dgm:txLinClrLst/>
+    <dgm:txFillClrLst/>
+    <dgm:txEffectClrLst/>
+  </dgm:styleLbl>
+  <dgm:styleLbl name="alignNode1">
+    <dgm:fillClrLst>
+      <a:schemeClr val="accent4"/>
+      <a:schemeClr val="accent5"/>
+    </dgm:fillClrLst>
+    <dgm:linClrLst>
+      <a:schemeClr val="accent4"/>
+      <a:schemeClr val="accent5"/>
+    </dgm:linClrLst>
+    <dgm:effectClrLst/>
+    <dgm:txLinClrLst/>
+    <dgm:txFillClrLst/>
+    <dgm:txEffectClrLst/>
+  </dgm:styleLbl>
+  <dgm:styleLbl name="lnNode1">
+    <dgm:fillClrLst>
+      <a:schemeClr val="accent4"/>
+      <a:schemeClr val="accent5"/>
+    </dgm:fillClrLst>
+    <dgm:linClrLst meth="repeat">
+      <a:schemeClr val="lt1"/>
+    </dgm:linClrLst>
+    <dgm:effectClrLst/>
+    <dgm:txLinClrLst/>
+    <dgm:txFillClrLst/>
+    <dgm:txEffectClrLst/>
+  </dgm:styleLbl>
+  <dgm:styleLbl name="vennNode1">
+    <dgm:fillClrLst>
+      <a:schemeClr val="accent4">
+        <a:alpha val="50000"/>
+      </a:schemeClr>
+      <a:schemeClr val="accent5">
+        <a:alpha val="50000"/>
+      </a:schemeClr>
+    </dgm:fillClrLst>
+    <dgm:linClrLst meth="repeat">
+      <a:schemeClr val="lt1"/>
+    </dgm:linClrLst>
+    <dgm:effectClrLst/>
+    <dgm:txLinClrLst/>
+    <dgm:txFillClrLst/>
+    <dgm:txEffectClrLst/>
+  </dgm:styleLbl>
+  <dgm:styleLbl name="node2">
+    <dgm:fillClrLst>
+      <a:schemeClr val="accent5"/>
+    </dgm:fillClrLst>
+    <dgm:linClrLst meth="repeat">
+      <a:schemeClr val="lt1"/>
+    </dgm:linClrLst>
+    <dgm:effectClrLst/>
+    <dgm:txLinClrLst/>
+    <dgm:txFillClrLst/>
+    <dgm:txEffectClrLst/>
+  </dgm:styleLbl>
+  <dgm:styleLbl name="node3">
+    <dgm:fillClrLst>
+      <a:schemeClr val="accent6"/>
+    </dgm:fillClrLst>
+    <dgm:linClrLst meth="repeat">
+      <a:schemeClr val="lt1"/>
+    </dgm:linClrLst>
+    <dgm:effectClrLst/>
+    <dgm:txLinClrLst/>
+    <dgm:txFillClrLst/>
+    <dgm:txEffectClrLst/>
+  </dgm:styleLbl>
+  <dgm:styleLbl name="node4">
+    <dgm:fillClrLst>
+      <a:schemeClr val="accent1"/>
+    </dgm:fillClrLst>
+    <dgm:linClrLst meth="repeat">
+      <a:schemeClr val="lt1"/>
+    </dgm:linClrLst>
+    <dgm:effectClrLst/>
+    <dgm:txLinClrLst/>
+    <dgm:txFillClrLst/>
+    <dgm:txEffectClrLst/>
+  </dgm:styleLbl>
+  <dgm:styleLbl name="fgImgPlace1">
+    <dgm:fillClrLst>
+      <a:schemeClr val="accent4">
+        <a:tint val="50000"/>
+      </a:schemeClr>
+      <a:schemeClr val="accent5">
+        <a:tint val="50000"/>
+      </a:schemeClr>
+    </dgm:fillClrLst>
+    <dgm:linClrLst meth="repeat">
+      <a:schemeClr val="lt1"/>
+    </dgm:linClrLst>
+    <dgm:effectClrLst/>
+    <dgm:txLinClrLst/>
+    <dgm:txFillClrLst meth="repeat">
+      <a:schemeClr val="lt1"/>
+    </dgm:txFillClrLst>
+    <dgm:txEffectClrLst/>
+  </dgm:styleLbl>
+  <dgm:styleLbl name="alignImgPlace1">
+    <dgm:fillClrLst>
+      <a:schemeClr val="accent4">
+        <a:tint val="50000"/>
+      </a:schemeClr>
+      <a:schemeClr val="accent5">
+        <a:tint val="20000"/>
+      </a:schemeClr>
+    </dgm:fillClrLst>
+    <dgm:linClrLst meth="repeat">
+      <a:schemeClr val="lt1"/>
+    </dgm:linClrLst>
+    <dgm:effectClrLst/>
+    <dgm:txLinClrLst/>
+    <dgm:txFillClrLst meth="repeat">
+      <a:schemeClr val="lt1"/>
+    </dgm:txFillClrLst>
+    <dgm:txEffectClrLst/>
+  </dgm:styleLbl>
+  <dgm:styleLbl name="bgImgPlace1">
+    <dgm:fillClrLst>
+      <a:schemeClr val="accent4">
+        <a:tint val="50000"/>
+      </a:schemeClr>
+      <a:schemeClr val="accent5">
+        <a:tint val="20000"/>
+      </a:schemeClr>
+    </dgm:fillClrLst>
+    <dgm:linClrLst meth="repeat">
+      <a:schemeClr val="lt1"/>
+    </dgm:linClrLst>
+    <dgm:effectClrLst/>
+    <dgm:txLinClrLst/>
+    <dgm:txFillClrLst meth="repeat">
+      <a:schemeClr val="lt1"/>
+    </dgm:txFillClrLst>
+    <dgm:txEffectClrLst/>
+  </dgm:styleLbl>
+  <dgm:styleLbl name="sibTrans2D1">
+    <dgm:fillClrLst>
+      <a:schemeClr val="accent4"/>
+      <a:schemeClr val="accent5"/>
+    </dgm:fillClrLst>
+    <dgm:linClrLst meth="repeat">
+      <a:schemeClr val="lt1"/>
+    </dgm:linClrLst>
+    <dgm:effectClrLst/>
+    <dgm:txLinClrLst/>
+    <dgm:txFillClrLst/>
+    <dgm:txEffectClrLst/>
+  </dgm:styleLbl>
+  <dgm:styleLbl name="fgSibTrans2D1">
+    <dgm:fillClrLst>
+      <a:schemeClr val="accent4"/>
+      <a:schemeClr val="accent5"/>
+    </dgm:fillClrLst>
+    <dgm:linClrLst meth="repeat">
+      <a:schemeClr val="lt1"/>
+    </dgm:linClrLst>
+    <dgm:effectClrLst/>
+    <dgm:txLinClrLst/>
+    <dgm:txFillClrLst meth="repeat">
+      <a:schemeClr val="lt1"/>
+    </dgm:txFillClrLst>
+    <dgm:txEffectClrLst/>
+  </dgm:styleLbl>
+  <dgm:styleLbl name="bgSibTrans2D1">
+    <dgm:fillClrLst>
+      <a:schemeClr val="accent4"/>
+      <a:schemeClr val="accent5"/>
+    </dgm:fillClrLst>
+    <dgm:linClrLst meth="repeat">
+      <a:schemeClr val="lt1"/>
+    </dgm:linClrLst>
+    <dgm:effectClrLst/>
+    <dgm:txLinClrLst/>
+    <dgm:txFillClrLst meth="repeat">
+      <a:schemeClr val="lt1"/>
+    </dgm:txFillClrLst>
+    <dgm:txEffectClrLst/>
+  </dgm:styleLbl>
+  <dgm:styleLbl name="sibTrans1D1">
+    <dgm:fillClrLst/>
+    <dgm:linClrLst>
+      <a:schemeClr val="accent4"/>
+      <a:schemeClr val="accent5"/>
+    </dgm:linClrLst>
+    <dgm:effectClrLst/>
+    <dgm:txLinClrLst/>
+    <dgm:txFillClrLst meth="repeat">
+      <a:schemeClr val="tx1"/>
+    </dgm:txFillClrLst>
+    <dgm:txEffectClrLst/>
+  </dgm:styleLbl>
+  <dgm:styleLbl name="callout">
+    <dgm:fillClrLst meth="repeat">
+      <a:schemeClr val="accent4"/>
+    </dgm:fillClrLst>
+    <dgm:linClrLst meth="repeat">
+      <a:schemeClr val="accent4">
+        <a:tint val="50000"/>
+      </a:schemeClr>
+    </dgm:linClrLst>
+    <dgm:effectClrLst/>
+    <dgm:txLinClrLst/>
+    <dgm:txFillClrLst meth="repeat">
+      <a:schemeClr val="tx1"/>
+    </dgm:txFillClrLst>
+    <dgm:txEffectClrLst/>
+  </dgm:styleLbl>
+  <dgm:styleLbl name="asst0">
+    <dgm:fillClrLst meth="repeat">
+      <a:schemeClr val="accent4"/>
+    </dgm:fillClrLst>
+    <dgm:linClrLst meth="repeat">
+      <a:schemeClr val="lt1">
+        <a:shade val="80000"/>
+      </a:schemeClr>
+    </dgm:linClrLst>
+    <dgm:effectClrLst/>
+    <dgm:txLinClrLst/>
+    <dgm:txFillClrLst/>
+    <dgm:txEffectClrLst/>
+  </dgm:styleLbl>
+  <dgm:styleLbl name="asst1">
+    <dgm:fillClrLst meth="repeat">
+      <a:schemeClr val="accent5"/>
+    </dgm:fillClrLst>
+    <dgm:linClrLst meth="repeat">
+      <a:schemeClr val="lt1">
+        <a:shade val="80000"/>
+      </a:schemeClr>
+    </dgm:linClrLst>
+    <dgm:effectClrLst/>
+    <dgm:txLinClrLst/>
+    <dgm:txFillClrLst/>
+    <dgm:txEffectClrLst/>
+  </dgm:styleLbl>
+  <dgm:styleLbl name="asst2">
+    <dgm:fillClrLst>
+      <a:schemeClr val="accent6"/>
+    </dgm:fillClrLst>
+    <dgm:linClrLst meth="repeat">
+      <a:schemeClr val="lt1"/>
+    </dgm:linClrLst>
+    <dgm:effectClrLst/>
+    <dgm:txLinClrLst/>
+    <dgm:txFillClrLst/>
+    <dgm:txEffectClrLst/>
+  </dgm:styleLbl>
+  <dgm:styleLbl name="asst3">
+    <dgm:fillClrLst>
+      <a:schemeClr val="accent1"/>
+    </dgm:fillClrLst>
+    <dgm:linClrLst meth="repeat">
+      <a:schemeClr val="lt1"/>
+    </dgm:linClrLst>
+    <dgm:effectClrLst/>
+    <dgm:txLinClrLst/>
+    <dgm:txFillClrLst/>
+    <dgm:txEffectClrLst/>
+  </dgm:styleLbl>
+  <dgm:styleLbl name="asst4">
+    <dgm:fillClrLst>
+      <a:schemeClr val="accent2"/>
+    </dgm:fillClrLst>
+    <dgm:linClrLst meth="repeat">
+      <a:schemeClr val="lt1"/>
+    </dgm:linClrLst>
+    <dgm:effectClrLst/>
+    <dgm:txLinClrLst/>
+    <dgm:txFillClrLst/>
+    <dgm:txEffectClrLst/>
+  </dgm:styleLbl>
+  <dgm:styleLbl name="parChTrans2D1">
+    <dgm:fillClrLst meth="repeat">
+      <a:schemeClr val="accent4"/>
+    </dgm:fillClrLst>
+    <dgm:linClrLst meth="repeat">
+      <a:schemeClr val="lt1"/>
+    </dgm:linClrLst>
+    <dgm:effectClrLst/>
+    <dgm:txLinClrLst/>
+    <dgm:txFillClrLst meth="repeat">
+      <a:schemeClr val="lt1"/>
+    </dgm:txFillClrLst>
+    <dgm:txEffectClrLst/>
+  </dgm:styleLbl>
+  <dgm:styleLbl name="parChTrans2D2">
+    <dgm:fillClrLst meth="repeat">
+      <a:schemeClr val="accent5"/>
+    </dgm:fillClrLst>
+    <dgm:linClrLst meth="repeat">
+      <a:schemeClr val="lt1"/>
+    </dgm:linClrLst>
+    <dgm:effectClrLst/>
+    <dgm:txLinClrLst/>
+    <dgm:txFillClrLst/>
+    <dgm:txEffectClrLst/>
+  </dgm:styleLbl>
+  <dgm:styleLbl name="parChTrans2D3">
+    <dgm:fillClrLst meth="repeat">
+      <a:schemeClr val="accent5"/>
+    </dgm:fillClrLst>
+    <dgm:linClrLst meth="repeat">
+      <a:schemeClr val="lt1"/>
+    </dgm:linClrLst>
+    <dgm:effectClrLst/>
+    <dgm:txLinClrLst/>
+    <dgm:txFillClrLst/>
+    <dgm:txEffectClrLst/>
+  </dgm:styleLbl>
+  <dgm:styleLbl name="parChTrans2D4">
+    <dgm:fillClrLst meth="repeat">
+      <a:schemeClr val="accent6"/>
+    </dgm:fillClrLst>
+    <dgm:linClrLst meth="repeat">
+      <a:schemeClr val="lt1"/>
+    </dgm:linClrLst>
+    <dgm:effectClrLst/>
+    <dgm:txLinClrLst/>
+    <dgm:txFillClrLst meth="repeat">
+      <a:schemeClr val="lt1"/>
+    </dgm:txFillClrLst>
+    <dgm:txEffectClrLst/>
+  </dgm:styleLbl>
+  <dgm:styleLbl name="parChTrans1D1">
+    <dgm:fillClrLst meth="repeat">
+      <a:schemeClr val="accent4"/>
+    </dgm:fillClrLst>
+    <dgm:linClrLst meth="repeat">
+      <a:schemeClr val="accent4"/>
+    </dgm:linClrLst>
+    <dgm:effectClrLst/>
+    <dgm:txLinClrLst/>
+    <dgm:txFillClrLst meth="repeat">
+      <a:schemeClr val="tx1"/>
+    </dgm:txFillClrLst>
+    <dgm:txEffectClrLst/>
+  </dgm:styleLbl>
+  <dgm:styleLbl name="parChTrans1D2">
+    <dgm:fillClrLst meth="repeat">
+      <a:schemeClr val="accent4">
+        <a:tint val="90000"/>
+      </a:schemeClr>
+    </dgm:fillClrLst>
+    <dgm:linClrLst meth="repeat">
+      <a:schemeClr val="accent5"/>
+    </dgm:linClrLst>
+    <dgm:effectClrLst/>
+    <dgm:txLinClrLst/>
+    <dgm:txFillClrLst meth="repeat">
+      <a:schemeClr val="tx1"/>
+    </dgm:txFillClrLst>
+    <dgm:txEffectClrLst/>
+  </dgm:styleLbl>
+  <dgm:styleLbl name="parChTrans1D3">
+    <dgm:fillClrLst meth="repeat">
+      <a:schemeClr val="accent4">
+        <a:tint val="70000"/>
+      </a:schemeClr>
+    </dgm:fillClrLst>
+    <dgm:linClrLst meth="repeat">
+      <a:schemeClr val="accent6"/>
+    </dgm:linClrLst>
+    <dgm:effectClrLst/>
+    <dgm:txLinClrLst/>
+    <dgm:txFillClrLst meth="repeat">
+      <a:schemeClr val="tx1"/>
+    </dgm:txFillClrLst>
+    <dgm:txEffectClrLst/>
+  </dgm:styleLbl>
+  <dgm:styleLbl name="parChTrans1D4">
+    <dgm:fillClrLst meth="repeat">
+      <a:schemeClr val="accent4">
+        <a:tint val="50000"/>
+      </a:schemeClr>
+    </dgm:fillClrLst>
+    <dgm:linClrLst meth="repeat">
+      <a:schemeClr val="accent1"/>
+    </dgm:linClrLst>
+    <dgm:effectClrLst/>
+    <dgm:txLinClrLst/>
+    <dgm:txFillClrLst meth="repeat">
+      <a:schemeClr val="tx1"/>
+    </dgm:txFillClrLst>
+    <dgm:txEffectClrLst/>
+  </dgm:styleLbl>
+  <dgm:styleLbl name="fgAcc1">
+    <dgm:fillClrLst meth="repeat">
+      <a:schemeClr val="lt1">
+        <a:alpha val="90000"/>
+      </a:schemeClr>
+    </dgm:fillClrLst>
+    <dgm:linClrLst>
+      <a:schemeClr val="accent4"/>
+      <a:schemeClr val="accent5"/>
+    </dgm:linClrLst>
+    <dgm:effectClrLst/>
+    <dgm:txLinClrLst/>
+    <dgm:txFillClrLst meth="repeat">
+      <a:schemeClr val="dk1"/>
+    </dgm:txFillClrLst>
+    <dgm:txEffectClrLst/>
+  </dgm:styleLbl>
+  <dgm:styleLbl name="conFgAcc1">
+    <dgm:fillClrLst meth="repeat">
+      <a:schemeClr val="lt1">
+        <a:alpha val="90000"/>
+      </a:schemeClr>
+    </dgm:fillClrLst>
+    <dgm:linClrLst>
+      <a:schemeClr val="accent4"/>
+      <a:schemeClr val="accent5"/>
+    </dgm:linClrLst>
+    <dgm:effectClrLst/>
+    <dgm:txLinClrLst/>
+    <dgm:txFillClrLst meth="repeat">
+      <a:schemeClr val="dk1"/>
+    </dgm:txFillClrLst>
+    <dgm:txEffectClrLst/>
+  </dgm:styleLbl>
+  <dgm:styleLbl name="alignAcc1">
+    <dgm:fillClrLst meth="repeat">
+      <a:schemeClr val="lt1">
+        <a:alpha val="90000"/>
+      </a:schemeClr>
+    </dgm:fillClrLst>
+    <dgm:linClrLst>
+      <a:schemeClr val="accent4"/>
+      <a:schemeClr val="accent5"/>
+    </dgm:linClrLst>
+    <dgm:effectClrLst/>
+    <dgm:txLinClrLst/>
+    <dgm:txFillClrLst meth="repeat">
+      <a:schemeClr val="dk1"/>
+    </dgm:txFillClrLst>
+    <dgm:txEffectClrLst/>
+  </dgm:styleLbl>
+  <dgm:styleLbl name="trAlignAcc1">
+    <dgm:fillClrLst meth="repeat">
+      <a:schemeClr val="lt1">
+        <a:alpha val="40000"/>
+      </a:schemeClr>
+    </dgm:fillClrLst>
+    <dgm:linClrLst meth="repeat">
+      <a:schemeClr val="accent4"/>
+    </dgm:linClrLst>
+    <dgm:effectClrLst/>
+    <dgm:txLinClrLst/>
+    <dgm:txFillClrLst meth="repeat">
+      <a:schemeClr val="dk1"/>
+    </dgm:txFillClrLst>
+    <dgm:txEffectClrLst/>
+  </dgm:styleLbl>
+  <dgm:styleLbl name="bgAcc1">
+    <dgm:fillClrLst meth="repeat">
+      <a:schemeClr val="lt1">
+        <a:alpha val="90000"/>
+      </a:schemeClr>
+    </dgm:fillClrLst>
+    <dgm:linClrLst>
+      <a:schemeClr val="accent4"/>
+      <a:schemeClr val="accent5"/>
+    </dgm:linClrLst>
+    <dgm:effectClrLst/>
+    <dgm:txLinClrLst/>
+    <dgm:txFillClrLst meth="repeat">
+      <a:schemeClr val="dk1"/>
+    </dgm:txFillClrLst>
+    <dgm:txEffectClrLst/>
+  </dgm:styleLbl>
+  <dgm:styleLbl name="solidFgAcc1">
+    <dgm:fillClrLst meth="repeat">
+      <a:schemeClr val="lt1"/>
+    </dgm:fillClrLst>
+    <dgm:linClrLst>
+      <a:schemeClr val="accent4"/>
+      <a:schemeClr val="accent5"/>
+    </dgm:linClrLst>
+    <dgm:effectClrLst/>
+    <dgm:txLinClrLst/>
+    <dgm:txFillClrLst meth="repeat">
+      <a:schemeClr val="dk1"/>
+    </dgm:txFillClrLst>
+    <dgm:txEffectClrLst/>
+  </dgm:styleLbl>
+  <dgm:styleLbl name="solidAlignAcc1">
+    <dgm:fillClrLst meth="repeat">
+      <a:schemeClr val="lt1"/>
+    </dgm:fillClrLst>
+    <dgm:linClrLst>
+      <a:schemeClr val="accent4"/>
+      <a:schemeClr val="accent5"/>
+    </dgm:linClrLst>
+    <dgm:effectClrLst/>
+    <dgm:txLinClrLst/>
+    <dgm:txFillClrLst meth="repeat">
+      <a:schemeClr val="dk1"/>
+    </dgm:txFillClrLst>
+    <dgm:txEffectClrLst/>
+  </dgm:styleLbl>
+  <dgm:styleLbl name="solidBgAcc1">
+    <dgm:fillClrLst meth="repeat">
+      <a:schemeClr val="lt1"/>
+    </dgm:fillClrLst>
+    <dgm:linClrLst>
+      <a:schemeClr val="accent4"/>
+      <a:schemeClr val="accent5"/>
+    </dgm:linClrLst>
+    <dgm:effectClrLst/>
+    <dgm:txLinClrLst/>
+    <dgm:txFillClrLst meth="repeat">
+      <a:schemeClr val="dk1"/>
+    </dgm:txFillClrLst>
+    <dgm:txEffectClrLst/>
+  </dgm:styleLbl>
+  <dgm:styleLbl name="fgAccFollowNode1">
+    <dgm:fillClrLst>
+      <a:schemeClr val="accent4">
+        <a:tint val="40000"/>
+        <a:alpha val="90000"/>
+      </a:schemeClr>
+      <a:schemeClr val="accent5">
+        <a:tint val="40000"/>
+        <a:alpha val="90000"/>
+      </a:schemeClr>
+    </dgm:fillClrLst>
+    <dgm:linClrLst>
+      <a:schemeClr val="accent4">
+        <a:tint val="40000"/>
+        <a:alpha val="90000"/>
+      </a:schemeClr>
+      <a:schemeClr val="accent5">
+        <a:tint val="40000"/>
+        <a:alpha val="90000"/>
+      </a:schemeClr>
+    </dgm:linClrLst>
+    <dgm:effectClrLst/>
+    <dgm:txLinClrLst/>
+    <dgm:txFillClrLst meth="repeat">
+      <a:schemeClr val="dk1"/>
+    </dgm:txFillClrLst>
+    <dgm:txEffectClrLst/>
+  </dgm:styleLbl>
+  <dgm:styleLbl name="alignAccFollowNode1">
+    <dgm:fillClrLst>
+      <a:schemeClr val="accent4">
+        <a:tint val="40000"/>
+        <a:alpha val="90000"/>
+      </a:schemeClr>
+      <a:schemeClr val="accent5">
+        <a:tint val="40000"/>
+        <a:alpha val="90000"/>
+      </a:schemeClr>
+    </dgm:fillClrLst>
+    <dgm:linClrLst>
+      <a:schemeClr val="accent4">
+        <a:tint val="40000"/>
+        <a:alpha val="90000"/>
+      </a:schemeClr>
+      <a:schemeClr val="accent5">
+        <a:tint val="40000"/>
+        <a:alpha val="90000"/>
+      </a:schemeClr>
+    </dgm:linClrLst>
+    <dgm:effectClrLst/>
+    <dgm:txLinClrLst/>
+    <dgm:txFillClrLst meth="repeat">
+      <a:schemeClr val="dk1"/>
+    </dgm:txFillClrLst>
+    <dgm:txEffectClrLst/>
+  </dgm:styleLbl>
+  <dgm:styleLbl name="bgAccFollowNode1">
+    <dgm:fillClrLst>
+      <a:schemeClr val="accent4">
+        <a:tint val="40000"/>
+        <a:alpha val="90000"/>
+      </a:schemeClr>
+      <a:schemeClr val="accent5">
+        <a:tint val="40000"/>
+        <a:alpha val="90000"/>
+      </a:schemeClr>
+    </dgm:fillClrLst>
+    <dgm:linClrLst>
+      <a:schemeClr val="accent4">
+        <a:tint val="40000"/>
+        <a:alpha val="90000"/>
+      </a:schemeClr>
+      <a:schemeClr val="accent5">
+        <a:tint val="40000"/>
+        <a:alpha val="90000"/>
+      </a:schemeClr>
+    </dgm:linClrLst>
+    <dgm:effectClrLst/>
+    <dgm:txLinClrLst/>
+    <dgm:txFillClrLst meth="repeat">
+      <a:schemeClr val="dk1"/>
+    </dgm:txFillClrLst>
+    <dgm:txEffectClrLst/>
+  </dgm:styleLbl>
+  <dgm:styleLbl name="fgAcc0">
+    <dgm:fillClrLst meth="repeat">
+      <a:schemeClr val="lt1">
+        <a:alpha val="90000"/>
+      </a:schemeClr>
+    </dgm:fillClrLst>
+    <dgm:linClrLst>
+      <a:schemeClr val="accent3"/>
+    </dgm:linClrLst>
+    <dgm:effectClrLst/>
+    <dgm:txLinClrLst/>
+    <dgm:txFillClrLst meth="repeat">
+      <a:schemeClr val="dk1"/>
+    </dgm:txFillClrLst>
+    <dgm:txEffectClrLst/>
+  </dgm:styleLbl>
+  <dgm:styleLbl name="fgAcc2">
+    <dgm:fillClrLst meth="repeat">
+      <a:schemeClr val="lt1">
+        <a:alpha val="90000"/>
+      </a:schemeClr>
+    </dgm:fillClrLst>
+    <dgm:linClrLst>
+      <a:schemeClr val="accent5"/>
+    </dgm:linClrLst>
+    <dgm:effectClrLst/>
+    <dgm:txLinClrLst/>
+    <dgm:txFillClrLst meth="repeat">
+      <a:schemeClr val="dk1"/>
+    </dgm:txFillClrLst>
+    <dgm:txEffectClrLst/>
+  </dgm:styleLbl>
+  <dgm:styleLbl name="fgAcc3">
+    <dgm:fillClrLst meth="repeat">
+      <a:schemeClr val="lt1">
+        <a:alpha val="90000"/>
+      </a:schemeClr>
+    </dgm:fillClrLst>
+    <dgm:linClrLst>
+      <a:schemeClr val="accent6"/>
+    </dgm:linClrLst>
+    <dgm:effectClrLst/>
+    <dgm:txLinClrLst/>
+    <dgm:txFillClrLst meth="repeat">
+      <a:schemeClr val="dk1"/>
+    </dgm:txFillClrLst>
+    <dgm:txEffectClrLst/>
+  </dgm:styleLbl>
+  <dgm:styleLbl name="fgAcc4">
+    <dgm:fillClrLst meth="repeat">
+      <a:schemeClr val="lt1">
+        <a:alpha val="90000"/>
+      </a:schemeClr>
+    </dgm:fillClrLst>
+    <dgm:linClrLst>
+      <a:schemeClr val="accent1"/>
+    </dgm:linClrLst>
+    <dgm:effectClrLst/>
+    <dgm:txLinClrLst/>
+    <dgm:txFillClrLst meth="repeat">
+      <a:schemeClr val="dk1"/>
+    </dgm:txFillClrLst>
+    <dgm:txEffectClrLst/>
+  </dgm:styleLbl>
+  <dgm:styleLbl name="bgShp">
+    <dgm:fillClrLst meth="repeat">
+      <a:schemeClr val="accent4">
+        <a:tint val="40000"/>
+      </a:schemeClr>
+    </dgm:fillClrLst>
+    <dgm:linClrLst meth="repeat">
+      <a:schemeClr val="dk1"/>
+    </dgm:linClrLst>
+    <dgm:effectClrLst/>
+    <dgm:txLinClrLst/>
+    <dgm:txFillClrLst meth="repeat">
+      <a:schemeClr val="dk1"/>
+    </dgm:txFillClrLst>
+    <dgm:txEffectClrLst/>
+  </dgm:styleLbl>
+  <dgm:styleLbl name="dkBgShp">
+    <dgm:fillClrLst meth="repeat">
+      <a:schemeClr val="accent4">
+        <a:shade val="90000"/>
+      </a:schemeClr>
+    </dgm:fillClrLst>
+    <dgm:linClrLst meth="repeat">
+      <a:schemeClr val="dk1"/>
+    </dgm:linClrLst>
+    <dgm:effectClrLst/>
+    <dgm:txLinClrLst/>
+    <dgm:txFillClrLst meth="repeat">
+      <a:schemeClr val="lt1"/>
+    </dgm:txFillClrLst>
+    <dgm:txEffectClrLst/>
+  </dgm:styleLbl>
+  <dgm:styleLbl name="trBgShp">
+    <dgm:fillClrLst meth="repeat">
+      <a:schemeClr val="accent4">
+        <a:tint val="50000"/>
+        <a:alpha val="40000"/>
+      </a:schemeClr>
+    </dgm:fillClrLst>
+    <dgm:linClrLst meth="repeat">
+      <a:schemeClr val="accent4"/>
+    </dgm:linClrLst>
+    <dgm:effectClrLst/>
+    <dgm:txLinClrLst/>
+    <dgm:txFillClrLst meth="repeat">
+      <a:schemeClr val="lt1"/>
+    </dgm:txFillClrLst>
+    <dgm:txEffectClrLst/>
+  </dgm:styleLbl>
+  <dgm:styleLbl name="fgShp">
+    <dgm:fillClrLst meth="repeat">
+      <a:schemeClr val="accent4">
+        <a:tint val="40000"/>
+      </a:schemeClr>
+    </dgm:fillClrLst>
+    <dgm:linClrLst meth="repeat">
+      <a:schemeClr val="lt1"/>
+    </dgm:linClrLst>
+    <dgm:effectClrLst/>
+    <dgm:txLinClrLst/>
+    <dgm:txFillClrLst meth="repeat">
+      <a:schemeClr val="dk1"/>
+    </dgm:txFillClrLst>
+    <dgm:txEffectClrLst/>
+  </dgm:styleLbl>
+  <dgm:styleLbl name="revTx">
+    <dgm:fillClrLst meth="repeat">
+      <a:schemeClr val="lt1">
+        <a:alpha val="0"/>
+      </a:schemeClr>
+    </dgm:fillClrLst>
+    <dgm:linClrLst meth="repeat">
+      <a:schemeClr val="dk1">
+        <a:alpha val="0"/>
+      </a:schemeClr>
+    </dgm:linClrLst>
+    <dgm:effectClrLst/>
+    <dgm:txLinClrLst/>
+    <dgm:txFillClrLst meth="repeat">
+      <a:schemeClr val="tx1"/>
+    </dgm:txFillClrLst>
+    <dgm:txEffectClrLst/>
+  </dgm:styleLbl>
+</dgm:colorsDef>
+</file>
+
+<file path=ppt/diagrams/data1.xml><?xml version="1.0" encoding="utf-8"?>
+<dgm:dataModel xmlns:dgm="http://schemas.openxmlformats.org/drawingml/2006/diagram" xmlns:a="http://schemas.openxmlformats.org/drawingml/2006/main">
+  <dgm:ptLst>
+    <dgm:pt modelId="{9345C973-49BA-4654-BAA2-8449213F704F}" type="doc">
+      <dgm:prSet loTypeId="urn:microsoft.com/office/officeart/2005/8/layout/process4" loCatId="process" qsTypeId="urn:microsoft.com/office/officeart/2005/8/quickstyle/simple1" qsCatId="simple" csTypeId="urn:microsoft.com/office/officeart/2005/8/colors/colorful4" csCatId="colorful" phldr="1"/>
+      <dgm:spPr/>
+      <dgm:t>
+        <a:bodyPr/>
+        <a:lstStyle/>
+        <a:p>
+          <a:endParaRPr lang="en-US"/>
+        </a:p>
+      </dgm:t>
+    </dgm:pt>
+    <dgm:pt modelId="{CFDCAF39-7932-43E0-8CF0-CF369A74997C}">
+      <dgm:prSet phldrT="[Text]"/>
+      <dgm:spPr/>
+      <dgm:t>
+        <a:bodyPr/>
+        <a:lstStyle/>
+        <a:p>
+          <a:r>
+            <a:rPr lang="en-US" dirty="0"/>
+            <a:t>Figure out distribution of data set – create bucket parameters</a:t>
+          </a:r>
+        </a:p>
+      </dgm:t>
+    </dgm:pt>
+    <dgm:pt modelId="{96FBCF1B-F945-4BE2-B4C3-86DF6FA606E4}" type="parTrans" cxnId="{DD676461-6CF1-43D6-9F72-A2A636B0DC55}">
+      <dgm:prSet/>
+      <dgm:spPr/>
+      <dgm:t>
+        <a:bodyPr/>
+        <a:lstStyle/>
+        <a:p>
+          <a:endParaRPr lang="en-US"/>
+        </a:p>
+      </dgm:t>
+    </dgm:pt>
+    <dgm:pt modelId="{54E13A80-A4BE-413C-B7A6-390571BA40AB}" type="sibTrans" cxnId="{DD676461-6CF1-43D6-9F72-A2A636B0DC55}">
+      <dgm:prSet/>
+      <dgm:spPr/>
+      <dgm:t>
+        <a:bodyPr/>
+        <a:lstStyle/>
+        <a:p>
+          <a:endParaRPr lang="en-US"/>
+        </a:p>
+      </dgm:t>
+    </dgm:pt>
+    <dgm:pt modelId="{F98F887F-1493-4C3D-8415-56108A7BE90C}">
+      <dgm:prSet phldrT="[Text]"/>
+      <dgm:spPr/>
+      <dgm:t>
+        <a:bodyPr/>
+        <a:lstStyle/>
+        <a:p>
+          <a:r>
+            <a:rPr lang="en-US" dirty="0"/>
+            <a:t>Java – normal distribution and collect data </a:t>
+          </a:r>
+        </a:p>
+      </dgm:t>
+    </dgm:pt>
+    <dgm:pt modelId="{3D0F7F14-6925-46CD-B862-87292434B0F0}" type="parTrans" cxnId="{EF0A3BCC-997C-47FD-9F82-804BEC2B9228}">
+      <dgm:prSet/>
+      <dgm:spPr/>
+      <dgm:t>
+        <a:bodyPr/>
+        <a:lstStyle/>
+        <a:p>
+          <a:endParaRPr lang="en-US"/>
+        </a:p>
+      </dgm:t>
+    </dgm:pt>
+    <dgm:pt modelId="{E4E2F3CF-6727-4BEA-B42E-979BF6CDE6EA}" type="sibTrans" cxnId="{EF0A3BCC-997C-47FD-9F82-804BEC2B9228}">
+      <dgm:prSet/>
+      <dgm:spPr/>
+      <dgm:t>
+        <a:bodyPr/>
+        <a:lstStyle/>
+        <a:p>
+          <a:endParaRPr lang="en-US"/>
+        </a:p>
+      </dgm:t>
+    </dgm:pt>
+    <dgm:pt modelId="{A3F9A81B-ACC2-4BA8-9622-88FE7A702D58}">
+      <dgm:prSet phldrT="[Text]"/>
+      <dgm:spPr/>
+      <dgm:t>
+        <a:bodyPr/>
+        <a:lstStyle/>
+        <a:p>
+          <a:r>
+            <a:rPr lang="en-US" dirty="0"/>
+            <a:t>Python – Panda to figure out distribution and collected data </a:t>
+          </a:r>
+        </a:p>
+      </dgm:t>
+    </dgm:pt>
+    <dgm:pt modelId="{0989DA58-EDDB-4C32-8467-C69BB2C64240}" type="parTrans" cxnId="{44A690AD-51AC-4058-8F2D-41324D5964CD}">
+      <dgm:prSet/>
+      <dgm:spPr/>
+      <dgm:t>
+        <a:bodyPr/>
+        <a:lstStyle/>
+        <a:p>
+          <a:endParaRPr lang="en-US"/>
+        </a:p>
+      </dgm:t>
+    </dgm:pt>
+    <dgm:pt modelId="{2B1BA644-DD75-40BE-949C-29FC6847CCE5}" type="sibTrans" cxnId="{44A690AD-51AC-4058-8F2D-41324D5964CD}">
+      <dgm:prSet/>
+      <dgm:spPr/>
+      <dgm:t>
+        <a:bodyPr/>
+        <a:lstStyle/>
+        <a:p>
+          <a:endParaRPr lang="en-US"/>
+        </a:p>
+      </dgm:t>
+    </dgm:pt>
+    <dgm:pt modelId="{3C57BA77-0D4E-4BDC-86B7-D7038E09722A}">
+      <dgm:prSet phldrT="[Text]"/>
+      <dgm:spPr/>
+      <dgm:t>
+        <a:bodyPr/>
+        <a:lstStyle/>
+        <a:p>
+          <a:r>
+            <a:rPr lang="en-US" dirty="0"/>
+            <a:t>Panda-like Method in Java to figure out distributions</a:t>
+          </a:r>
+        </a:p>
+      </dgm:t>
+    </dgm:pt>
+    <dgm:pt modelId="{7153C979-9122-426F-B506-85813BD5F10C}" type="parTrans" cxnId="{DC88901E-493B-4614-8F98-4995C5E0CD41}">
+      <dgm:prSet/>
+      <dgm:spPr/>
+      <dgm:t>
+        <a:bodyPr/>
+        <a:lstStyle/>
+        <a:p>
+          <a:endParaRPr lang="en-US"/>
+        </a:p>
+      </dgm:t>
+    </dgm:pt>
+    <dgm:pt modelId="{CEBBC0F9-7A4C-4407-8A2A-F0C2BFFCC88E}" type="sibTrans" cxnId="{DC88901E-493B-4614-8F98-4995C5E0CD41}">
+      <dgm:prSet/>
+      <dgm:spPr/>
+      <dgm:t>
+        <a:bodyPr/>
+        <a:lstStyle/>
+        <a:p>
+          <a:endParaRPr lang="en-US"/>
+        </a:p>
+      </dgm:t>
+    </dgm:pt>
+    <dgm:pt modelId="{1606B4D4-2A2B-4C2B-9B85-34473BAB8765}">
+      <dgm:prSet phldrT="[Text]"/>
+      <dgm:spPr/>
+      <dgm:t>
+        <a:bodyPr/>
+        <a:lstStyle/>
+        <a:p>
+          <a:r>
+            <a:rPr lang="en-US" dirty="0"/>
+            <a:t>See how Panda works and apply similar procedures</a:t>
+          </a:r>
+        </a:p>
+      </dgm:t>
+    </dgm:pt>
+    <dgm:pt modelId="{22A9BE84-D189-460A-89E0-090AB4247095}" type="parTrans" cxnId="{2ACEAF70-A68C-4882-96EC-43D724793EFF}">
+      <dgm:prSet/>
+      <dgm:spPr/>
+      <dgm:t>
+        <a:bodyPr/>
+        <a:lstStyle/>
+        <a:p>
+          <a:endParaRPr lang="en-US"/>
+        </a:p>
+      </dgm:t>
+    </dgm:pt>
+    <dgm:pt modelId="{49D87CB0-265D-4B91-A2F1-5DBADF0C213A}" type="sibTrans" cxnId="{2ACEAF70-A68C-4882-96EC-43D724793EFF}">
+      <dgm:prSet/>
+      <dgm:spPr/>
+      <dgm:t>
+        <a:bodyPr/>
+        <a:lstStyle/>
+        <a:p>
+          <a:endParaRPr lang="en-US"/>
+        </a:p>
+      </dgm:t>
+    </dgm:pt>
+    <dgm:pt modelId="{3D4B8080-12E9-4BAF-98C4-C526F4F1A257}">
+      <dgm:prSet phldrT="[Text]"/>
+      <dgm:spPr/>
+      <dgm:t>
+        <a:bodyPr/>
+        <a:lstStyle/>
+        <a:p>
+          <a:r>
+            <a:rPr lang="en-US" dirty="0"/>
+            <a:t>For irregular distributions, figure out pattern </a:t>
+          </a:r>
+        </a:p>
+      </dgm:t>
+    </dgm:pt>
+    <dgm:pt modelId="{DB4A1555-8B1F-438D-860F-25375A5C22CE}" type="parTrans" cxnId="{1FC18178-1AA0-4902-B3F1-AE826A7DF6E8}">
+      <dgm:prSet/>
+      <dgm:spPr/>
+      <dgm:t>
+        <a:bodyPr/>
+        <a:lstStyle/>
+        <a:p>
+          <a:endParaRPr lang="en-US"/>
+        </a:p>
+      </dgm:t>
+    </dgm:pt>
+    <dgm:pt modelId="{1E717396-7140-49C4-81A2-CFDD9E368057}" type="sibTrans" cxnId="{1FC18178-1AA0-4902-B3F1-AE826A7DF6E8}">
+      <dgm:prSet/>
+      <dgm:spPr/>
+      <dgm:t>
+        <a:bodyPr/>
+        <a:lstStyle/>
+        <a:p>
+          <a:endParaRPr lang="en-US"/>
+        </a:p>
+      </dgm:t>
+    </dgm:pt>
+    <dgm:pt modelId="{EA08054A-2452-4147-B8C4-DBB5D0A62AAF}">
+      <dgm:prSet phldrT="[Text]"/>
+      <dgm:spPr/>
+      <dgm:t>
+        <a:bodyPr/>
+        <a:lstStyle/>
+        <a:p>
+          <a:r>
+            <a:rPr lang="en-US" dirty="0"/>
+            <a:t>Optimize Algorithm - Professionally</a:t>
+          </a:r>
+        </a:p>
+      </dgm:t>
+    </dgm:pt>
+    <dgm:pt modelId="{1A1D4483-5ACA-4CF7-8A78-D66083C53483}" type="parTrans" cxnId="{957DF6C4-8F74-44DC-9C7B-96B0DA660B86}">
+      <dgm:prSet/>
+      <dgm:spPr/>
+      <dgm:t>
+        <a:bodyPr/>
+        <a:lstStyle/>
+        <a:p>
+          <a:endParaRPr lang="en-US"/>
+        </a:p>
+      </dgm:t>
+    </dgm:pt>
+    <dgm:pt modelId="{C923CF2E-4124-403E-B99C-8E1000855557}" type="sibTrans" cxnId="{957DF6C4-8F74-44DC-9C7B-96B0DA660B86}">
+      <dgm:prSet/>
+      <dgm:spPr/>
+      <dgm:t>
+        <a:bodyPr/>
+        <a:lstStyle/>
+        <a:p>
+          <a:endParaRPr lang="en-US"/>
+        </a:p>
+      </dgm:t>
+    </dgm:pt>
+    <dgm:pt modelId="{1207CB5F-C7BC-4AF3-AD6A-58CE0F2B4772}">
+      <dgm:prSet phldrT="[Text]"/>
+      <dgm:spPr/>
+      <dgm:t>
+        <a:bodyPr/>
+        <a:lstStyle/>
+        <a:p>
+          <a:r>
+            <a:rPr lang="en-US" dirty="0"/>
+            <a:t>Multithreading </a:t>
+          </a:r>
+        </a:p>
+      </dgm:t>
+    </dgm:pt>
+    <dgm:pt modelId="{A0EDE2CF-3D09-4605-8B8F-7451A442259B}" type="parTrans" cxnId="{0B1CDEAF-8987-46DB-9804-3B44522C41EE}">
+      <dgm:prSet/>
+      <dgm:spPr/>
+      <dgm:t>
+        <a:bodyPr/>
+        <a:lstStyle/>
+        <a:p>
+          <a:endParaRPr lang="en-US"/>
+        </a:p>
+      </dgm:t>
+    </dgm:pt>
+    <dgm:pt modelId="{AC471A08-6DFE-4D5A-89FA-EA19462C2A13}" type="sibTrans" cxnId="{0B1CDEAF-8987-46DB-9804-3B44522C41EE}">
+      <dgm:prSet/>
+      <dgm:spPr/>
+      <dgm:t>
+        <a:bodyPr/>
+        <a:lstStyle/>
+        <a:p>
+          <a:endParaRPr lang="en-US"/>
+        </a:p>
+      </dgm:t>
+    </dgm:pt>
+    <dgm:pt modelId="{B563C0C2-CC65-43D2-9C0E-05188C35F5AD}">
+      <dgm:prSet phldrT="[Text]"/>
+      <dgm:spPr/>
+      <dgm:t>
+        <a:bodyPr/>
+        <a:lstStyle/>
+        <a:p>
+          <a:r>
+            <a:rPr lang="en-US" dirty="0"/>
+            <a:t>Map Function in Hadoop: MapReduce</a:t>
+          </a:r>
+        </a:p>
+      </dgm:t>
+    </dgm:pt>
+    <dgm:pt modelId="{C1217869-CB36-4237-8C4A-5AF854DC03BB}" type="parTrans" cxnId="{F924B811-DE0B-4CAA-A942-813E35985BA2}">
+      <dgm:prSet/>
+      <dgm:spPr/>
+      <dgm:t>
+        <a:bodyPr/>
+        <a:lstStyle/>
+        <a:p>
+          <a:endParaRPr lang="en-US"/>
+        </a:p>
+      </dgm:t>
+    </dgm:pt>
+    <dgm:pt modelId="{9FB361AE-A699-4F30-B981-753340531F16}" type="sibTrans" cxnId="{F924B811-DE0B-4CAA-A942-813E35985BA2}">
+      <dgm:prSet/>
+      <dgm:spPr/>
+      <dgm:t>
+        <a:bodyPr/>
+        <a:lstStyle/>
+        <a:p>
+          <a:endParaRPr lang="en-US"/>
+        </a:p>
+      </dgm:t>
+    </dgm:pt>
+    <dgm:pt modelId="{0645DD58-4F33-4FC0-8B23-84BEF0FC849D}" type="pres">
+      <dgm:prSet presAssocID="{9345C973-49BA-4654-BAA2-8449213F704F}" presName="Name0" presStyleCnt="0">
+        <dgm:presLayoutVars>
+          <dgm:dir/>
+          <dgm:animLvl val="lvl"/>
+          <dgm:resizeHandles val="exact"/>
+        </dgm:presLayoutVars>
+      </dgm:prSet>
+      <dgm:spPr/>
+    </dgm:pt>
+    <dgm:pt modelId="{28DA3956-BD01-464B-AAF6-9C50AB7B7F02}" type="pres">
+      <dgm:prSet presAssocID="{EA08054A-2452-4147-B8C4-DBB5D0A62AAF}" presName="boxAndChildren" presStyleCnt="0"/>
+      <dgm:spPr/>
+    </dgm:pt>
+    <dgm:pt modelId="{2C6D5C8E-9BB3-4CD9-9548-C4AD4E46BA2E}" type="pres">
+      <dgm:prSet presAssocID="{EA08054A-2452-4147-B8C4-DBB5D0A62AAF}" presName="parentTextBox" presStyleLbl="node1" presStyleIdx="0" presStyleCnt="3"/>
+      <dgm:spPr/>
+    </dgm:pt>
+    <dgm:pt modelId="{4AE64CD6-984C-443F-94BD-56CE385CF134}" type="pres">
+      <dgm:prSet presAssocID="{EA08054A-2452-4147-B8C4-DBB5D0A62AAF}" presName="entireBox" presStyleLbl="node1" presStyleIdx="0" presStyleCnt="3"/>
+      <dgm:spPr/>
+    </dgm:pt>
+    <dgm:pt modelId="{D7689636-F92C-4745-B53F-AE09397B8402}" type="pres">
+      <dgm:prSet presAssocID="{EA08054A-2452-4147-B8C4-DBB5D0A62AAF}" presName="descendantBox" presStyleCnt="0"/>
+      <dgm:spPr/>
+    </dgm:pt>
+    <dgm:pt modelId="{81B546AB-4B54-47F7-8A3A-0D35B768C571}" type="pres">
+      <dgm:prSet presAssocID="{1207CB5F-C7BC-4AF3-AD6A-58CE0F2B4772}" presName="childTextBox" presStyleLbl="fgAccFollowNode1" presStyleIdx="0" presStyleCnt="6">
+        <dgm:presLayoutVars>
+          <dgm:bulletEnabled val="1"/>
+        </dgm:presLayoutVars>
+      </dgm:prSet>
+      <dgm:spPr/>
+    </dgm:pt>
+    <dgm:pt modelId="{B7C5BB43-CAAB-4D29-901A-9BB2E05A28CF}" type="pres">
+      <dgm:prSet presAssocID="{B563C0C2-CC65-43D2-9C0E-05188C35F5AD}" presName="childTextBox" presStyleLbl="fgAccFollowNode1" presStyleIdx="1" presStyleCnt="6">
+        <dgm:presLayoutVars>
+          <dgm:bulletEnabled val="1"/>
+        </dgm:presLayoutVars>
+      </dgm:prSet>
+      <dgm:spPr/>
+    </dgm:pt>
+    <dgm:pt modelId="{CE6E5FF8-4DBF-4BEC-84A3-98852329B6BD}" type="pres">
+      <dgm:prSet presAssocID="{CEBBC0F9-7A4C-4407-8A2A-F0C2BFFCC88E}" presName="sp" presStyleCnt="0"/>
+      <dgm:spPr/>
+    </dgm:pt>
+    <dgm:pt modelId="{3F4B529F-BCA3-459D-80A3-9E042D0BCC4F}" type="pres">
+      <dgm:prSet presAssocID="{3C57BA77-0D4E-4BDC-86B7-D7038E09722A}" presName="arrowAndChildren" presStyleCnt="0"/>
+      <dgm:spPr/>
+    </dgm:pt>
+    <dgm:pt modelId="{1A373781-5B20-4CF4-888F-E3CF939718CD}" type="pres">
+      <dgm:prSet presAssocID="{3C57BA77-0D4E-4BDC-86B7-D7038E09722A}" presName="parentTextArrow" presStyleLbl="node1" presStyleIdx="0" presStyleCnt="3"/>
+      <dgm:spPr/>
+    </dgm:pt>
+    <dgm:pt modelId="{DBB93F54-356C-42E4-A48D-3D2FAC139FED}" type="pres">
+      <dgm:prSet presAssocID="{3C57BA77-0D4E-4BDC-86B7-D7038E09722A}" presName="arrow" presStyleLbl="node1" presStyleIdx="1" presStyleCnt="3"/>
+      <dgm:spPr/>
+    </dgm:pt>
+    <dgm:pt modelId="{4F9BF77C-F44A-4055-A208-7084D1F9897B}" type="pres">
+      <dgm:prSet presAssocID="{3C57BA77-0D4E-4BDC-86B7-D7038E09722A}" presName="descendantArrow" presStyleCnt="0"/>
+      <dgm:spPr/>
+    </dgm:pt>
+    <dgm:pt modelId="{FFBAF74C-D9D6-4C2E-89D6-15B91EAFD69C}" type="pres">
+      <dgm:prSet presAssocID="{1606B4D4-2A2B-4C2B-9B85-34473BAB8765}" presName="childTextArrow" presStyleLbl="fgAccFollowNode1" presStyleIdx="2" presStyleCnt="6">
+        <dgm:presLayoutVars>
+          <dgm:bulletEnabled val="1"/>
+        </dgm:presLayoutVars>
+      </dgm:prSet>
+      <dgm:spPr/>
+    </dgm:pt>
+    <dgm:pt modelId="{681C1F0D-B014-48BB-B4E8-56BC2C283055}" type="pres">
+      <dgm:prSet presAssocID="{3D4B8080-12E9-4BAF-98C4-C526F4F1A257}" presName="childTextArrow" presStyleLbl="fgAccFollowNode1" presStyleIdx="3" presStyleCnt="6">
+        <dgm:presLayoutVars>
+          <dgm:bulletEnabled val="1"/>
+        </dgm:presLayoutVars>
+      </dgm:prSet>
+      <dgm:spPr/>
+    </dgm:pt>
+    <dgm:pt modelId="{4A9628CC-1289-41BF-9F38-B995F49DD530}" type="pres">
+      <dgm:prSet presAssocID="{54E13A80-A4BE-413C-B7A6-390571BA40AB}" presName="sp" presStyleCnt="0"/>
+      <dgm:spPr/>
+    </dgm:pt>
+    <dgm:pt modelId="{2001A76D-50D8-43D5-A9E5-6D11E4AD9337}" type="pres">
+      <dgm:prSet presAssocID="{CFDCAF39-7932-43E0-8CF0-CF369A74997C}" presName="arrowAndChildren" presStyleCnt="0"/>
+      <dgm:spPr/>
+    </dgm:pt>
+    <dgm:pt modelId="{B7002FFC-0392-41E1-9CAA-B18B7B9FDE4A}" type="pres">
+      <dgm:prSet presAssocID="{CFDCAF39-7932-43E0-8CF0-CF369A74997C}" presName="parentTextArrow" presStyleLbl="node1" presStyleIdx="1" presStyleCnt="3"/>
+      <dgm:spPr/>
+    </dgm:pt>
+    <dgm:pt modelId="{2C6D1539-C005-422E-B488-9AB634B8BD58}" type="pres">
+      <dgm:prSet presAssocID="{CFDCAF39-7932-43E0-8CF0-CF369A74997C}" presName="arrow" presStyleLbl="node1" presStyleIdx="2" presStyleCnt="3" custLinFactNeighborX="-110"/>
+      <dgm:spPr/>
+    </dgm:pt>
+    <dgm:pt modelId="{A6CF7DB3-23F4-4085-B58E-CC77A7FCAD64}" type="pres">
+      <dgm:prSet presAssocID="{CFDCAF39-7932-43E0-8CF0-CF369A74997C}" presName="descendantArrow" presStyleCnt="0"/>
+      <dgm:spPr/>
+    </dgm:pt>
+    <dgm:pt modelId="{543815EF-2F0A-47BE-8257-727CCC6C850A}" type="pres">
+      <dgm:prSet presAssocID="{F98F887F-1493-4C3D-8415-56108A7BE90C}" presName="childTextArrow" presStyleLbl="fgAccFollowNode1" presStyleIdx="4" presStyleCnt="6">
+        <dgm:presLayoutVars>
+          <dgm:bulletEnabled val="1"/>
+        </dgm:presLayoutVars>
+      </dgm:prSet>
+      <dgm:spPr/>
+    </dgm:pt>
+    <dgm:pt modelId="{4AB1DF8C-1F53-42C0-A19E-29495F061FC5}" type="pres">
+      <dgm:prSet presAssocID="{A3F9A81B-ACC2-4BA8-9622-88FE7A702D58}" presName="childTextArrow" presStyleLbl="fgAccFollowNode1" presStyleIdx="5" presStyleCnt="6">
+        <dgm:presLayoutVars>
+          <dgm:bulletEnabled val="1"/>
+        </dgm:presLayoutVars>
+      </dgm:prSet>
+      <dgm:spPr/>
+    </dgm:pt>
+  </dgm:ptLst>
+  <dgm:cxnLst>
+    <dgm:cxn modelId="{6A44AF05-2928-4434-9B6E-A9063A8139DF}" type="presOf" srcId="{CFDCAF39-7932-43E0-8CF0-CF369A74997C}" destId="{2C6D1539-C005-422E-B488-9AB634B8BD58}" srcOrd="1" destOrd="0" presId="urn:microsoft.com/office/officeart/2005/8/layout/process4"/>
+    <dgm:cxn modelId="{598BCC06-B89A-44B5-804B-9F92625CC36C}" type="presOf" srcId="{1207CB5F-C7BC-4AF3-AD6A-58CE0F2B4772}" destId="{81B546AB-4B54-47F7-8A3A-0D35B768C571}" srcOrd="0" destOrd="0" presId="urn:microsoft.com/office/officeart/2005/8/layout/process4"/>
+    <dgm:cxn modelId="{F8CEA00C-F6DC-47C5-B985-1D058E2EB630}" type="presOf" srcId="{EA08054A-2452-4147-B8C4-DBB5D0A62AAF}" destId="{4AE64CD6-984C-443F-94BD-56CE385CF134}" srcOrd="1" destOrd="0" presId="urn:microsoft.com/office/officeart/2005/8/layout/process4"/>
+    <dgm:cxn modelId="{F924B811-DE0B-4CAA-A942-813E35985BA2}" srcId="{EA08054A-2452-4147-B8C4-DBB5D0A62AAF}" destId="{B563C0C2-CC65-43D2-9C0E-05188C35F5AD}" srcOrd="1" destOrd="0" parTransId="{C1217869-CB36-4237-8C4A-5AF854DC03BB}" sibTransId="{9FB361AE-A699-4F30-B981-753340531F16}"/>
+    <dgm:cxn modelId="{DC88901E-493B-4614-8F98-4995C5E0CD41}" srcId="{9345C973-49BA-4654-BAA2-8449213F704F}" destId="{3C57BA77-0D4E-4BDC-86B7-D7038E09722A}" srcOrd="1" destOrd="0" parTransId="{7153C979-9122-426F-B506-85813BD5F10C}" sibTransId="{CEBBC0F9-7A4C-4407-8A2A-F0C2BFFCC88E}"/>
+    <dgm:cxn modelId="{E085333F-A3B3-4A94-A049-886FDDF748F0}" type="presOf" srcId="{9345C973-49BA-4654-BAA2-8449213F704F}" destId="{0645DD58-4F33-4FC0-8B23-84BEF0FC849D}" srcOrd="0" destOrd="0" presId="urn:microsoft.com/office/officeart/2005/8/layout/process4"/>
+    <dgm:cxn modelId="{DD676461-6CF1-43D6-9F72-A2A636B0DC55}" srcId="{9345C973-49BA-4654-BAA2-8449213F704F}" destId="{CFDCAF39-7932-43E0-8CF0-CF369A74997C}" srcOrd="0" destOrd="0" parTransId="{96FBCF1B-F945-4BE2-B4C3-86DF6FA606E4}" sibTransId="{54E13A80-A4BE-413C-B7A6-390571BA40AB}"/>
+    <dgm:cxn modelId="{BDBDBD42-7409-4820-8B62-10D4191D297D}" type="presOf" srcId="{3C57BA77-0D4E-4BDC-86B7-D7038E09722A}" destId="{DBB93F54-356C-42E4-A48D-3D2FAC139FED}" srcOrd="1" destOrd="0" presId="urn:microsoft.com/office/officeart/2005/8/layout/process4"/>
+    <dgm:cxn modelId="{FC49BC64-ACA3-41A8-B8AD-88C71E45BF9A}" type="presOf" srcId="{A3F9A81B-ACC2-4BA8-9622-88FE7A702D58}" destId="{4AB1DF8C-1F53-42C0-A19E-29495F061FC5}" srcOrd="0" destOrd="0" presId="urn:microsoft.com/office/officeart/2005/8/layout/process4"/>
+    <dgm:cxn modelId="{DD94246B-04BD-43F8-A774-24C639D847B3}" type="presOf" srcId="{F98F887F-1493-4C3D-8415-56108A7BE90C}" destId="{543815EF-2F0A-47BE-8257-727CCC6C850A}" srcOrd="0" destOrd="0" presId="urn:microsoft.com/office/officeart/2005/8/layout/process4"/>
+    <dgm:cxn modelId="{440FE14B-5625-464C-9EED-B5772B0910BD}" type="presOf" srcId="{CFDCAF39-7932-43E0-8CF0-CF369A74997C}" destId="{B7002FFC-0392-41E1-9CAA-B18B7B9FDE4A}" srcOrd="0" destOrd="0" presId="urn:microsoft.com/office/officeart/2005/8/layout/process4"/>
+    <dgm:cxn modelId="{2ACEAF70-A68C-4882-96EC-43D724793EFF}" srcId="{3C57BA77-0D4E-4BDC-86B7-D7038E09722A}" destId="{1606B4D4-2A2B-4C2B-9B85-34473BAB8765}" srcOrd="0" destOrd="0" parTransId="{22A9BE84-D189-460A-89E0-090AB4247095}" sibTransId="{49D87CB0-265D-4B91-A2F1-5DBADF0C213A}"/>
+    <dgm:cxn modelId="{1FC18178-1AA0-4902-B3F1-AE826A7DF6E8}" srcId="{3C57BA77-0D4E-4BDC-86B7-D7038E09722A}" destId="{3D4B8080-12E9-4BAF-98C4-C526F4F1A257}" srcOrd="1" destOrd="0" parTransId="{DB4A1555-8B1F-438D-860F-25375A5C22CE}" sibTransId="{1E717396-7140-49C4-81A2-CFDD9E368057}"/>
+    <dgm:cxn modelId="{3A454395-6ACE-4370-AC74-CC49F8F5A776}" type="presOf" srcId="{3C57BA77-0D4E-4BDC-86B7-D7038E09722A}" destId="{1A373781-5B20-4CF4-888F-E3CF939718CD}" srcOrd="0" destOrd="0" presId="urn:microsoft.com/office/officeart/2005/8/layout/process4"/>
+    <dgm:cxn modelId="{6A99B397-0201-486C-9949-331C1D10F6F2}" type="presOf" srcId="{EA08054A-2452-4147-B8C4-DBB5D0A62AAF}" destId="{2C6D5C8E-9BB3-4CD9-9548-C4AD4E46BA2E}" srcOrd="0" destOrd="0" presId="urn:microsoft.com/office/officeart/2005/8/layout/process4"/>
+    <dgm:cxn modelId="{B642A598-A7E2-4F27-A25D-C339E73B7191}" type="presOf" srcId="{3D4B8080-12E9-4BAF-98C4-C526F4F1A257}" destId="{681C1F0D-B014-48BB-B4E8-56BC2C283055}" srcOrd="0" destOrd="0" presId="urn:microsoft.com/office/officeart/2005/8/layout/process4"/>
+    <dgm:cxn modelId="{44A690AD-51AC-4058-8F2D-41324D5964CD}" srcId="{CFDCAF39-7932-43E0-8CF0-CF369A74997C}" destId="{A3F9A81B-ACC2-4BA8-9622-88FE7A702D58}" srcOrd="1" destOrd="0" parTransId="{0989DA58-EDDB-4C32-8467-C69BB2C64240}" sibTransId="{2B1BA644-DD75-40BE-949C-29FC6847CCE5}"/>
+    <dgm:cxn modelId="{0B1CDEAF-8987-46DB-9804-3B44522C41EE}" srcId="{EA08054A-2452-4147-B8C4-DBB5D0A62AAF}" destId="{1207CB5F-C7BC-4AF3-AD6A-58CE0F2B4772}" srcOrd="0" destOrd="0" parTransId="{A0EDE2CF-3D09-4605-8B8F-7451A442259B}" sibTransId="{AC471A08-6DFE-4D5A-89FA-EA19462C2A13}"/>
+    <dgm:cxn modelId="{521BEEBA-9028-4879-BB54-7C8E426832B0}" type="presOf" srcId="{1606B4D4-2A2B-4C2B-9B85-34473BAB8765}" destId="{FFBAF74C-D9D6-4C2E-89D6-15B91EAFD69C}" srcOrd="0" destOrd="0" presId="urn:microsoft.com/office/officeart/2005/8/layout/process4"/>
+    <dgm:cxn modelId="{957DF6C4-8F74-44DC-9C7B-96B0DA660B86}" srcId="{9345C973-49BA-4654-BAA2-8449213F704F}" destId="{EA08054A-2452-4147-B8C4-DBB5D0A62AAF}" srcOrd="2" destOrd="0" parTransId="{1A1D4483-5ACA-4CF7-8A78-D66083C53483}" sibTransId="{C923CF2E-4124-403E-B99C-8E1000855557}"/>
+    <dgm:cxn modelId="{EF0A3BCC-997C-47FD-9F82-804BEC2B9228}" srcId="{CFDCAF39-7932-43E0-8CF0-CF369A74997C}" destId="{F98F887F-1493-4C3D-8415-56108A7BE90C}" srcOrd="0" destOrd="0" parTransId="{3D0F7F14-6925-46CD-B862-87292434B0F0}" sibTransId="{E4E2F3CF-6727-4BEA-B42E-979BF6CDE6EA}"/>
+    <dgm:cxn modelId="{8B5F97F4-F313-46CB-81E4-B4D6D7822D9C}" type="presOf" srcId="{B563C0C2-CC65-43D2-9C0E-05188C35F5AD}" destId="{B7C5BB43-CAAB-4D29-901A-9BB2E05A28CF}" srcOrd="0" destOrd="0" presId="urn:microsoft.com/office/officeart/2005/8/layout/process4"/>
+    <dgm:cxn modelId="{35656C58-F644-4B92-9C8F-7A34CF609B8D}" type="presParOf" srcId="{0645DD58-4F33-4FC0-8B23-84BEF0FC849D}" destId="{28DA3956-BD01-464B-AAF6-9C50AB7B7F02}" srcOrd="0" destOrd="0" presId="urn:microsoft.com/office/officeart/2005/8/layout/process4"/>
+    <dgm:cxn modelId="{8B991AA2-6D59-4407-8296-80CE8DC0A6DD}" type="presParOf" srcId="{28DA3956-BD01-464B-AAF6-9C50AB7B7F02}" destId="{2C6D5C8E-9BB3-4CD9-9548-C4AD4E46BA2E}" srcOrd="0" destOrd="0" presId="urn:microsoft.com/office/officeart/2005/8/layout/process4"/>
+    <dgm:cxn modelId="{3811FC24-D78A-4A71-9981-01A0860732D0}" type="presParOf" srcId="{28DA3956-BD01-464B-AAF6-9C50AB7B7F02}" destId="{4AE64CD6-984C-443F-94BD-56CE385CF134}" srcOrd="1" destOrd="0" presId="urn:microsoft.com/office/officeart/2005/8/layout/process4"/>
+    <dgm:cxn modelId="{7E871133-93E9-465F-88B0-9843900D31B7}" type="presParOf" srcId="{28DA3956-BD01-464B-AAF6-9C50AB7B7F02}" destId="{D7689636-F92C-4745-B53F-AE09397B8402}" srcOrd="2" destOrd="0" presId="urn:microsoft.com/office/officeart/2005/8/layout/process4"/>
+    <dgm:cxn modelId="{928B18F8-02AA-4C7D-8B08-5F311021260F}" type="presParOf" srcId="{D7689636-F92C-4745-B53F-AE09397B8402}" destId="{81B546AB-4B54-47F7-8A3A-0D35B768C571}" srcOrd="0" destOrd="0" presId="urn:microsoft.com/office/officeart/2005/8/layout/process4"/>
+    <dgm:cxn modelId="{9B98C121-3FAE-4E46-89B3-32A4886FC406}" type="presParOf" srcId="{D7689636-F92C-4745-B53F-AE09397B8402}" destId="{B7C5BB43-CAAB-4D29-901A-9BB2E05A28CF}" srcOrd="1" destOrd="0" presId="urn:microsoft.com/office/officeart/2005/8/layout/process4"/>
+    <dgm:cxn modelId="{7C9895B3-5898-4810-B55B-E4714002EEF7}" type="presParOf" srcId="{0645DD58-4F33-4FC0-8B23-84BEF0FC849D}" destId="{CE6E5FF8-4DBF-4BEC-84A3-98852329B6BD}" srcOrd="1" destOrd="0" presId="urn:microsoft.com/office/officeart/2005/8/layout/process4"/>
+    <dgm:cxn modelId="{AFB12D94-AB63-4FED-A137-1706E889168E}" type="presParOf" srcId="{0645DD58-4F33-4FC0-8B23-84BEF0FC849D}" destId="{3F4B529F-BCA3-459D-80A3-9E042D0BCC4F}" srcOrd="2" destOrd="0" presId="urn:microsoft.com/office/officeart/2005/8/layout/process4"/>
+    <dgm:cxn modelId="{087824EC-70BB-44FF-AD85-3BCF0C89C2D8}" type="presParOf" srcId="{3F4B529F-BCA3-459D-80A3-9E042D0BCC4F}" destId="{1A373781-5B20-4CF4-888F-E3CF939718CD}" srcOrd="0" destOrd="0" presId="urn:microsoft.com/office/officeart/2005/8/layout/process4"/>
+    <dgm:cxn modelId="{30D2E584-0E2B-428C-8840-4A152442CF26}" type="presParOf" srcId="{3F4B529F-BCA3-459D-80A3-9E042D0BCC4F}" destId="{DBB93F54-356C-42E4-A48D-3D2FAC139FED}" srcOrd="1" destOrd="0" presId="urn:microsoft.com/office/officeart/2005/8/layout/process4"/>
+    <dgm:cxn modelId="{853447F9-A6C5-4277-B910-543AFFC58995}" type="presParOf" srcId="{3F4B529F-BCA3-459D-80A3-9E042D0BCC4F}" destId="{4F9BF77C-F44A-4055-A208-7084D1F9897B}" srcOrd="2" destOrd="0" presId="urn:microsoft.com/office/officeart/2005/8/layout/process4"/>
+    <dgm:cxn modelId="{00094C2C-3E43-4810-B22E-F0C63073147A}" type="presParOf" srcId="{4F9BF77C-F44A-4055-A208-7084D1F9897B}" destId="{FFBAF74C-D9D6-4C2E-89D6-15B91EAFD69C}" srcOrd="0" destOrd="0" presId="urn:microsoft.com/office/officeart/2005/8/layout/process4"/>
+    <dgm:cxn modelId="{2FDC1628-1131-4271-91B4-959B70561C0A}" type="presParOf" srcId="{4F9BF77C-F44A-4055-A208-7084D1F9897B}" destId="{681C1F0D-B014-48BB-B4E8-56BC2C283055}" srcOrd="1" destOrd="0" presId="urn:microsoft.com/office/officeart/2005/8/layout/process4"/>
+    <dgm:cxn modelId="{4FA18E34-EF09-40A0-B747-3AEB70033ADE}" type="presParOf" srcId="{0645DD58-4F33-4FC0-8B23-84BEF0FC849D}" destId="{4A9628CC-1289-41BF-9F38-B995F49DD530}" srcOrd="3" destOrd="0" presId="urn:microsoft.com/office/officeart/2005/8/layout/process4"/>
+    <dgm:cxn modelId="{8439AA31-9B26-46F4-96E0-E586D756E348}" type="presParOf" srcId="{0645DD58-4F33-4FC0-8B23-84BEF0FC849D}" destId="{2001A76D-50D8-43D5-A9E5-6D11E4AD9337}" srcOrd="4" destOrd="0" presId="urn:microsoft.com/office/officeart/2005/8/layout/process4"/>
+    <dgm:cxn modelId="{C001B74B-3EC6-45C8-955F-8FEF37F1315E}" type="presParOf" srcId="{2001A76D-50D8-43D5-A9E5-6D11E4AD9337}" destId="{B7002FFC-0392-41E1-9CAA-B18B7B9FDE4A}" srcOrd="0" destOrd="0" presId="urn:microsoft.com/office/officeart/2005/8/layout/process4"/>
+    <dgm:cxn modelId="{0824A6BB-56B8-4B58-A9DC-CD614FFA1EF8}" type="presParOf" srcId="{2001A76D-50D8-43D5-A9E5-6D11E4AD9337}" destId="{2C6D1539-C005-422E-B488-9AB634B8BD58}" srcOrd="1" destOrd="0" presId="urn:microsoft.com/office/officeart/2005/8/layout/process4"/>
+    <dgm:cxn modelId="{3C4F8769-8CFF-45E4-8F29-80A1086868D0}" type="presParOf" srcId="{2001A76D-50D8-43D5-A9E5-6D11E4AD9337}" destId="{A6CF7DB3-23F4-4085-B58E-CC77A7FCAD64}" srcOrd="2" destOrd="0" presId="urn:microsoft.com/office/officeart/2005/8/layout/process4"/>
+    <dgm:cxn modelId="{4792BA8A-CD79-4A2E-83D6-B007AB568B4B}" type="presParOf" srcId="{A6CF7DB3-23F4-4085-B58E-CC77A7FCAD64}" destId="{543815EF-2F0A-47BE-8257-727CCC6C850A}" srcOrd="0" destOrd="0" presId="urn:microsoft.com/office/officeart/2005/8/layout/process4"/>
+    <dgm:cxn modelId="{E45C8774-A47B-41FF-B9C5-F9EF1B7895FE}" type="presParOf" srcId="{A6CF7DB3-23F4-4085-B58E-CC77A7FCAD64}" destId="{4AB1DF8C-1F53-42C0-A19E-29495F061FC5}" srcOrd="1" destOrd="0" presId="urn:microsoft.com/office/officeart/2005/8/layout/process4"/>
+  </dgm:cxnLst>
+  <dgm:bg/>
+  <dgm:whole/>
+  <dgm:extLst>
+    <a:ext uri="http://schemas.microsoft.com/office/drawing/2008/diagram">
+      <dsp:dataModelExt xmlns:dsp="http://schemas.microsoft.com/office/drawing/2008/diagram" relId="rId6" minVer="http://schemas.openxmlformats.org/drawingml/2006/diagram"/>
+    </a:ext>
+  </dgm:extLst>
+</dgm:dataModel>
+</file>
+
+<file path=ppt/diagrams/drawing1.xml><?xml version="1.0" encoding="utf-8"?>
+<dsp:drawing xmlns:dgm="http://schemas.openxmlformats.org/drawingml/2006/diagram" xmlns:dsp="http://schemas.microsoft.com/office/drawing/2008/diagram" xmlns:a="http://schemas.openxmlformats.org/drawingml/2006/main">
+  <dsp:spTree>
+    <dsp:nvGrpSpPr>
+      <dsp:cNvPr id="0" name=""/>
+      <dsp:cNvGrpSpPr/>
+    </dsp:nvGrpSpPr>
+    <dsp:grpSpPr/>
+    <dsp:sp modelId="{4AE64CD6-984C-443F-94BD-56CE385CF134}">
+      <dsp:nvSpPr>
+        <dsp:cNvPr id="0" name=""/>
+        <dsp:cNvSpPr/>
+      </dsp:nvSpPr>
+      <dsp:spPr>
+        <a:xfrm>
+          <a:off x="0" y="3782513"/>
+          <a:ext cx="11681138" cy="1241505"/>
+        </a:xfrm>
+        <a:prstGeom prst="rect">
+          <a:avLst/>
+        </a:prstGeom>
+        <a:solidFill>
+          <a:schemeClr val="accent4">
+            <a:hueOff val="0"/>
+            <a:satOff val="0"/>
+            <a:lumOff val="0"/>
+            <a:alphaOff val="0"/>
+          </a:schemeClr>
+        </a:solidFill>
+        <a:ln w="19050" cap="rnd" cmpd="sng" algn="ctr">
+          <a:solidFill>
+            <a:schemeClr val="lt1">
+              <a:hueOff val="0"/>
+              <a:satOff val="0"/>
+              <a:lumOff val="0"/>
+              <a:alphaOff val="0"/>
+            </a:schemeClr>
+          </a:solidFill>
+          <a:prstDash val="solid"/>
+        </a:ln>
+        <a:effectLst/>
+      </dsp:spPr>
+      <dsp:style>
+        <a:lnRef idx="2">
+          <a:scrgbClr r="0" g="0" b="0"/>
+        </a:lnRef>
+        <a:fillRef idx="1">
+          <a:scrgbClr r="0" g="0" b="0"/>
+        </a:fillRef>
+        <a:effectRef idx="0">
+          <a:scrgbClr r="0" g="0" b="0"/>
+        </a:effectRef>
+        <a:fontRef idx="minor">
+          <a:schemeClr val="lt1"/>
+        </a:fontRef>
+      </dsp:style>
+      <dsp:txBody>
+        <a:bodyPr spcFirstLastPara="0" vert="horz" wrap="square" lIns="163576" tIns="163576" rIns="163576" bIns="163576" numCol="1" spcCol="1270" anchor="ctr" anchorCtr="0">
+          <a:noAutofit/>
+        </a:bodyPr>
+        <a:lstStyle/>
+        <a:p>
+          <a:pPr marL="0" lvl="0" indent="0" algn="ctr" defTabSz="1022350">
+            <a:lnSpc>
+              <a:spcPct val="90000"/>
+            </a:lnSpc>
+            <a:spcBef>
+              <a:spcPct val="0"/>
+            </a:spcBef>
+            <a:spcAft>
+              <a:spcPct val="35000"/>
+            </a:spcAft>
+            <a:buNone/>
+          </a:pPr>
+          <a:r>
+            <a:rPr lang="en-US" sz="2300" kern="1200" dirty="0"/>
+            <a:t>Optimize Algorithm - Professionally</a:t>
+          </a:r>
+        </a:p>
+      </dsp:txBody>
+      <dsp:txXfrm>
+        <a:off x="0" y="3782513"/>
+        <a:ext cx="11681138" cy="670412"/>
+      </dsp:txXfrm>
+    </dsp:sp>
+    <dsp:sp modelId="{81B546AB-4B54-47F7-8A3A-0D35B768C571}">
+      <dsp:nvSpPr>
+        <dsp:cNvPr id="0" name=""/>
+        <dsp:cNvSpPr/>
+      </dsp:nvSpPr>
+      <dsp:spPr>
+        <a:xfrm>
+          <a:off x="0" y="4428096"/>
+          <a:ext cx="5840568" cy="571092"/>
+        </a:xfrm>
+        <a:prstGeom prst="rect">
+          <a:avLst/>
+        </a:prstGeom>
+        <a:solidFill>
+          <a:schemeClr val="accent4">
+            <a:tint val="40000"/>
+            <a:alpha val="90000"/>
+            <a:hueOff val="0"/>
+            <a:satOff val="0"/>
+            <a:lumOff val="0"/>
+            <a:alphaOff val="0"/>
+          </a:schemeClr>
+        </a:solidFill>
+        <a:ln w="19050" cap="rnd" cmpd="sng" algn="ctr">
+          <a:solidFill>
+            <a:schemeClr val="accent4">
+              <a:tint val="40000"/>
+              <a:alpha val="90000"/>
+              <a:hueOff val="0"/>
+              <a:satOff val="0"/>
+              <a:lumOff val="0"/>
+              <a:alphaOff val="0"/>
+            </a:schemeClr>
+          </a:solidFill>
+          <a:prstDash val="solid"/>
+        </a:ln>
+        <a:effectLst/>
+      </dsp:spPr>
+      <dsp:style>
+        <a:lnRef idx="2">
+          <a:scrgbClr r="0" g="0" b="0"/>
+        </a:lnRef>
+        <a:fillRef idx="1">
+          <a:scrgbClr r="0" g="0" b="0"/>
+        </a:fillRef>
+        <a:effectRef idx="0">
+          <a:scrgbClr r="0" g="0" b="0"/>
+        </a:effectRef>
+        <a:fontRef idx="minor"/>
+      </dsp:style>
+      <dsp:txBody>
+        <a:bodyPr spcFirstLastPara="0" vert="horz" wrap="square" lIns="128016" tIns="22860" rIns="128016" bIns="22860" numCol="1" spcCol="1270" anchor="ctr" anchorCtr="0">
+          <a:noAutofit/>
+        </a:bodyPr>
+        <a:lstStyle/>
+        <a:p>
+          <a:pPr marL="0" lvl="0" indent="0" algn="ctr" defTabSz="800100">
+            <a:lnSpc>
+              <a:spcPct val="90000"/>
+            </a:lnSpc>
+            <a:spcBef>
+              <a:spcPct val="0"/>
+            </a:spcBef>
+            <a:spcAft>
+              <a:spcPct val="35000"/>
+            </a:spcAft>
+            <a:buNone/>
+          </a:pPr>
+          <a:r>
+            <a:rPr lang="en-US" sz="1800" kern="1200" dirty="0"/>
+            <a:t>Multithreading </a:t>
+          </a:r>
+        </a:p>
+      </dsp:txBody>
+      <dsp:txXfrm>
+        <a:off x="0" y="4428096"/>
+        <a:ext cx="5840568" cy="571092"/>
+      </dsp:txXfrm>
+    </dsp:sp>
+    <dsp:sp modelId="{B7C5BB43-CAAB-4D29-901A-9BB2E05A28CF}">
+      <dsp:nvSpPr>
+        <dsp:cNvPr id="0" name=""/>
+        <dsp:cNvSpPr/>
+      </dsp:nvSpPr>
+      <dsp:spPr>
+        <a:xfrm>
+          <a:off x="5840569" y="4428096"/>
+          <a:ext cx="5840568" cy="571092"/>
+        </a:xfrm>
+        <a:prstGeom prst="rect">
+          <a:avLst/>
+        </a:prstGeom>
+        <a:solidFill>
+          <a:schemeClr val="accent4">
+            <a:tint val="40000"/>
+            <a:alpha val="90000"/>
+            <a:hueOff val="627415"/>
+            <a:satOff val="-800"/>
+            <a:lumOff val="-312"/>
+            <a:alphaOff val="0"/>
+          </a:schemeClr>
+        </a:solidFill>
+        <a:ln w="19050" cap="rnd" cmpd="sng" algn="ctr">
+          <a:solidFill>
+            <a:schemeClr val="accent4">
+              <a:tint val="40000"/>
+              <a:alpha val="90000"/>
+              <a:hueOff val="627415"/>
+              <a:satOff val="-800"/>
+              <a:lumOff val="-312"/>
+              <a:alphaOff val="0"/>
+            </a:schemeClr>
+          </a:solidFill>
+          <a:prstDash val="solid"/>
+        </a:ln>
+        <a:effectLst/>
+      </dsp:spPr>
+      <dsp:style>
+        <a:lnRef idx="2">
+          <a:scrgbClr r="0" g="0" b="0"/>
+        </a:lnRef>
+        <a:fillRef idx="1">
+          <a:scrgbClr r="0" g="0" b="0"/>
+        </a:fillRef>
+        <a:effectRef idx="0">
+          <a:scrgbClr r="0" g="0" b="0"/>
+        </a:effectRef>
+        <a:fontRef idx="minor"/>
+      </dsp:style>
+      <dsp:txBody>
+        <a:bodyPr spcFirstLastPara="0" vert="horz" wrap="square" lIns="128016" tIns="22860" rIns="128016" bIns="22860" numCol="1" spcCol="1270" anchor="ctr" anchorCtr="0">
+          <a:noAutofit/>
+        </a:bodyPr>
+        <a:lstStyle/>
+        <a:p>
+          <a:pPr marL="0" lvl="0" indent="0" algn="ctr" defTabSz="800100">
+            <a:lnSpc>
+              <a:spcPct val="90000"/>
+            </a:lnSpc>
+            <a:spcBef>
+              <a:spcPct val="0"/>
+            </a:spcBef>
+            <a:spcAft>
+              <a:spcPct val="35000"/>
+            </a:spcAft>
+            <a:buNone/>
+          </a:pPr>
+          <a:r>
+            <a:rPr lang="en-US" sz="1800" kern="1200" dirty="0"/>
+            <a:t>Map Function in Hadoop: MapReduce</a:t>
+          </a:r>
+        </a:p>
+      </dsp:txBody>
+      <dsp:txXfrm>
+        <a:off x="5840569" y="4428096"/>
+        <a:ext cx="5840568" cy="571092"/>
+      </dsp:txXfrm>
+    </dsp:sp>
+    <dsp:sp modelId="{DBB93F54-356C-42E4-A48D-3D2FAC139FED}">
+      <dsp:nvSpPr>
+        <dsp:cNvPr id="0" name=""/>
+        <dsp:cNvSpPr/>
+      </dsp:nvSpPr>
+      <dsp:spPr>
+        <a:xfrm rot="10800000">
+          <a:off x="0" y="1891700"/>
+          <a:ext cx="11681138" cy="1909435"/>
+        </a:xfrm>
+        <a:prstGeom prst="upArrowCallout">
+          <a:avLst/>
+        </a:prstGeom>
+        <a:solidFill>
+          <a:schemeClr val="accent4">
+            <a:hueOff val="1329380"/>
+            <a:satOff val="481"/>
+            <a:lumOff val="-3921"/>
+            <a:alphaOff val="0"/>
+          </a:schemeClr>
+        </a:solidFill>
+        <a:ln w="19050" cap="rnd" cmpd="sng" algn="ctr">
+          <a:solidFill>
+            <a:schemeClr val="lt1">
+              <a:hueOff val="0"/>
+              <a:satOff val="0"/>
+              <a:lumOff val="0"/>
+              <a:alphaOff val="0"/>
+            </a:schemeClr>
+          </a:solidFill>
+          <a:prstDash val="solid"/>
+        </a:ln>
+        <a:effectLst/>
+      </dsp:spPr>
+      <dsp:style>
+        <a:lnRef idx="2">
+          <a:scrgbClr r="0" g="0" b="0"/>
+        </a:lnRef>
+        <a:fillRef idx="1">
+          <a:scrgbClr r="0" g="0" b="0"/>
+        </a:fillRef>
+        <a:effectRef idx="0">
+          <a:scrgbClr r="0" g="0" b="0"/>
+        </a:effectRef>
+        <a:fontRef idx="minor">
+          <a:schemeClr val="lt1"/>
+        </a:fontRef>
+      </dsp:style>
+      <dsp:txBody>
+        <a:bodyPr spcFirstLastPara="0" vert="horz" wrap="square" lIns="163576" tIns="163576" rIns="163576" bIns="163576" numCol="1" spcCol="1270" anchor="ctr" anchorCtr="0">
+          <a:noAutofit/>
+        </a:bodyPr>
+        <a:lstStyle/>
+        <a:p>
+          <a:pPr marL="0" lvl="0" indent="0" algn="ctr" defTabSz="1022350">
+            <a:lnSpc>
+              <a:spcPct val="90000"/>
+            </a:lnSpc>
+            <a:spcBef>
+              <a:spcPct val="0"/>
+            </a:spcBef>
+            <a:spcAft>
+              <a:spcPct val="35000"/>
+            </a:spcAft>
+            <a:buNone/>
+          </a:pPr>
+          <a:r>
+            <a:rPr lang="en-US" sz="2300" kern="1200" dirty="0"/>
+            <a:t>Panda-like Method in Java to figure out distributions</a:t>
+          </a:r>
+        </a:p>
+      </dsp:txBody>
+      <dsp:txXfrm rot="-10800000">
+        <a:off x="0" y="1891700"/>
+        <a:ext cx="11681138" cy="670211"/>
+      </dsp:txXfrm>
+    </dsp:sp>
+    <dsp:sp modelId="{FFBAF74C-D9D6-4C2E-89D6-15B91EAFD69C}">
+      <dsp:nvSpPr>
+        <dsp:cNvPr id="0" name=""/>
+        <dsp:cNvSpPr/>
+      </dsp:nvSpPr>
+      <dsp:spPr>
+        <a:xfrm>
+          <a:off x="0" y="2561912"/>
+          <a:ext cx="5840568" cy="570921"/>
+        </a:xfrm>
+        <a:prstGeom prst="rect">
+          <a:avLst/>
+        </a:prstGeom>
+        <a:solidFill>
+          <a:schemeClr val="accent4">
+            <a:tint val="40000"/>
+            <a:alpha val="90000"/>
+            <a:hueOff val="1254830"/>
+            <a:satOff val="-1600"/>
+            <a:lumOff val="-624"/>
+            <a:alphaOff val="0"/>
+          </a:schemeClr>
+        </a:solidFill>
+        <a:ln w="19050" cap="rnd" cmpd="sng" algn="ctr">
+          <a:solidFill>
+            <a:schemeClr val="accent4">
+              <a:tint val="40000"/>
+              <a:alpha val="90000"/>
+              <a:hueOff val="1254830"/>
+              <a:satOff val="-1600"/>
+              <a:lumOff val="-624"/>
+              <a:alphaOff val="0"/>
+            </a:schemeClr>
+          </a:solidFill>
+          <a:prstDash val="solid"/>
+        </a:ln>
+        <a:effectLst/>
+      </dsp:spPr>
+      <dsp:style>
+        <a:lnRef idx="2">
+          <a:scrgbClr r="0" g="0" b="0"/>
+        </a:lnRef>
+        <a:fillRef idx="1">
+          <a:scrgbClr r="0" g="0" b="0"/>
+        </a:fillRef>
+        <a:effectRef idx="0">
+          <a:scrgbClr r="0" g="0" b="0"/>
+        </a:effectRef>
+        <a:fontRef idx="minor"/>
+      </dsp:style>
+      <dsp:txBody>
+        <a:bodyPr spcFirstLastPara="0" vert="horz" wrap="square" lIns="128016" tIns="22860" rIns="128016" bIns="22860" numCol="1" spcCol="1270" anchor="ctr" anchorCtr="0">
+          <a:noAutofit/>
+        </a:bodyPr>
+        <a:lstStyle/>
+        <a:p>
+          <a:pPr marL="0" lvl="0" indent="0" algn="ctr" defTabSz="800100">
+            <a:lnSpc>
+              <a:spcPct val="90000"/>
+            </a:lnSpc>
+            <a:spcBef>
+              <a:spcPct val="0"/>
+            </a:spcBef>
+            <a:spcAft>
+              <a:spcPct val="35000"/>
+            </a:spcAft>
+            <a:buNone/>
+          </a:pPr>
+          <a:r>
+            <a:rPr lang="en-US" sz="1800" kern="1200" dirty="0"/>
+            <a:t>See how Panda works and apply similar procedures</a:t>
+          </a:r>
+        </a:p>
+      </dsp:txBody>
+      <dsp:txXfrm>
+        <a:off x="0" y="2561912"/>
+        <a:ext cx="5840568" cy="570921"/>
+      </dsp:txXfrm>
+    </dsp:sp>
+    <dsp:sp modelId="{681C1F0D-B014-48BB-B4E8-56BC2C283055}">
+      <dsp:nvSpPr>
+        <dsp:cNvPr id="0" name=""/>
+        <dsp:cNvSpPr/>
+      </dsp:nvSpPr>
+      <dsp:spPr>
+        <a:xfrm>
+          <a:off x="5840569" y="2561912"/>
+          <a:ext cx="5840568" cy="570921"/>
+        </a:xfrm>
+        <a:prstGeom prst="rect">
+          <a:avLst/>
+        </a:prstGeom>
+        <a:solidFill>
+          <a:schemeClr val="accent4">
+            <a:tint val="40000"/>
+            <a:alpha val="90000"/>
+            <a:hueOff val="1882245"/>
+            <a:satOff val="-2401"/>
+            <a:lumOff val="-937"/>
+            <a:alphaOff val="0"/>
+          </a:schemeClr>
+        </a:solidFill>
+        <a:ln w="19050" cap="rnd" cmpd="sng" algn="ctr">
+          <a:solidFill>
+            <a:schemeClr val="accent4">
+              <a:tint val="40000"/>
+              <a:alpha val="90000"/>
+              <a:hueOff val="1882245"/>
+              <a:satOff val="-2401"/>
+              <a:lumOff val="-937"/>
+              <a:alphaOff val="0"/>
+            </a:schemeClr>
+          </a:solidFill>
+          <a:prstDash val="solid"/>
+        </a:ln>
+        <a:effectLst/>
+      </dsp:spPr>
+      <dsp:style>
+        <a:lnRef idx="2">
+          <a:scrgbClr r="0" g="0" b="0"/>
+        </a:lnRef>
+        <a:fillRef idx="1">
+          <a:scrgbClr r="0" g="0" b="0"/>
+        </a:fillRef>
+        <a:effectRef idx="0">
+          <a:scrgbClr r="0" g="0" b="0"/>
+        </a:effectRef>
+        <a:fontRef idx="minor"/>
+      </dsp:style>
+      <dsp:txBody>
+        <a:bodyPr spcFirstLastPara="0" vert="horz" wrap="square" lIns="128016" tIns="22860" rIns="128016" bIns="22860" numCol="1" spcCol="1270" anchor="ctr" anchorCtr="0">
+          <a:noAutofit/>
+        </a:bodyPr>
+        <a:lstStyle/>
+        <a:p>
+          <a:pPr marL="0" lvl="0" indent="0" algn="ctr" defTabSz="800100">
+            <a:lnSpc>
+              <a:spcPct val="90000"/>
+            </a:lnSpc>
+            <a:spcBef>
+              <a:spcPct val="0"/>
+            </a:spcBef>
+            <a:spcAft>
+              <a:spcPct val="35000"/>
+            </a:spcAft>
+            <a:buNone/>
+          </a:pPr>
+          <a:r>
+            <a:rPr lang="en-US" sz="1800" kern="1200" dirty="0"/>
+            <a:t>For irregular distributions, figure out pattern </a:t>
+          </a:r>
+        </a:p>
+      </dsp:txBody>
+      <dsp:txXfrm>
+        <a:off x="5840569" y="2561912"/>
+        <a:ext cx="5840568" cy="570921"/>
+      </dsp:txXfrm>
+    </dsp:sp>
+    <dsp:sp modelId="{2C6D1539-C005-422E-B488-9AB634B8BD58}">
+      <dsp:nvSpPr>
+        <dsp:cNvPr id="0" name=""/>
+        <dsp:cNvSpPr/>
+      </dsp:nvSpPr>
+      <dsp:spPr>
+        <a:xfrm rot="10800000">
+          <a:off x="0" y="888"/>
+          <a:ext cx="11681138" cy="1909435"/>
+        </a:xfrm>
+        <a:prstGeom prst="upArrowCallout">
+          <a:avLst/>
+        </a:prstGeom>
+        <a:solidFill>
+          <a:schemeClr val="accent4">
+            <a:hueOff val="2658761"/>
+            <a:satOff val="962"/>
+            <a:lumOff val="-7843"/>
+            <a:alphaOff val="0"/>
+          </a:schemeClr>
+        </a:solidFill>
+        <a:ln w="19050" cap="rnd" cmpd="sng" algn="ctr">
+          <a:solidFill>
+            <a:schemeClr val="lt1">
+              <a:hueOff val="0"/>
+              <a:satOff val="0"/>
+              <a:lumOff val="0"/>
+              <a:alphaOff val="0"/>
+            </a:schemeClr>
+          </a:solidFill>
+          <a:prstDash val="solid"/>
+        </a:ln>
+        <a:effectLst/>
+      </dsp:spPr>
+      <dsp:style>
+        <a:lnRef idx="2">
+          <a:scrgbClr r="0" g="0" b="0"/>
+        </a:lnRef>
+        <a:fillRef idx="1">
+          <a:scrgbClr r="0" g="0" b="0"/>
+        </a:fillRef>
+        <a:effectRef idx="0">
+          <a:scrgbClr r="0" g="0" b="0"/>
+        </a:effectRef>
+        <a:fontRef idx="minor">
+          <a:schemeClr val="lt1"/>
+        </a:fontRef>
+      </dsp:style>
+      <dsp:txBody>
+        <a:bodyPr spcFirstLastPara="0" vert="horz" wrap="square" lIns="163576" tIns="163576" rIns="163576" bIns="163576" numCol="1" spcCol="1270" anchor="ctr" anchorCtr="0">
+          <a:noAutofit/>
+        </a:bodyPr>
+        <a:lstStyle/>
+        <a:p>
+          <a:pPr marL="0" lvl="0" indent="0" algn="ctr" defTabSz="1022350">
+            <a:lnSpc>
+              <a:spcPct val="90000"/>
+            </a:lnSpc>
+            <a:spcBef>
+              <a:spcPct val="0"/>
+            </a:spcBef>
+            <a:spcAft>
+              <a:spcPct val="35000"/>
+            </a:spcAft>
+            <a:buNone/>
+          </a:pPr>
+          <a:r>
+            <a:rPr lang="en-US" sz="2300" kern="1200" dirty="0"/>
+            <a:t>Figure out distribution of data set – create bucket parameters</a:t>
+          </a:r>
+        </a:p>
+      </dsp:txBody>
+      <dsp:txXfrm rot="-10800000">
+        <a:off x="0" y="888"/>
+        <a:ext cx="11681138" cy="670211"/>
+      </dsp:txXfrm>
+    </dsp:sp>
+    <dsp:sp modelId="{543815EF-2F0A-47BE-8257-727CCC6C850A}">
+      <dsp:nvSpPr>
+        <dsp:cNvPr id="0" name=""/>
+        <dsp:cNvSpPr/>
+      </dsp:nvSpPr>
+      <dsp:spPr>
+        <a:xfrm>
+          <a:off x="0" y="671099"/>
+          <a:ext cx="5840568" cy="570921"/>
+        </a:xfrm>
+        <a:prstGeom prst="rect">
+          <a:avLst/>
+        </a:prstGeom>
+        <a:solidFill>
+          <a:schemeClr val="accent4">
+            <a:tint val="40000"/>
+            <a:alpha val="90000"/>
+            <a:hueOff val="2509660"/>
+            <a:satOff val="-3201"/>
+            <a:lumOff val="-1249"/>
+            <a:alphaOff val="0"/>
+          </a:schemeClr>
+        </a:solidFill>
+        <a:ln w="19050" cap="rnd" cmpd="sng" algn="ctr">
+          <a:solidFill>
+            <a:schemeClr val="accent4">
+              <a:tint val="40000"/>
+              <a:alpha val="90000"/>
+              <a:hueOff val="2509660"/>
+              <a:satOff val="-3201"/>
+              <a:lumOff val="-1249"/>
+              <a:alphaOff val="0"/>
+            </a:schemeClr>
+          </a:solidFill>
+          <a:prstDash val="solid"/>
+        </a:ln>
+        <a:effectLst/>
+      </dsp:spPr>
+      <dsp:style>
+        <a:lnRef idx="2">
+          <a:scrgbClr r="0" g="0" b="0"/>
+        </a:lnRef>
+        <a:fillRef idx="1">
+          <a:scrgbClr r="0" g="0" b="0"/>
+        </a:fillRef>
+        <a:effectRef idx="0">
+          <a:scrgbClr r="0" g="0" b="0"/>
+        </a:effectRef>
+        <a:fontRef idx="minor"/>
+      </dsp:style>
+      <dsp:txBody>
+        <a:bodyPr spcFirstLastPara="0" vert="horz" wrap="square" lIns="128016" tIns="22860" rIns="128016" bIns="22860" numCol="1" spcCol="1270" anchor="ctr" anchorCtr="0">
+          <a:noAutofit/>
+        </a:bodyPr>
+        <a:lstStyle/>
+        <a:p>
+          <a:pPr marL="0" lvl="0" indent="0" algn="ctr" defTabSz="800100">
+            <a:lnSpc>
+              <a:spcPct val="90000"/>
+            </a:lnSpc>
+            <a:spcBef>
+              <a:spcPct val="0"/>
+            </a:spcBef>
+            <a:spcAft>
+              <a:spcPct val="35000"/>
+            </a:spcAft>
+            <a:buNone/>
+          </a:pPr>
+          <a:r>
+            <a:rPr lang="en-US" sz="1800" kern="1200" dirty="0"/>
+            <a:t>Java – normal distribution and collect data </a:t>
+          </a:r>
+        </a:p>
+      </dsp:txBody>
+      <dsp:txXfrm>
+        <a:off x="0" y="671099"/>
+        <a:ext cx="5840568" cy="570921"/>
+      </dsp:txXfrm>
+    </dsp:sp>
+    <dsp:sp modelId="{4AB1DF8C-1F53-42C0-A19E-29495F061FC5}">
+      <dsp:nvSpPr>
+        <dsp:cNvPr id="0" name=""/>
+        <dsp:cNvSpPr/>
+      </dsp:nvSpPr>
+      <dsp:spPr>
+        <a:xfrm>
+          <a:off x="5840569" y="671099"/>
+          <a:ext cx="5840568" cy="570921"/>
+        </a:xfrm>
+        <a:prstGeom prst="rect">
+          <a:avLst/>
+        </a:prstGeom>
+        <a:solidFill>
+          <a:schemeClr val="accent4">
+            <a:tint val="40000"/>
+            <a:alpha val="90000"/>
+            <a:hueOff val="3137075"/>
+            <a:satOff val="-4001"/>
+            <a:lumOff val="-1561"/>
+            <a:alphaOff val="0"/>
+          </a:schemeClr>
+        </a:solidFill>
+        <a:ln w="19050" cap="rnd" cmpd="sng" algn="ctr">
+          <a:solidFill>
+            <a:schemeClr val="accent4">
+              <a:tint val="40000"/>
+              <a:alpha val="90000"/>
+              <a:hueOff val="3137075"/>
+              <a:satOff val="-4001"/>
+              <a:lumOff val="-1561"/>
+              <a:alphaOff val="0"/>
+            </a:schemeClr>
+          </a:solidFill>
+          <a:prstDash val="solid"/>
+        </a:ln>
+        <a:effectLst/>
+      </dsp:spPr>
+      <dsp:style>
+        <a:lnRef idx="2">
+          <a:scrgbClr r="0" g="0" b="0"/>
+        </a:lnRef>
+        <a:fillRef idx="1">
+          <a:scrgbClr r="0" g="0" b="0"/>
+        </a:fillRef>
+        <a:effectRef idx="0">
+          <a:scrgbClr r="0" g="0" b="0"/>
+        </a:effectRef>
+        <a:fontRef idx="minor"/>
+      </dsp:style>
+      <dsp:txBody>
+        <a:bodyPr spcFirstLastPara="0" vert="horz" wrap="square" lIns="128016" tIns="22860" rIns="128016" bIns="22860" numCol="1" spcCol="1270" anchor="ctr" anchorCtr="0">
+          <a:noAutofit/>
+        </a:bodyPr>
+        <a:lstStyle/>
+        <a:p>
+          <a:pPr marL="0" lvl="0" indent="0" algn="ctr" defTabSz="800100">
+            <a:lnSpc>
+              <a:spcPct val="90000"/>
+            </a:lnSpc>
+            <a:spcBef>
+              <a:spcPct val="0"/>
+            </a:spcBef>
+            <a:spcAft>
+              <a:spcPct val="35000"/>
+            </a:spcAft>
+            <a:buNone/>
+          </a:pPr>
+          <a:r>
+            <a:rPr lang="en-US" sz="1800" kern="1200" dirty="0"/>
+            <a:t>Python – Panda to figure out distribution and collected data </a:t>
+          </a:r>
+        </a:p>
+      </dsp:txBody>
+      <dsp:txXfrm>
+        <a:off x="5840569" y="671099"/>
+        <a:ext cx="5840568" cy="570921"/>
+      </dsp:txXfrm>
+    </dsp:sp>
+  </dsp:spTree>
+</dsp:drawing>
+</file>
+
+<file path=ppt/diagrams/layout1.xml><?xml version="1.0" encoding="utf-8"?>
+<dgm:layoutDef xmlns:dgm="http://schemas.openxmlformats.org/drawingml/2006/diagram" xmlns:a="http://schemas.openxmlformats.org/drawingml/2006/main" uniqueId="urn:microsoft.com/office/officeart/2005/8/layout/process4">
+  <dgm:title val=""/>
+  <dgm:desc val=""/>
+  <dgm:catLst>
+    <dgm:cat type="process" pri="16000"/>
+    <dgm:cat type="list" pri="20000"/>
+  </dgm:catLst>
+  <dgm:sampData>
+    <dgm:dataModel>
+      <dgm:ptLst>
+        <dgm:pt modelId="0" type="doc"/>
+        <dgm:pt modelId="1">
+          <dgm:prSet phldr="1"/>
+        </dgm:pt>
+        <dgm:pt modelId="11">
+          <dgm:prSet phldr="1"/>
+        </dgm:pt>
+        <dgm:pt modelId="12">
+          <dgm:prSet phldr="1"/>
+        </dgm:pt>
+        <dgm:pt modelId="2">
+          <dgm:prSet phldr="1"/>
+        </dgm:pt>
+        <dgm:pt modelId="21">
+          <dgm:prSet phldr="1"/>
+        </dgm:pt>
+        <dgm:pt modelId="22">
+          <dgm:prSet phldr="1"/>
+        </dgm:pt>
+        <dgm:pt modelId="3">
+          <dgm:prSet phldr="1"/>
+        </dgm:pt>
+        <dgm:pt modelId="31">
+          <dgm:prSet phldr="1"/>
+        </dgm:pt>
+        <dgm:pt modelId="32">
+          <dgm:prSet phldr="1"/>
+        </dgm:pt>
+      </dgm:ptLst>
+      <dgm:cxnLst>
+        <dgm:cxn modelId="4" srcId="0" destId="1" srcOrd="0" destOrd="0"/>
+        <dgm:cxn modelId="5" srcId="0" destId="2" srcOrd="1" destOrd="0"/>
+        <dgm:cxn modelId="6" srcId="0" destId="3" srcOrd="2" destOrd="0"/>
+        <dgm:cxn modelId="13" srcId="1" destId="11" srcOrd="0" destOrd="0"/>
+        <dgm:cxn modelId="14" srcId="1" destId="12" srcOrd="1" destOrd="0"/>
+        <dgm:cxn modelId="23" srcId="2" destId="21" srcOrd="0" destOrd="0"/>
+        <dgm:cxn modelId="24" srcId="2" destId="22" srcOrd="1" destOrd="0"/>
+        <dgm:cxn modelId="33" srcId="3" destId="31" srcOrd="0" destOrd="0"/>
+        <dgm:cxn modelId="34" srcId="3" destId="32" srcOrd="1" destOrd="0"/>
+      </dgm:cxnLst>
+      <dgm:bg/>
+      <dgm:whole/>
+    </dgm:dataModel>
+  </dgm:sampData>
+  <dgm:styleData>
+    <dgm:dataModel>
+      <dgm:ptLst>
+        <dgm:pt modelId="0" type="doc"/>
+        <dgm:pt modelId="1"/>
+        <dgm:pt modelId="11"/>
+        <dgm:pt modelId="2"/>
+        <dgm:pt modelId="21"/>
+      </dgm:ptLst>
+      <dgm:cxnLst>
+        <dgm:cxn modelId="4" srcId="0" destId="1" srcOrd="0" destOrd="0"/>
+        <dgm:cxn modelId="5" srcId="0" destId="2" srcOrd="1" destOrd="0"/>
+        <dgm:cxn modelId="13" srcId="1" destId="11" srcOrd="0" destOrd="0"/>
+        <dgm:cxn modelId="23" srcId="2" destId="21" srcOrd="0" destOrd="0"/>
+      </dgm:cxnLst>
+      <dgm:bg/>
+      <dgm:whole/>
+    </dgm:dataModel>
+  </dgm:styleData>
+  <dgm:clrData>
+    <dgm:dataModel>
+      <dgm:ptLst>
+        <dgm:pt modelId="0" type="doc"/>
+        <dgm:pt modelId="1"/>
+        <dgm:pt modelId="11"/>
+        <dgm:pt modelId="2"/>
+        <dgm:pt modelId="21"/>
+        <dgm:pt modelId="3"/>
+        <dgm:pt modelId="31"/>
+        <dgm:pt modelId="4"/>
+        <dgm:pt modelId="41"/>
+      </dgm:ptLst>
+      <dgm:cxnLst>
+        <dgm:cxn modelId="5" srcId="0" destId="1" srcOrd="0" destOrd="0"/>
+        <dgm:cxn modelId="6" srcId="0" destId="2" srcOrd="1" destOrd="0"/>
+        <dgm:cxn modelId="7" srcId="0" destId="3" srcOrd="2" destOrd="0"/>
+        <dgm:cxn modelId="8" srcId="0" destId="4" srcOrd="3" destOrd="0"/>
+        <dgm:cxn modelId="13" srcId="1" destId="11" srcOrd="0" destOrd="0"/>
+        <dgm:cxn modelId="23" srcId="2" destId="21" srcOrd="0" destOrd="0"/>
+        <dgm:cxn modelId="33" srcId="3" destId="31" srcOrd="0" destOrd="0"/>
+        <dgm:cxn modelId="43" srcId="4" destId="41" srcOrd="0" destOrd="0"/>
+      </dgm:cxnLst>
+      <dgm:bg/>
+      <dgm:whole/>
+    </dgm:dataModel>
+  </dgm:clrData>
+  <dgm:layoutNode name="Name0">
+    <dgm:varLst>
+      <dgm:dir/>
+      <dgm:animLvl val="lvl"/>
+      <dgm:resizeHandles val="exact"/>
+    </dgm:varLst>
+    <dgm:alg type="lin">
+      <dgm:param type="linDir" val="fromB"/>
+    </dgm:alg>
+    <dgm:shape xmlns:r="http://schemas.openxmlformats.org/officeDocument/2006/relationships" r:blip="">
+      <dgm:adjLst/>
+    </dgm:shape>
+    <dgm:presOf/>
+    <dgm:constrLst>
+      <dgm:constr type="h" for="ch" forName="boxAndChildren" refType="h"/>
+      <dgm:constr type="h" for="ch" forName="arrowAndChildren" refType="h" refFor="ch" refForName="boxAndChildren" op="equ" fact="1.538"/>
+      <dgm:constr type="w" for="ch" forName="arrowAndChildren" refType="w"/>
+      <dgm:constr type="w" for="ch" forName="boxAndChildren" refType="w"/>
+      <dgm:constr type="h" for="ch" forName="sp" refType="h" fact="-0.015"/>
+      <dgm:constr type="primFontSz" for="des" forName="parentTextBox" val="65"/>
+      <dgm:constr type="primFontSz" for="des" forName="parentTextArrow" refType="primFontSz" refFor="des" refForName="parentTextBox" op="equ"/>
+      <dgm:constr type="primFontSz" for="des" forName="childTextArrow" val="65"/>
+      <dgm:constr type="primFontSz" for="des" forName="childTextBox" refType="primFontSz" refFor="des" refForName="childTextArrow" op="equ"/>
+    </dgm:constrLst>
+    <dgm:ruleLst/>
+    <dgm:forEach name="Name1" axis="ch" ptType="node" st="-1" step="-1">
+      <dgm:choose name="Name2">
+        <dgm:if name="Name3" axis="self" ptType="node" func="revPos" op="equ" val="1">
+          <dgm:layoutNode name="boxAndChildren">
+            <dgm:alg type="composite"/>
+            <dgm:shape xmlns:r="http://schemas.openxmlformats.org/officeDocument/2006/relationships" r:blip="">
+              <dgm:adjLst/>
+            </dgm:shape>
+            <dgm:presOf/>
+            <dgm:choose name="Name4">
+              <dgm:if name="Name5" axis="ch" ptType="node" func="cnt" op="gte" val="1">
+                <dgm:constrLst>
+                  <dgm:constr type="w" for="ch" forName="parentTextBox" refType="w"/>
+                  <dgm:constr type="h" for="ch" forName="parentTextBox" refType="h" fact="0.54"/>
+                  <dgm:constr type="t" for="ch" forName="parentTextBox"/>
+                  <dgm:constr type="w" for="ch" forName="entireBox" refType="w"/>
+                  <dgm:constr type="h" for="ch" forName="entireBox" refType="h"/>
+                  <dgm:constr type="w" for="ch" forName="descendantBox" refType="w"/>
+                  <dgm:constr type="b" for="ch" forName="descendantBox" refType="h" fact="0.98"/>
+                  <dgm:constr type="h" for="ch" forName="descendantBox" refType="h" fact="0.46"/>
+                </dgm:constrLst>
+              </dgm:if>
+              <dgm:else name="Name6">
+                <dgm:constrLst>
+                  <dgm:constr type="w" for="ch" forName="parentTextBox" refType="w"/>
+                  <dgm:constr type="h" for="ch" forName="parentTextBox" refType="h"/>
+                </dgm:constrLst>
+              </dgm:else>
+            </dgm:choose>
+            <dgm:ruleLst/>
+            <dgm:layoutNode name="parentTextBox">
+              <dgm:alg type="tx"/>
+              <dgm:choose name="Name7">
+                <dgm:if name="Name8" axis="ch" ptType="node" func="cnt" op="gte" val="1">
+                  <dgm:shape xmlns:r="http://schemas.openxmlformats.org/officeDocument/2006/relationships" type="rect" r:blip="" zOrderOff="1" hideGeom="1">
+                    <dgm:adjLst/>
+                  </dgm:shape>
+                </dgm:if>
+                <dgm:else name="Name9">
+                  <dgm:shape xmlns:r="http://schemas.openxmlformats.org/officeDocument/2006/relationships" type="rect" r:blip="">
+                    <dgm:adjLst/>
+                  </dgm:shape>
+                </dgm:else>
+              </dgm:choose>
+              <dgm:presOf axis="self"/>
+              <dgm:constrLst/>
+              <dgm:ruleLst>
+                <dgm:rule type="primFontSz" val="5" fact="NaN" max="NaN"/>
+              </dgm:ruleLst>
+            </dgm:layoutNode>
+            <dgm:choose name="Name10">
+              <dgm:if name="Name11" axis="ch" ptType="node" func="cnt" op="gte" val="1">
+                <dgm:layoutNode name="entireBox">
+                  <dgm:alg type="sp"/>
+                  <dgm:shape xmlns:r="http://schemas.openxmlformats.org/officeDocument/2006/relationships" type="rect" r:blip="">
+                    <dgm:adjLst/>
+                  </dgm:shape>
+                  <dgm:presOf axis="self"/>
+                  <dgm:constrLst/>
+                  <dgm:ruleLst/>
+                </dgm:layoutNode>
+                <dgm:layoutNode name="descendantBox" styleLbl="fgAccFollowNode1">
+                  <dgm:choose name="Name12">
+                    <dgm:if name="Name13" func="var" arg="dir" op="equ" val="norm">
+                      <dgm:alg type="lin"/>
+                    </dgm:if>
+                    <dgm:else name="Name14">
+                      <dgm:alg type="lin">
+                        <dgm:param type="linDir" val="fromR"/>
+                      </dgm:alg>
+                    </dgm:else>
+                  </dgm:choose>
+                  <dgm:shape xmlns:r="http://schemas.openxmlformats.org/officeDocument/2006/relationships" r:blip="">
+                    <dgm:adjLst/>
+                  </dgm:shape>
+                  <dgm:presOf/>
+                  <dgm:constrLst>
+                    <dgm:constr type="w" for="ch" forName="childTextBox" refType="w"/>
+                    <dgm:constr type="h" for="ch" forName="childTextBox" refType="h"/>
+                  </dgm:constrLst>
+                  <dgm:ruleLst/>
+                  <dgm:forEach name="Name15" axis="ch" ptType="node">
+                    <dgm:layoutNode name="childTextBox" styleLbl="fgAccFollowNode1">
+                      <dgm:varLst>
+                        <dgm:bulletEnabled val="1"/>
+                      </dgm:varLst>
+                      <dgm:alg type="tx"/>
+                      <dgm:shape xmlns:r="http://schemas.openxmlformats.org/officeDocument/2006/relationships" type="rect" r:blip="">
+                        <dgm:adjLst/>
+                      </dgm:shape>
+                      <dgm:presOf axis="desOrSelf" ptType="node"/>
+                      <dgm:constrLst>
+                        <dgm:constr type="tMarg" refType="primFontSz" fact="0.1"/>
+                        <dgm:constr type="bMarg" refType="primFontSz" fact="0.1"/>
+                      </dgm:constrLst>
+                      <dgm:ruleLst>
+                        <dgm:rule type="primFontSz" val="5" fact="NaN" max="NaN"/>
+                      </dgm:ruleLst>
+                    </dgm:layoutNode>
+                  </dgm:forEach>
+                </dgm:layoutNode>
+              </dgm:if>
+              <dgm:else name="Name16"/>
+            </dgm:choose>
+          </dgm:layoutNode>
+        </dgm:if>
+        <dgm:else name="Name17">
+          <dgm:layoutNode name="arrowAndChildren">
+            <dgm:alg type="composite"/>
+            <dgm:shape xmlns:r="http://schemas.openxmlformats.org/officeDocument/2006/relationships" r:blip="">
+              <dgm:adjLst/>
+            </dgm:shape>
+            <dgm:presOf/>
+            <dgm:choose name="Name18">
+              <dgm:if name="Name19" axis="ch" ptType="node" func="cnt" op="gte" val="1">
+                <dgm:constrLst>
+                  <dgm:constr type="w" for="ch" forName="parentTextArrow" refType="w"/>
+                  <dgm:constr type="t" for="ch" forName="parentTextArrow"/>
+                  <dgm:constr type="h" for="ch" forName="parentTextArrow" refType="h" fact="0.351"/>
+                  <dgm:constr type="w" for="ch" forName="arrow" refType="w"/>
+                  <dgm:constr type="h" for="ch" forName="arrow" refType="h"/>
+                  <dgm:constr type="w" for="ch" forName="descendantArrow" refType="w"/>
+                  <dgm:constr type="b" for="ch" forName="descendantArrow" refType="h" fact="0.65"/>
+                  <dgm:constr type="h" for="ch" forName="descendantArrow" refType="h" fact="0.299"/>
+                </dgm:constrLst>
+              </dgm:if>
+              <dgm:else name="Name20">
+                <dgm:constrLst>
+                  <dgm:constr type="w" for="ch" forName="parentTextArrow" refType="w"/>
+                  <dgm:constr type="h" for="ch" forName="parentTextArrow" refType="h"/>
+                </dgm:constrLst>
+              </dgm:else>
+            </dgm:choose>
+            <dgm:ruleLst/>
+            <dgm:layoutNode name="parentTextArrow">
+              <dgm:alg type="tx"/>
+              <dgm:choose name="Name21">
+                <dgm:if name="Name22" axis="ch" ptType="node" func="cnt" op="gte" val="1">
+                  <dgm:shape xmlns:r="http://schemas.openxmlformats.org/officeDocument/2006/relationships" type="rect" r:blip="" zOrderOff="1" hideGeom="1">
+                    <dgm:adjLst/>
+                  </dgm:shape>
+                </dgm:if>
+                <dgm:else name="Name23">
+                  <dgm:shape xmlns:r="http://schemas.openxmlformats.org/officeDocument/2006/relationships" rot="180" type="upArrowCallout" r:blip="">
+                    <dgm:adjLst/>
+                  </dgm:shape>
+                </dgm:else>
+              </dgm:choose>
+              <dgm:presOf axis="self"/>
+              <dgm:constrLst/>
+              <dgm:ruleLst>
+                <dgm:rule type="primFontSz" val="5" fact="NaN" max="NaN"/>
+              </dgm:ruleLst>
+            </dgm:layoutNode>
+            <dgm:choose name="Name24">
+              <dgm:if name="Name25" axis="ch" ptType="node" func="cnt" op="gte" val="1">
+                <dgm:layoutNode name="arrow">
+                  <dgm:alg type="sp"/>
+                  <dgm:shape xmlns:r="http://schemas.openxmlformats.org/officeDocument/2006/relationships" rot="180" type="upArrowCallout" r:blip="">
+                    <dgm:adjLst/>
+                  </dgm:shape>
+                  <dgm:presOf axis="self"/>
+                  <dgm:constrLst/>
+                  <dgm:ruleLst/>
+                </dgm:layoutNode>
+                <dgm:layoutNode name="descendantArrow">
+                  <dgm:choose name="Name26">
+                    <dgm:if name="Name27" func="var" arg="dir" op="equ" val="norm">
+                      <dgm:alg type="lin"/>
+                    </dgm:if>
+                    <dgm:else name="Name28">
+                      <dgm:alg type="lin">
+                        <dgm:param type="linDir" val="fromR"/>
+                      </dgm:alg>
+                    </dgm:else>
+                  </dgm:choose>
+                  <dgm:shape xmlns:r="http://schemas.openxmlformats.org/officeDocument/2006/relationships" r:blip="">
+                    <dgm:adjLst/>
+                  </dgm:shape>
+                  <dgm:presOf/>
+                  <dgm:constrLst>
+                    <dgm:constr type="w" for="ch" forName="childTextArrow" refType="w"/>
+                    <dgm:constr type="h" for="ch" forName="childTextArrow" refType="h"/>
+                  </dgm:constrLst>
+                  <dgm:ruleLst/>
+                  <dgm:forEach name="Name29" axis="ch" ptType="node">
+                    <dgm:layoutNode name="childTextArrow" styleLbl="fgAccFollowNode1">
+                      <dgm:varLst>
+                        <dgm:bulletEnabled val="1"/>
+                      </dgm:varLst>
+                      <dgm:alg type="tx"/>
+                      <dgm:shape xmlns:r="http://schemas.openxmlformats.org/officeDocument/2006/relationships" type="rect" r:blip="">
+                        <dgm:adjLst/>
+                      </dgm:shape>
+                      <dgm:presOf axis="desOrSelf" ptType="node"/>
+                      <dgm:constrLst>
+                        <dgm:constr type="tMarg" refType="primFontSz" fact="0.1"/>
+                        <dgm:constr type="bMarg" refType="primFontSz" fact="0.1"/>
+                      </dgm:constrLst>
+                      <dgm:ruleLst>
+                        <dgm:rule type="primFontSz" val="5" fact="NaN" max="NaN"/>
+                      </dgm:ruleLst>
+                    </dgm:layoutNode>
+                  </dgm:forEach>
+                </dgm:layoutNode>
+              </dgm:if>
+              <dgm:else name="Name30"/>
+            </dgm:choose>
+          </dgm:layoutNode>
+        </dgm:else>
+      </dgm:choose>
+      <dgm:forEach name="Name31" axis="precedSib" ptType="sibTrans" st="-1" cnt="1">
+        <dgm:layoutNode name="sp">
+          <dgm:alg type="sp"/>
+          <dgm:shape xmlns:r="http://schemas.openxmlformats.org/officeDocument/2006/relationships" r:blip="">
+            <dgm:adjLst/>
+          </dgm:shape>
+          <dgm:presOf axis="self"/>
+          <dgm:constrLst/>
+          <dgm:ruleLst/>
+        </dgm:layoutNode>
+      </dgm:forEach>
+    </dgm:forEach>
+  </dgm:layoutNode>
+</dgm:layoutDef>
+</file>
+
+<file path=ppt/diagrams/quickStyle1.xml><?xml version="1.0" encoding="utf-8"?>
+<dgm:styleDef xmlns:dgm="http://schemas.openxmlformats.org/drawingml/2006/diagram" xmlns:a="http://schemas.openxmlformats.org/drawingml/2006/main" uniqueId="urn:microsoft.com/office/officeart/2005/8/quickstyle/simple1">
+  <dgm:title val=""/>
+  <dgm:desc val=""/>
+  <dgm:catLst>
+    <dgm:cat type="simple" pri="10100"/>
+  </dgm:catLst>
+  <dgm:scene3d>
+    <a:camera prst="orthographicFront"/>
+    <a:lightRig rig="threePt" dir="t"/>
+  </dgm:scene3d>
+  <dgm:styleLbl name="node0">
+    <dgm:scene3d>
+      <a:camera prst="orthographicFront"/>
+      <a:lightRig rig="threePt" dir="t"/>
+    </dgm:scene3d>
+    <dgm:sp3d/>
+    <dgm:txPr/>
+    <dgm:style>
+      <a:lnRef idx="2">
+        <a:scrgbClr r="0" g="0" b="0"/>
+      </a:lnRef>
+      <a:fillRef idx="1">
+        <a:scrgbClr r="0" g="0" b="0"/>
+      </a:fillRef>
+      <a:effectRef idx="0">
+        <a:scrgbClr r="0" g="0" b="0"/>
+      </a:effectRef>
+      <a:fontRef idx="minor">
+        <a:schemeClr val="lt1"/>
+      </a:fontRef>
+    </dgm:style>
+  </dgm:styleLbl>
+  <dgm:styleLbl name="lnNode1">
+    <dgm:scene3d>
+      <a:camera prst="orthographicFront"/>
+      <a:lightRig rig="threePt" dir="t"/>
+    </dgm:scene3d>
+    <dgm:sp3d/>
+    <dgm:txPr/>
+    <dgm:style>
+      <a:lnRef idx="2">
+        <a:scrgbClr r="0" g="0" b="0"/>
+      </a:lnRef>
+      <a:fillRef idx="1">
+        <a:scrgbClr r="0" g="0" b="0"/>
+      </a:fillRef>
+      <a:effectRef idx="0">
+        <a:scrgbClr r="0" g="0" b="0"/>
+      </a:effectRef>
+      <a:fontRef idx="minor">
+        <a:schemeClr val="lt1"/>
+      </a:fontRef>
+    </dgm:style>
+  </dgm:styleLbl>
+  <dgm:styleLbl name="vennNode1">
+    <dgm:scene3d>
+      <a:camera prst="orthographicFront"/>
+      <a:lightRig rig="threePt" dir="t"/>
+    </dgm:scene3d>
+    <dgm:sp3d/>
+    <dgm:txPr/>
+    <dgm:style>
+      <a:lnRef idx="2">
+        <a:scrgbClr r="0" g="0" b="0"/>
+      </a:lnRef>
+      <a:fillRef idx="1">
+        <a:scrgbClr r="0" g="0" b="0"/>
+      </a:fillRef>
+      <a:effectRef idx="0">
+        <a:scrgbClr r="0" g="0" b="0"/>
+      </a:effectRef>
+      <a:fontRef idx="minor">
+        <a:schemeClr val="tx1"/>
+      </a:fontRef>
+    </dgm:style>
+  </dgm:styleLbl>
+  <dgm:styleLbl name="alignNode1">
+    <dgm:scene3d>
+      <a:camera prst="orthographicFront"/>
+      <a:lightRig rig="threePt" dir="t"/>
+    </dgm:scene3d>
+    <dgm:sp3d/>
+    <dgm:txPr/>
+    <dgm:style>
+      <a:lnRef idx="2">
+        <a:scrgbClr r="0" g="0" b="0"/>
+      </a:lnRef>
+      <a:fillRef idx="1">
+        <a:scrgbClr r="0" g="0" b="0"/>
+      </a:fillRef>
+      <a:effectRef idx="0">
+        <a:scrgbClr r="0" g="0" b="0"/>
+      </a:effectRef>
+      <a:fontRef idx="minor">
+        <a:schemeClr val="lt1"/>
+      </a:fontRef>
+    </dgm:style>
+  </dgm:styleLbl>
+  <dgm:styleLbl name="node1">
+    <dgm:scene3d>
+      <a:camera prst="orthographicFront"/>
+      <a:lightRig rig="threePt" dir="t"/>
+    </dgm:scene3d>
+    <dgm:sp3d/>
+    <dgm:txPr/>
+    <dgm:style>
+      <a:lnRef idx="2">
+        <a:scrgbClr r="0" g="0" b="0"/>
+      </a:lnRef>
+      <a:fillRef idx="1">
+        <a:scrgbClr r="0" g="0" b="0"/>
+      </a:fillRef>
+      <a:effectRef idx="0">
+        <a:scrgbClr r="0" g="0" b="0"/>
+      </a:effectRef>
+      <a:fontRef idx="minor">
+        <a:schemeClr val="lt1"/>
+      </a:fontRef>
+    </dgm:style>
+  </dgm:styleLbl>
+  <dgm:styleLbl name="node2">
+    <dgm:scene3d>
+      <a:camera prst="orthographicFront"/>
+      <a:lightRig rig="threePt" dir="t"/>
+    </dgm:scene3d>
+    <dgm:sp3d/>
+    <dgm:txPr/>
+    <dgm:style>
+      <a:lnRef idx="2">
+        <a:scrgbClr r="0" g="0" b="0"/>
+      </a:lnRef>
+      <a:fillRef idx="1">
+        <a:scrgbClr r="0" g="0" b="0"/>
+      </a:fillRef>
+      <a:effectRef idx="0">
+        <a:scrgbClr r="0" g="0" b="0"/>
+      </a:effectRef>
+      <a:fontRef idx="minor">
+        <a:schemeClr val="lt1"/>
+      </a:fontRef>
+    </dgm:style>
+  </dgm:styleLbl>
+  <dgm:styleLbl name="node3">
+    <dgm:scene3d>
+      <a:camera prst="orthographicFront"/>
+      <a:lightRig rig="threePt" dir="t"/>
+    </dgm:scene3d>
+    <dgm:sp3d/>
+    <dgm:txPr/>
+    <dgm:style>
+      <a:lnRef idx="2">
+        <a:scrgbClr r="0" g="0" b="0"/>
+      </a:lnRef>
+      <a:fillRef idx="1">
+        <a:scrgbClr r="0" g="0" b="0"/>
+      </a:fillRef>
+      <a:effectRef idx="0">
+        <a:scrgbClr r="0" g="0" b="0"/>
+      </a:effectRef>
+      <a:fontRef idx="minor">
+        <a:schemeClr val="lt1"/>
+      </a:fontRef>
+    </dgm:style>
+  </dgm:styleLbl>
+  <dgm:styleLbl name="node4">
+    <dgm:scene3d>
+      <a:camera prst="orthographicFront"/>
+      <a:lightRig rig="threePt" dir="t"/>
+    </dgm:scene3d>
+    <dgm:sp3d/>
+    <dgm:txPr/>
+    <dgm:style>
+      <a:lnRef idx="2">
+        <a:scrgbClr r="0" g="0" b="0"/>
+      </a:lnRef>
+      <a:fillRef idx="1">
+        <a:scrgbClr r="0" g="0" b="0"/>
+      </a:fillRef>
+      <a:effectRef idx="0">
+        <a:scrgbClr r="0" g="0" b="0"/>
+      </a:effectRef>
+      <a:fontRef idx="minor">
+        <a:schemeClr val="lt1"/>
+      </a:fontRef>
+    </dgm:style>
+  </dgm:styleLbl>
+  <dgm:styleLbl name="fgImgPlace1">
+    <dgm:scene3d>
+      <a:camera prst="orthographicFront"/>
+      <a:lightRig rig="threePt" dir="t"/>
+    </dgm:scene3d>
+    <dgm:sp3d/>
+    <dgm:txPr/>
+    <dgm:style>
+      <a:lnRef idx="2">
+        <a:scrgbClr r="0" g="0" b="0"/>
+      </a:lnRef>
+      <a:fillRef idx="1">
+        <a:scrgbClr r="0" g="0" b="0"/>
+      </a:fillRef>
+      <a:effectRef idx="0">
+        <a:scrgbClr r="0" g="0" b="0"/>
+      </a:effectRef>
+      <a:fontRef idx="minor"/>
+    </dgm:style>
+  </dgm:styleLbl>
+  <dgm:styleLbl name="alignImgPlace1">
+    <dgm:scene3d>
+      <a:camera prst="orthographicFront"/>
+      <a:lightRig rig="threePt" dir="t"/>
+    </dgm:scene3d>
+    <dgm:sp3d/>
+    <dgm:txPr/>
+    <dgm:style>
+      <a:lnRef idx="2">
+        <a:scrgbClr r="0" g="0" b="0"/>
+      </a:lnRef>
+      <a:fillRef idx="1">
+        <a:scrgbClr r="0" g="0" b="0"/>
+      </a:fillRef>
+      <a:effectRef idx="0">
+        <a:scrgbClr r="0" g="0" b="0"/>
+      </a:effectRef>
+      <a:fontRef idx="minor"/>
+    </dgm:style>
+  </dgm:styleLbl>
+  <dgm:styleLbl name="bgImgPlace1">
+    <dgm:scene3d>
+      <a:camera prst="orthographicFront"/>
+      <a:lightRig rig="threePt" dir="t"/>
+    </dgm:scene3d>
+    <dgm:sp3d/>
+    <dgm:txPr/>
+    <dgm:style>
+      <a:lnRef idx="2">
+        <a:scrgbClr r="0" g="0" b="0"/>
+      </a:lnRef>
+      <a:fillRef idx="1">
+        <a:scrgbClr r="0" g="0" b="0"/>
+      </a:fillRef>
+      <a:effectRef idx="0">
+        <a:scrgbClr r="0" g="0" b="0"/>
+      </a:effectRef>
+      <a:fontRef idx="minor"/>
+    </dgm:style>
+  </dgm:styleLbl>
+  <dgm:styleLbl name="sibTrans2D1">
+    <dgm:scene3d>
+      <a:camera prst="orthographicFront"/>
+      <a:lightRig rig="threePt" dir="t"/>
+    </dgm:scene3d>
+    <dgm:sp3d/>
+    <dgm:txPr/>
+    <dgm:style>
+      <a:lnRef idx="0">
+        <a:scrgbClr r="0" g="0" b="0"/>
+      </a:lnRef>
+      <a:fillRef idx="1">
+        <a:scrgbClr r="0" g="0" b="0"/>
+      </a:fillRef>
+      <a:effectRef idx="0">
+        <a:scrgbClr r="0" g="0" b="0"/>
+      </a:effectRef>
+      <a:fontRef idx="minor">
+        <a:schemeClr val="lt1"/>
+      </a:fontRef>
+    </dgm:style>
+  </dgm:styleLbl>
+  <dgm:styleLbl name="fgSibTrans2D1">
+    <dgm:scene3d>
+      <a:camera prst="orthographicFront"/>
+      <a:lightRig rig="threePt" dir="t"/>
+    </dgm:scene3d>
+    <dgm:sp3d/>
+    <dgm:txPr/>
+    <dgm:style>
+      <a:lnRef idx="0">
+        <a:scrgbClr r="0" g="0" b="0"/>
+      </a:lnRef>
+      <a:fillRef idx="1">
+        <a:scrgbClr r="0" g="0" b="0"/>
+      </a:fillRef>
+      <a:effectRef idx="0">
+        <a:scrgbClr r="0" g="0" b="0"/>
+      </a:effectRef>
+      <a:fontRef idx="minor">
+        <a:schemeClr val="lt1"/>
+      </a:fontRef>
+    </dgm:style>
+  </dgm:styleLbl>
+  <dgm:styleLbl name="bgSibTrans2D1">
+    <dgm:scene3d>
+      <a:camera prst="orthographicFront"/>
+      <a:lightRig rig="threePt" dir="t"/>
+    </dgm:scene3d>
+    <dgm:sp3d/>
+    <dgm:txPr/>
+    <dgm:style>
+      <a:lnRef idx="0">
+        <a:scrgbClr r="0" g="0" b="0"/>
+      </a:lnRef>
+      <a:fillRef idx="1">
+        <a:scrgbClr r="0" g="0" b="0"/>
+      </a:fillRef>
+      <a:effectRef idx="0">
+        <a:scrgbClr r="0" g="0" b="0"/>
+      </a:effectRef>
+      <a:fontRef idx="minor">
+        <a:schemeClr val="lt1"/>
+      </a:fontRef>
+    </dgm:style>
+  </dgm:styleLbl>
+  <dgm:styleLbl name="sibTrans1D1">
+    <dgm:scene3d>
+      <a:camera prst="orthographicFront"/>
+      <a:lightRig rig="threePt" dir="t"/>
+    </dgm:scene3d>
+    <dgm:sp3d/>
+    <dgm:txPr/>
+    <dgm:style>
+      <a:lnRef idx="1">
+        <a:scrgbClr r="0" g="0" b="0"/>
+      </a:lnRef>
+      <a:fillRef idx="0">
+        <a:scrgbClr r="0" g="0" b="0"/>
+      </a:fillRef>
+      <a:effectRef idx="0">
+        <a:scrgbClr r="0" g="0" b="0"/>
+      </a:effectRef>
+      <a:fontRef idx="minor"/>
+    </dgm:style>
+  </dgm:styleLbl>
+  <dgm:styleLbl name="callout">
+    <dgm:scene3d>
+      <a:camera prst="orthographicFront"/>
+      <a:lightRig rig="threePt" dir="t"/>
+    </dgm:scene3d>
+    <dgm:sp3d/>
+    <dgm:txPr/>
+    <dgm:style>
+      <a:lnRef idx="2">
+        <a:scrgbClr r="0" g="0" b="0"/>
+      </a:lnRef>
+      <a:fillRef idx="1">
+        <a:scrgbClr r="0" g="0" b="0"/>
+      </a:fillRef>
+      <a:effectRef idx="0">
+        <a:scrgbClr r="0" g="0" b="0"/>
+      </a:effectRef>
+      <a:fontRef idx="minor"/>
+    </dgm:style>
+  </dgm:styleLbl>
+  <dgm:styleLbl name="asst0">
+    <dgm:scene3d>
+      <a:camera prst="orthographicFront"/>
+      <a:lightRig rig="threePt" dir="t"/>
+    </dgm:scene3d>
+    <dgm:sp3d/>
+    <dgm:txPr/>
+    <dgm:style>
+      <a:lnRef idx="2">
+        <a:scrgbClr r="0" g="0" b="0"/>
+      </a:lnRef>
+      <a:fillRef idx="1">
+        <a:scrgbClr r="0" g="0" b="0"/>
+      </a:fillRef>
+      <a:effectRef idx="0">
+        <a:scrgbClr r="0" g="0" b="0"/>
+      </a:effectRef>
+      <a:fontRef idx="minor">
+        <a:schemeClr val="lt1"/>
+      </a:fontRef>
+    </dgm:style>
+  </dgm:styleLbl>
+  <dgm:styleLbl name="asst1">
+    <dgm:scene3d>
+      <a:camera prst="orthographicFront"/>
+      <a:lightRig rig="threePt" dir="t"/>
+    </dgm:scene3d>
+    <dgm:sp3d/>
+    <dgm:txPr/>
+    <dgm:style>
+      <a:lnRef idx="2">
+        <a:scrgbClr r="0" g="0" b="0"/>
+      </a:lnRef>
+      <a:fillRef idx="1">
+        <a:scrgbClr r="0" g="0" b="0"/>
+      </a:fillRef>
+      <a:effectRef idx="0">
+        <a:scrgbClr r="0" g="0" b="0"/>
+      </a:effectRef>
+      <a:fontRef idx="minor">
+        <a:schemeClr val="lt1"/>
+      </a:fontRef>
+    </dgm:style>
+  </dgm:styleLbl>
+  <dgm:styleLbl name="asst2">
+    <dgm:scene3d>
+      <a:camera prst="orthographicFront"/>
+      <a:lightRig rig="threePt" dir="t"/>
+    </dgm:scene3d>
+    <dgm:sp3d/>
+    <dgm:txPr/>
+    <dgm:style>
+      <a:lnRef idx="2">
+        <a:scrgbClr r="0" g="0" b="0"/>
+      </a:lnRef>
+      <a:fillRef idx="1">
+        <a:scrgbClr r="0" g="0" b="0"/>
+      </a:fillRef>
+      <a:effectRef idx="0">
+        <a:scrgbClr r="0" g="0" b="0"/>
+      </a:effectRef>
+      <a:fontRef idx="minor">
+        <a:schemeClr val="lt1"/>
+      </a:fontRef>
+    </dgm:style>
+  </dgm:styleLbl>
+  <dgm:styleLbl name="asst3">
+    <dgm:scene3d>
+      <a:camera prst="orthographicFront"/>
+      <a:lightRig rig="threePt" dir="t"/>
+    </dgm:scene3d>
+    <dgm:sp3d/>
+    <dgm:txPr/>
+    <dgm:style>
+      <a:lnRef idx="2">
+        <a:scrgbClr r="0" g="0" b="0"/>
+      </a:lnRef>
+      <a:fillRef idx="1">
+        <a:scrgbClr r="0" g="0" b="0"/>
+      </a:fillRef>
+      <a:effectRef idx="0">
+        <a:scrgbClr r="0" g="0" b="0"/>
+      </a:effectRef>
+      <a:fontRef idx="minor">
+        <a:schemeClr val="lt1"/>
+      </a:fontRef>
+    </dgm:style>
+  </dgm:styleLbl>
+  <dgm:styleLbl name="asst4">
+    <dgm:scene3d>
+      <a:camera prst="orthographicFront"/>
+      <a:lightRig rig="threePt" dir="t"/>
+    </dgm:scene3d>
+    <dgm:sp3d/>
+    <dgm:txPr/>
+    <dgm:style>
+      <a:lnRef idx="2">
+        <a:scrgbClr r="0" g="0" b="0"/>
+      </a:lnRef>
+      <a:fillRef idx="1">
+        <a:scrgbClr r="0" g="0" b="0"/>
+      </a:fillRef>
+      <a:effectRef idx="0">
+        <a:scrgbClr r="0" g="0" b="0"/>
+      </a:effectRef>
+      <a:fontRef idx="minor">
+        <a:schemeClr val="lt1"/>
+      </a:fontRef>
+    </dgm:style>
+  </dgm:styleLbl>
+  <dgm:styleLbl name="parChTrans2D1">
+    <dgm:scene3d>
+      <a:camera prst="orthographicFront"/>
+      <a:lightRig rig="threePt" dir="t"/>
+    </dgm:scene3d>
+    <dgm:sp3d/>
+    <dgm:txPr/>
+    <dgm:style>
+      <a:lnRef idx="2">
+        <a:scrgbClr r="0" g="0" b="0"/>
+      </a:lnRef>
+      <a:fillRef idx="1">
+        <a:scrgbClr r="0" g="0" b="0"/>
+      </a:fillRef>
+      <a:effectRef idx="0">
+        <a:scrgbClr r="0" g="0" b="0"/>
+      </a:effectRef>
+      <a:fontRef idx="minor">
+        <a:schemeClr val="lt1"/>
+      </a:fontRef>
+    </dgm:style>
+  </dgm:styleLbl>
+  <dgm:styleLbl name="parChTrans2D2">
+    <dgm:scene3d>
+      <a:camera prst="orthographicFront"/>
+      <a:lightRig rig="threePt" dir="t"/>
+    </dgm:scene3d>
+    <dgm:sp3d/>
+    <dgm:txPr/>
+    <dgm:style>
+      <a:lnRef idx="2">
+        <a:scrgbClr r="0" g="0" b="0"/>
+      </a:lnRef>
+      <a:fillRef idx="1">
+        <a:scrgbClr r="0" g="0" b="0"/>
+      </a:fillRef>
+      <a:effectRef idx="0">
+        <a:scrgbClr r="0" g="0" b="0"/>
+      </a:effectRef>
+      <a:fontRef idx="minor">
+        <a:schemeClr val="lt1"/>
+      </a:fontRef>
+    </dgm:style>
+  </dgm:styleLbl>
+  <dgm:styleLbl name="parChTrans2D3">
+    <dgm:scene3d>
+      <a:camera prst="orthographicFront"/>
+      <a:lightRig rig="threePt" dir="t"/>
+    </dgm:scene3d>
+    <dgm:sp3d/>
+    <dgm:txPr/>
+    <dgm:style>
+      <a:lnRef idx="2">
+        <a:scrgbClr r="0" g="0" b="0"/>
+      </a:lnRef>
+      <a:fillRef idx="1">
+        <a:scrgbClr r="0" g="0" b="0"/>
+      </a:fillRef>
+      <a:effectRef idx="0">
+        <a:scrgbClr r="0" g="0" b="0"/>
+      </a:effectRef>
+      <a:fontRef idx="minor">
+        <a:schemeClr val="lt1"/>
+      </a:fontRef>
+    </dgm:style>
+  </dgm:styleLbl>
+  <dgm:styleLbl name="parChTrans2D4">
+    <dgm:scene3d>
+      <a:camera prst="orthographicFront"/>
+      <a:lightRig rig="threePt" dir="t"/>
+    </dgm:scene3d>
+    <dgm:sp3d/>
+    <dgm:txPr/>
+    <dgm:style>
+      <a:lnRef idx="2">
+        <a:scrgbClr r="0" g="0" b="0"/>
+      </a:lnRef>
+      <a:fillRef idx="1">
+        <a:scrgbClr r="0" g="0" b="0"/>
+      </a:fillRef>
+      <a:effectRef idx="0">
+        <a:scrgbClr r="0" g="0" b="0"/>
+      </a:effectRef>
+      <a:fontRef idx="minor">
+        <a:schemeClr val="lt1"/>
+      </a:fontRef>
+    </dgm:style>
+  </dgm:styleLbl>
+  <dgm:styleLbl name="parChTrans1D1">
+    <dgm:scene3d>
+      <a:camera prst="orthographicFront"/>
+      <a:lightRig rig="threePt" dir="t"/>
+    </dgm:scene3d>
+    <dgm:sp3d/>
+    <dgm:txPr/>
+    <dgm:style>
+      <a:lnRef idx="2">
+        <a:scrgbClr r="0" g="0" b="0"/>
+      </a:lnRef>
+      <a:fillRef idx="0">
+        <a:scrgbClr r="0" g="0" b="0"/>
+      </a:fillRef>
+      <a:effectRef idx="0">
+        <a:scrgbClr r="0" g="0" b="0"/>
+      </a:effectRef>
+      <a:fontRef idx="minor"/>
+    </dgm:style>
+  </dgm:styleLbl>
+  <dgm:styleLbl name="parChTrans1D2">
+    <dgm:scene3d>
+      <a:camera prst="orthographicFront"/>
+      <a:lightRig rig="threePt" dir="t"/>
+    </dgm:scene3d>
+    <dgm:sp3d/>
+    <dgm:txPr/>
+    <dgm:style>
+      <a:lnRef idx="2">
+        <a:scrgbClr r="0" g="0" b="0"/>
+      </a:lnRef>
+      <a:fillRef idx="0">
+        <a:scrgbClr r="0" g="0" b="0"/>
+      </a:fillRef>
+      <a:effectRef idx="0">
+        <a:scrgbClr r="0" g="0" b="0"/>
+      </a:effectRef>
+      <a:fontRef idx="minor"/>
+    </dgm:style>
+  </dgm:styleLbl>
+  <dgm:styleLbl name="parChTrans1D3">
+    <dgm:scene3d>
+      <a:camera prst="orthographicFront"/>
+      <a:lightRig rig="threePt" dir="t"/>
+    </dgm:scene3d>
+    <dgm:sp3d/>
+    <dgm:txPr/>
+    <dgm:style>
+      <a:lnRef idx="2">
+        <a:scrgbClr r="0" g="0" b="0"/>
+      </a:lnRef>
+      <a:fillRef idx="0">
+        <a:scrgbClr r="0" g="0" b="0"/>
+      </a:fillRef>
+      <a:effectRef idx="0">
+        <a:scrgbClr r="0" g="0" b="0"/>
+      </a:effectRef>
+      <a:fontRef idx="minor"/>
+    </dgm:style>
+  </dgm:styleLbl>
+  <dgm:styleLbl name="parChTrans1D4">
+    <dgm:scene3d>
+      <a:camera prst="orthographicFront"/>
+      <a:lightRig rig="threePt" dir="t"/>
+    </dgm:scene3d>
+    <dgm:sp3d/>
+    <dgm:txPr/>
+    <dgm:style>
+      <a:lnRef idx="2">
+        <a:scrgbClr r="0" g="0" b="0"/>
+      </a:lnRef>
+      <a:fillRef idx="0">
+        <a:scrgbClr r="0" g="0" b="0"/>
+      </a:fillRef>
+      <a:effectRef idx="0">
+        <a:scrgbClr r="0" g="0" b="0"/>
+      </a:effectRef>
+      <a:fontRef idx="minor"/>
+    </dgm:style>
+  </dgm:styleLbl>
+  <dgm:styleLbl name="fgAcc1">
+    <dgm:scene3d>
+      <a:camera prst="orthographicFront"/>
+      <a:lightRig rig="threePt" dir="t"/>
+    </dgm:scene3d>
+    <dgm:sp3d/>
+    <dgm:txPr/>
+    <dgm:style>
+      <a:lnRef idx="2">
+        <a:scrgbClr r="0" g="0" b="0"/>
+      </a:lnRef>
+      <a:fillRef idx="1">
+        <a:scrgbClr r="0" g="0" b="0"/>
+      </a:fillRef>
+      <a:effectRef idx="0">
+        <a:scrgbClr r="0" g="0" b="0"/>
+      </a:effectRef>
+      <a:fontRef idx="minor"/>
+    </dgm:style>
+  </dgm:styleLbl>
+  <dgm:styleLbl name="conFgAcc1">
+    <dgm:scene3d>
+      <a:camera prst="orthographicFront"/>
+      <a:lightRig rig="threePt" dir="t"/>
+    </dgm:scene3d>
+    <dgm:sp3d/>
+    <dgm:txPr/>
+    <dgm:style>
+      <a:lnRef idx="2">
+        <a:scrgbClr r="0" g="0" b="0"/>
+      </a:lnRef>
+      <a:fillRef idx="1">
+        <a:scrgbClr r="0" g="0" b="0"/>
+      </a:fillRef>
+      <a:effectRef idx="0">
+        <a:scrgbClr r="0" g="0" b="0"/>
+      </a:effectRef>
+      <a:fontRef idx="minor"/>
+    </dgm:style>
+  </dgm:styleLbl>
+  <dgm:styleLbl name="alignAcc1">
+    <dgm:scene3d>
+      <a:camera prst="orthographicFront"/>
+      <a:lightRig rig="threePt" dir="t"/>
+    </dgm:scene3d>
+    <dgm:sp3d/>
+    <dgm:txPr/>
+    <dgm:style>
+      <a:lnRef idx="2">
+        <a:scrgbClr r="0" g="0" b="0"/>
+      </a:lnRef>
+      <a:fillRef idx="1">
+        <a:scrgbClr r="0" g="0" b="0"/>
+      </a:fillRef>
+      <a:effectRef idx="0">
+        <a:scrgbClr r="0" g="0" b="0"/>
+      </a:effectRef>
+      <a:fontRef idx="minor"/>
+    </dgm:style>
+  </dgm:styleLbl>
+  <dgm:styleLbl name="trAlignAcc1">
+    <dgm:scene3d>
+      <a:camera prst="orthographicFront"/>
+      <a:lightRig rig="threePt" dir="t"/>
+    </dgm:scene3d>
+    <dgm:sp3d/>
+    <dgm:txPr/>
+    <dgm:style>
+      <a:lnRef idx="1">
+        <a:scrgbClr r="0" g="0" b="0"/>
+      </a:lnRef>
+      <a:fillRef idx="1">
+        <a:scrgbClr r="0" g="0" b="0"/>
+      </a:fillRef>
+      <a:effectRef idx="0">
+        <a:scrgbClr r="0" g="0" b="0"/>
+      </a:effectRef>
+      <a:fontRef idx="minor"/>
+    </dgm:style>
+  </dgm:styleLbl>
+  <dgm:styleLbl name="bgAcc1">
+    <dgm:scene3d>
+      <a:camera prst="orthographicFront"/>
+      <a:lightRig rig="threePt" dir="t"/>
+    </dgm:scene3d>
+    <dgm:sp3d/>
+    <dgm:txPr/>
+    <dgm:style>
+      <a:lnRef idx="2">
+        <a:scrgbClr r="0" g="0" b="0"/>
+      </a:lnRef>
+      <a:fillRef idx="1">
+        <a:scrgbClr r="0" g="0" b="0"/>
+      </a:fillRef>
+      <a:effectRef idx="0">
+        <a:scrgbClr r="0" g="0" b="0"/>
+      </a:effectRef>
+      <a:fontRef idx="minor"/>
+    </dgm:style>
+  </dgm:styleLbl>
+  <dgm:styleLbl name="solidFgAcc1">
+    <dgm:scene3d>
+      <a:camera prst="orthographicFront"/>
+      <a:lightRig rig="threePt" dir="t"/>
+    </dgm:scene3d>
+    <dgm:sp3d/>
+    <dgm:txPr/>
+    <dgm:style>
+      <a:lnRef idx="2">
+        <a:scrgbClr r="0" g="0" b="0"/>
+      </a:lnRef>
+      <a:fillRef idx="1">
+        <a:scrgbClr r="0" g="0" b="0"/>
+      </a:fillRef>
+      <a:effectRef idx="0">
+        <a:scrgbClr r="0" g="0" b="0"/>
+      </a:effectRef>
+      <a:fontRef idx="minor"/>
+    </dgm:style>
+  </dgm:styleLbl>
+  <dgm:styleLbl name="solidAlignAcc1">
+    <dgm:scene3d>
+      <a:camera prst="orthographicFront"/>
+      <a:lightRig rig="threePt" dir="t"/>
+    </dgm:scene3d>
+    <dgm:sp3d/>
+    <dgm:txPr/>
+    <dgm:style>
+      <a:lnRef idx="2">
+        <a:scrgbClr r="0" g="0" b="0"/>
+      </a:lnRef>
+      <a:fillRef idx="1">
+        <a:scrgbClr r="0" g="0" b="0"/>
+      </a:fillRef>
+      <a:effectRef idx="0">
+        <a:scrgbClr r="0" g="0" b="0"/>
+      </a:effectRef>
+      <a:fontRef idx="minor"/>
+    </dgm:style>
+  </dgm:styleLbl>
+  <dgm:styleLbl name="solidBgAcc1">
+    <dgm:scene3d>
+      <a:camera prst="orthographicFront"/>
+      <a:lightRig rig="threePt" dir="t"/>
+    </dgm:scene3d>
+    <dgm:sp3d/>
+    <dgm:txPr/>
+    <dgm:style>
+      <a:lnRef idx="2">
+        <a:scrgbClr r="0" g="0" b="0"/>
+      </a:lnRef>
+      <a:fillRef idx="1">
+        <a:scrgbClr r="0" g="0" b="0"/>
+      </a:fillRef>
+      <a:effectRef idx="0">
+        <a:scrgbClr r="0" g="0" b="0"/>
+      </a:effectRef>
+      <a:fontRef idx="minor"/>
+    </dgm:style>
+  </dgm:styleLbl>
+  <dgm:styleLbl name="fgAccFollowNode1">
+    <dgm:scene3d>
+      <a:camera prst="orthographicFront"/>
+      <a:lightRig rig="threePt" dir="t"/>
+    </dgm:scene3d>
+    <dgm:sp3d/>
+    <dgm:txPr/>
+    <dgm:style>
+      <a:lnRef idx="2">
+        <a:scrgbClr r="0" g="0" b="0"/>
+      </a:lnRef>
+      <a:fillRef idx="1">
+        <a:scrgbClr r="0" g="0" b="0"/>
+      </a:fillRef>
+      <a:effectRef idx="0">
+        <a:scrgbClr r="0" g="0" b="0"/>
+      </a:effectRef>
+      <a:fontRef idx="minor"/>
+    </dgm:style>
+  </dgm:styleLbl>
+  <dgm:styleLbl name="alignAccFollowNode1">
+    <dgm:scene3d>
+      <a:camera prst="orthographicFront"/>
+      <a:lightRig rig="threePt" dir="t"/>
+    </dgm:scene3d>
+    <dgm:sp3d/>
+    <dgm:txPr/>
+    <dgm:style>
+      <a:lnRef idx="2">
+        <a:scrgbClr r="0" g="0" b="0"/>
+      </a:lnRef>
+      <a:fillRef idx="1">
+        <a:scrgbClr r="0" g="0" b="0"/>
+      </a:fillRef>
+      <a:effectRef idx="0">
+        <a:scrgbClr r="0" g="0" b="0"/>
+      </a:effectRef>
+      <a:fontRef idx="minor"/>
+    </dgm:style>
+  </dgm:styleLbl>
+  <dgm:styleLbl name="bgAccFollowNode1">
+    <dgm:scene3d>
+      <a:camera prst="orthographicFront"/>
+      <a:lightRig rig="threePt" dir="t"/>
+    </dgm:scene3d>
+    <dgm:sp3d/>
+    <dgm:txPr/>
+    <dgm:style>
+      <a:lnRef idx="2">
+        <a:scrgbClr r="0" g="0" b="0"/>
+      </a:lnRef>
+      <a:fillRef idx="1">
+        <a:scrgbClr r="0" g="0" b="0"/>
+      </a:fillRef>
+      <a:effectRef idx="0">
+        <a:scrgbClr r="0" g="0" b="0"/>
+      </a:effectRef>
+      <a:fontRef idx="minor"/>
+    </dgm:style>
+  </dgm:styleLbl>
+  <dgm:styleLbl name="fgAcc0">
+    <dgm:scene3d>
+      <a:camera prst="orthographicFront"/>
+      <a:lightRig rig="threePt" dir="t"/>
+    </dgm:scene3d>
+    <dgm:sp3d/>
+    <dgm:txPr/>
+    <dgm:style>
+      <a:lnRef idx="2">
+        <a:scrgbClr r="0" g="0" b="0"/>
+      </a:lnRef>
+      <a:fillRef idx="1">
+        <a:scrgbClr r="0" g="0" b="0"/>
+      </a:fillRef>
+      <a:effectRef idx="0">
+        <a:scrgbClr r="0" g="0" b="0"/>
+      </a:effectRef>
+      <a:fontRef idx="minor"/>
+    </dgm:style>
+  </dgm:styleLbl>
+  <dgm:styleLbl name="fgAcc2">
+    <dgm:scene3d>
+      <a:camera prst="orthographicFront"/>
+      <a:lightRig rig="threePt" dir="t"/>
+    </dgm:scene3d>
+    <dgm:sp3d/>
+    <dgm:txPr/>
+    <dgm:style>
+      <a:lnRef idx="2">
+        <a:scrgbClr r="0" g="0" b="0"/>
+      </a:lnRef>
+      <a:fillRef idx="1">
+        <a:scrgbClr r="0" g="0" b="0"/>
+      </a:fillRef>
+      <a:effectRef idx="0">
+        <a:scrgbClr r="0" g="0" b="0"/>
+      </a:effectRef>
+      <a:fontRef idx="minor"/>
+    </dgm:style>
+  </dgm:styleLbl>
+  <dgm:styleLbl name="fgAcc3">
+    <dgm:scene3d>
+      <a:camera prst="orthographicFront"/>
+      <a:lightRig rig="threePt" dir="t"/>
+    </dgm:scene3d>
+    <dgm:sp3d/>
+    <dgm:txPr/>
+    <dgm:style>
+      <a:lnRef idx="2">
+        <a:scrgbClr r="0" g="0" b="0"/>
+      </a:lnRef>
+      <a:fillRef idx="1">
+        <a:scrgbClr r="0" g="0" b="0"/>
+      </a:fillRef>
+      <a:effectRef idx="0">
+        <a:scrgbClr r="0" g="0" b="0"/>
+      </a:effectRef>
+      <a:fontRef idx="minor"/>
+    </dgm:style>
+  </dgm:styleLbl>
+  <dgm:styleLbl name="fgAcc4">
+    <dgm:scene3d>
+      <a:camera prst="orthographicFront"/>
+      <a:lightRig rig="threePt" dir="t"/>
+    </dgm:scene3d>
+    <dgm:sp3d/>
+    <dgm:txPr/>
+    <dgm:style>
+      <a:lnRef idx="2">
+        <a:scrgbClr r="0" g="0" b="0"/>
+      </a:lnRef>
+      <a:fillRef idx="1">
+        <a:scrgbClr r="0" g="0" b="0"/>
+      </a:fillRef>
+      <a:effectRef idx="0">
+        <a:scrgbClr r="0" g="0" b="0"/>
+      </a:effectRef>
+      <a:fontRef idx="minor"/>
+    </dgm:style>
+  </dgm:styleLbl>
+  <dgm:styleLbl name="bgShp">
+    <dgm:scene3d>
+      <a:camera prst="orthographicFront"/>
+      <a:lightRig rig="threePt" dir="t"/>
+    </dgm:scene3d>
+    <dgm:sp3d/>
+    <dgm:txPr/>
+    <dgm:style>
+      <a:lnRef idx="0">
+        <a:scrgbClr r="0" g="0" b="0"/>
+      </a:lnRef>
+      <a:fillRef idx="1">
+        <a:scrgbClr r="0" g="0" b="0"/>
+      </a:fillRef>
+      <a:effectRef idx="0">
+        <a:scrgbClr r="0" g="0" b="0"/>
+      </a:effectRef>
+      <a:fontRef idx="minor"/>
+    </dgm:style>
+  </dgm:styleLbl>
+  <dgm:styleLbl name="dkBgShp">
+    <dgm:scene3d>
+      <a:camera prst="orthographicFront"/>
+      <a:lightRig rig="threePt" dir="t"/>
+    </dgm:scene3d>
+    <dgm:sp3d/>
+    <dgm:txPr/>
+    <dgm:style>
+      <a:lnRef idx="0">
+        <a:scrgbClr r="0" g="0" b="0"/>
+      </a:lnRef>
+      <a:fillRef idx="1">
+        <a:scrgbClr r="0" g="0" b="0"/>
+      </a:fillRef>
+      <a:effectRef idx="0">
+        <a:scrgbClr r="0" g="0" b="0"/>
+      </a:effectRef>
+      <a:fontRef idx="minor"/>
+    </dgm:style>
+  </dgm:styleLbl>
+  <dgm:styleLbl name="trBgShp">
+    <dgm:scene3d>
+      <a:camera prst="orthographicFront"/>
+      <a:lightRig rig="threePt" dir="t"/>
+    </dgm:scene3d>
+    <dgm:sp3d/>
+    <dgm:txPr/>
+    <dgm:style>
+      <a:lnRef idx="0">
+        <a:scrgbClr r="0" g="0" b="0"/>
+      </a:lnRef>
+      <a:fillRef idx="1">
+        <a:scrgbClr r="0" g="0" b="0"/>
+      </a:fillRef>
+      <a:effectRef idx="0">
+        <a:scrgbClr r="0" g="0" b="0"/>
+      </a:effectRef>
+      <a:fontRef idx="minor"/>
+    </dgm:style>
+  </dgm:styleLbl>
+  <dgm:styleLbl name="fgShp">
+    <dgm:scene3d>
+      <a:camera prst="orthographicFront"/>
+      <a:lightRig rig="threePt" dir="t"/>
+    </dgm:scene3d>
+    <dgm:sp3d/>
+    <dgm:txPr/>
+    <dgm:style>
+      <a:lnRef idx="2">
+        <a:scrgbClr r="0" g="0" b="0"/>
+      </a:lnRef>
+      <a:fillRef idx="1">
+        <a:scrgbClr r="0" g="0" b="0"/>
+      </a:fillRef>
+      <a:effectRef idx="0">
+        <a:scrgbClr r="0" g="0" b="0"/>
+      </a:effectRef>
+      <a:fontRef idx="minor"/>
+    </dgm:style>
+  </dgm:styleLbl>
+  <dgm:styleLbl name="revTx">
+    <dgm:scene3d>
+      <a:camera prst="orthographicFront"/>
+      <a:lightRig rig="threePt" dir="t"/>
+    </dgm:scene3d>
+    <dgm:sp3d/>
+    <dgm:txPr/>
+    <dgm:style>
+      <a:lnRef idx="0">
+        <a:scrgbClr r="0" g="0" b="0"/>
+      </a:lnRef>
+      <a:fillRef idx="0">
+        <a:scrgbClr r="0" g="0" b="0"/>
+      </a:fillRef>
+      <a:effectRef idx="0">
+        <a:scrgbClr r="0" g="0" b="0"/>
+      </a:effectRef>
+      <a:fontRef idx="minor"/>
+    </dgm:style>
+  </dgm:styleLbl>
+</dgm:styleDef>
+</file>
+
 <file path=ppt/ink/ink1.xml><?xml version="1.0" encoding="utf-8"?>
 <inkml:ink xmlns:inkml="http://www.w3.org/2003/InkML">
   <inkml:definitions>
@@ -1960,7 +5360,7 @@
           <a:p>
             <a:fld id="{8DB53DB3-9A15-4CDB-AA9E-6A576B4D27B1}" type="datetimeFigureOut">
               <a:rPr lang="en-US" smtClean="0"/>
-              <a:t>10/15/2017</a:t>
+              <a:t>10/17/2017</a:t>
             </a:fld>
             <a:endParaRPr lang="en-US"/>
           </a:p>
@@ -2292,7 +5692,7 @@
           <a:p>
             <a:fld id="{FC5EFCC7-E04F-4D16-ACD2-C2DE0CD98D86}" type="slidenum">
               <a:rPr lang="en-US" smtClean="0"/>
-              <a:t>12</a:t>
+              <a:t>14</a:t>
             </a:fld>
             <a:endParaRPr lang="en-US"/>
           </a:p>
@@ -2497,7 +5897,7 @@
           <a:p>
             <a:fld id="{29161A26-CE85-40F9-8C06-21F404A375B2}" type="datetimeFigureOut">
               <a:rPr lang="en-US" smtClean="0"/>
-              <a:t>10/15/2017</a:t>
+              <a:t>10/17/2017</a:t>
             </a:fld>
             <a:endParaRPr lang="en-US"/>
           </a:p>
@@ -2772,7 +6172,7 @@
           <a:p>
             <a:fld id="{29161A26-CE85-40F9-8C06-21F404A375B2}" type="datetimeFigureOut">
               <a:rPr lang="en-US" smtClean="0"/>
-              <a:t>10/15/2017</a:t>
+              <a:t>10/17/2017</a:t>
             </a:fld>
             <a:endParaRPr lang="en-US"/>
           </a:p>
@@ -2966,7 +6366,7 @@
           <a:p>
             <a:fld id="{29161A26-CE85-40F9-8C06-21F404A375B2}" type="datetimeFigureOut">
               <a:rPr lang="en-US" smtClean="0"/>
-              <a:t>10/15/2017</a:t>
+              <a:t>10/17/2017</a:t>
             </a:fld>
             <a:endParaRPr lang="en-US"/>
           </a:p>
@@ -3239,7 +6639,7 @@
           <a:p>
             <a:fld id="{29161A26-CE85-40F9-8C06-21F404A375B2}" type="datetimeFigureOut">
               <a:rPr lang="en-US" smtClean="0"/>
-              <a:t>10/15/2017</a:t>
+              <a:t>10/17/2017</a:t>
             </a:fld>
             <a:endParaRPr lang="en-US"/>
           </a:p>
@@ -3580,7 +6980,7 @@
           <a:p>
             <a:fld id="{29161A26-CE85-40F9-8C06-21F404A375B2}" type="datetimeFigureOut">
               <a:rPr lang="en-US" smtClean="0"/>
-              <a:t>10/15/2017</a:t>
+              <a:t>10/17/2017</a:t>
             </a:fld>
             <a:endParaRPr lang="en-US"/>
           </a:p>
@@ -4203,7 +7603,7 @@
           <a:p>
             <a:fld id="{29161A26-CE85-40F9-8C06-21F404A375B2}" type="datetimeFigureOut">
               <a:rPr lang="en-US" smtClean="0"/>
-              <a:t>10/15/2017</a:t>
+              <a:t>10/17/2017</a:t>
             </a:fld>
             <a:endParaRPr lang="en-US"/>
           </a:p>
@@ -5063,7 +8463,7 @@
           <a:p>
             <a:fld id="{29161A26-CE85-40F9-8C06-21F404A375B2}" type="datetimeFigureOut">
               <a:rPr lang="en-US" smtClean="0"/>
-              <a:t>10/15/2017</a:t>
+              <a:t>10/17/2017</a:t>
             </a:fld>
             <a:endParaRPr lang="en-US"/>
           </a:p>
@@ -5233,7 +8633,7 @@
           <a:p>
             <a:fld id="{29161A26-CE85-40F9-8C06-21F404A375B2}" type="datetimeFigureOut">
               <a:rPr lang="en-US" smtClean="0"/>
-              <a:t>10/15/2017</a:t>
+              <a:t>10/17/2017</a:t>
             </a:fld>
             <a:endParaRPr lang="en-US"/>
           </a:p>
@@ -5413,7 +8813,7 @@
           <a:p>
             <a:fld id="{29161A26-CE85-40F9-8C06-21F404A375B2}" type="datetimeFigureOut">
               <a:rPr lang="en-US" smtClean="0"/>
-              <a:t>10/15/2017</a:t>
+              <a:t>10/17/2017</a:t>
             </a:fld>
             <a:endParaRPr lang="en-US"/>
           </a:p>
@@ -5583,7 +8983,7 @@
           <a:p>
             <a:fld id="{29161A26-CE85-40F9-8C06-21F404A375B2}" type="datetimeFigureOut">
               <a:rPr lang="en-US" smtClean="0"/>
-              <a:t>10/15/2017</a:t>
+              <a:t>10/17/2017</a:t>
             </a:fld>
             <a:endParaRPr lang="en-US"/>
           </a:p>
@@ -5830,7 +9230,7 @@
           <a:p>
             <a:fld id="{29161A26-CE85-40F9-8C06-21F404A375B2}" type="datetimeFigureOut">
               <a:rPr lang="en-US" smtClean="0"/>
-              <a:t>10/15/2017</a:t>
+              <a:t>10/17/2017</a:t>
             </a:fld>
             <a:endParaRPr lang="en-US"/>
           </a:p>
@@ -6122,7 +9522,7 @@
           <a:p>
             <a:fld id="{29161A26-CE85-40F9-8C06-21F404A375B2}" type="datetimeFigureOut">
               <a:rPr lang="en-US" smtClean="0"/>
-              <a:t>10/15/2017</a:t>
+              <a:t>10/17/2017</a:t>
             </a:fld>
             <a:endParaRPr lang="en-US"/>
           </a:p>
@@ -6566,7 +9966,7 @@
           <a:p>
             <a:fld id="{29161A26-CE85-40F9-8C06-21F404A375B2}" type="datetimeFigureOut">
               <a:rPr lang="en-US" smtClean="0"/>
-              <a:t>10/15/2017</a:t>
+              <a:t>10/17/2017</a:t>
             </a:fld>
             <a:endParaRPr lang="en-US"/>
           </a:p>
@@ -6684,7 +10084,7 @@
           <a:p>
             <a:fld id="{29161A26-CE85-40F9-8C06-21F404A375B2}" type="datetimeFigureOut">
               <a:rPr lang="en-US" smtClean="0"/>
-              <a:t>10/15/2017</a:t>
+              <a:t>10/17/2017</a:t>
             </a:fld>
             <a:endParaRPr lang="en-US"/>
           </a:p>
@@ -6779,7 +10179,7 @@
           <a:p>
             <a:fld id="{29161A26-CE85-40F9-8C06-21F404A375B2}" type="datetimeFigureOut">
               <a:rPr lang="en-US" smtClean="0"/>
-              <a:t>10/15/2017</a:t>
+              <a:t>10/17/2017</a:t>
             </a:fld>
             <a:endParaRPr lang="en-US"/>
           </a:p>
@@ -7058,7 +10458,7 @@
           <a:p>
             <a:fld id="{29161A26-CE85-40F9-8C06-21F404A375B2}" type="datetimeFigureOut">
               <a:rPr lang="en-US" smtClean="0"/>
-              <a:t>10/15/2017</a:t>
+              <a:t>10/17/2017</a:t>
             </a:fld>
             <a:endParaRPr lang="en-US"/>
           </a:p>
@@ -7333,7 +10733,7 @@
           <a:p>
             <a:fld id="{29161A26-CE85-40F9-8C06-21F404A375B2}" type="datetimeFigureOut">
               <a:rPr lang="en-US" smtClean="0"/>
-              <a:t>10/15/2017</a:t>
+              <a:t>10/17/2017</a:t>
             </a:fld>
             <a:endParaRPr lang="en-US"/>
           </a:p>
@@ -7762,7 +11162,7 @@
           <a:p>
             <a:fld id="{29161A26-CE85-40F9-8C06-21F404A375B2}" type="datetimeFigureOut">
               <a:rPr lang="en-US" smtClean="0"/>
-              <a:t>10/15/2017</a:t>
+              <a:t>10/17/2017</a:t>
             </a:fld>
             <a:endParaRPr lang="en-US"/>
           </a:p>
@@ -8395,6 +11795,335 @@
           <p:cNvPr id="2" name="Title 1">
             <a:extLst>
               <a:ext uri="{FF2B5EF4-FFF2-40B4-BE49-F238E27FC236}">
+                <a16:creationId xmlns:a16="http://schemas.microsoft.com/office/drawing/2014/main" id="{57CA63F1-B608-4821-B5B5-644273C8DA2E}"/>
+              </a:ext>
+            </a:extLst>
+          </p:cNvPr>
+          <p:cNvSpPr>
+            <a:spLocks noGrp="1"/>
+          </p:cNvSpPr>
+          <p:nvPr>
+            <p:ph type="title"/>
+          </p:nvPr>
+        </p:nvSpPr>
+        <p:spPr/>
+        <p:txBody>
+          <a:bodyPr/>
+          <a:lstStyle/>
+          <a:p>
+            <a:r>
+              <a:rPr lang="en-US" u="sng" dirty="0">
+                <a:solidFill>
+                  <a:schemeClr val="bg2">
+                    <a:lumMod val="60000"/>
+                    <a:lumOff val="40000"/>
+                  </a:schemeClr>
+                </a:solidFill>
+              </a:rPr>
+              <a:t>Backbone in Java – Parallel Sort</a:t>
+            </a:r>
+          </a:p>
+        </p:txBody>
+      </p:sp>
+      <p:pic>
+        <p:nvPicPr>
+          <p:cNvPr id="4" name="Content Placeholder 3">
+            <a:extLst>
+              <a:ext uri="{FF2B5EF4-FFF2-40B4-BE49-F238E27FC236}">
+                <a16:creationId xmlns:a16="http://schemas.microsoft.com/office/drawing/2014/main" id="{92266E24-42CF-424D-AF11-C476396374C4}"/>
+              </a:ext>
+            </a:extLst>
+          </p:cNvPr>
+          <p:cNvPicPr>
+            <a:picLocks noGrp="1" noChangeAspect="1"/>
+          </p:cNvPicPr>
+          <p:nvPr>
+            <p:ph idx="1"/>
+          </p:nvPr>
+        </p:nvPicPr>
+        <p:blipFill rotWithShape="1">
+          <a:blip r:embed="rId2"/>
+          <a:srcRect l="5817" t="11855" r="57253" b="77402"/>
+          <a:stretch/>
+        </p:blipFill>
+        <p:spPr>
+          <a:xfrm>
+            <a:off x="798490" y="1627867"/>
+            <a:ext cx="9811781" cy="1604729"/>
+          </a:xfrm>
+          <a:prstGeom prst="rect">
+            <a:avLst/>
+          </a:prstGeom>
+        </p:spPr>
+      </p:pic>
+      <p:sp>
+        <p:nvSpPr>
+          <p:cNvPr id="5" name="TextBox 4">
+            <a:extLst>
+              <a:ext uri="{FF2B5EF4-FFF2-40B4-BE49-F238E27FC236}">
+                <a16:creationId xmlns:a16="http://schemas.microsoft.com/office/drawing/2014/main" id="{6BE20B5B-4526-43D8-8D74-B4FD466386FB}"/>
+              </a:ext>
+            </a:extLst>
+          </p:cNvPr>
+          <p:cNvSpPr txBox="1"/>
+          <p:nvPr/>
+        </p:nvSpPr>
+        <p:spPr>
+          <a:xfrm>
+            <a:off x="1339403" y="4340180"/>
+            <a:ext cx="8912180" cy="830997"/>
+          </a:xfrm>
+          <a:prstGeom prst="rect">
+            <a:avLst/>
+          </a:prstGeom>
+          <a:noFill/>
+        </p:spPr>
+        <p:txBody>
+          <a:bodyPr wrap="square" rtlCol="0">
+            <a:spAutoFit/>
+          </a:bodyPr>
+          <a:lstStyle/>
+          <a:p>
+            <a:r>
+              <a:rPr lang="en-US" sz="2400" dirty="0"/>
+              <a:t>Getting run time of Parallel Sort – this is a Java merge-sort like sorting algorithm used to sort arrays by threading </a:t>
+            </a:r>
+          </a:p>
+        </p:txBody>
+      </p:sp>
+    </p:spTree>
+    <p:extLst>
+      <p:ext uri="{BB962C8B-B14F-4D97-AF65-F5344CB8AC3E}">
+        <p14:creationId xmlns:p14="http://schemas.microsoft.com/office/powerpoint/2010/main" val="4146910968"/>
+      </p:ext>
+    </p:extLst>
+  </p:cSld>
+  <p:clrMapOvr>
+    <a:masterClrMapping/>
+  </p:clrMapOvr>
+</p:sld>
+</file>
+
+<file path=ppt/slides/slide11.xml><?xml version="1.0" encoding="utf-8"?>
+<p:sld xmlns:a="http://schemas.openxmlformats.org/drawingml/2006/main" xmlns:r="http://schemas.openxmlformats.org/officeDocument/2006/relationships" xmlns:p="http://schemas.openxmlformats.org/presentationml/2006/main">
+  <p:cSld>
+    <p:spTree>
+      <p:nvGrpSpPr>
+        <p:cNvPr id="1" name=""/>
+        <p:cNvGrpSpPr/>
+        <p:nvPr/>
+      </p:nvGrpSpPr>
+      <p:grpSpPr>
+        <a:xfrm>
+          <a:off x="0" y="0"/>
+          <a:ext cx="0" cy="0"/>
+          <a:chOff x="0" y="0"/>
+          <a:chExt cx="0" cy="0"/>
+        </a:xfrm>
+      </p:grpSpPr>
+      <p:pic>
+        <p:nvPicPr>
+          <p:cNvPr id="3" name="Picture 2">
+            <a:extLst>
+              <a:ext uri="{FF2B5EF4-FFF2-40B4-BE49-F238E27FC236}">
+                <a16:creationId xmlns:a16="http://schemas.microsoft.com/office/drawing/2014/main" id="{08F85221-7DB3-462E-9CDF-E814ADC6B89F}"/>
+              </a:ext>
+            </a:extLst>
+          </p:cNvPr>
+          <p:cNvPicPr>
+            <a:picLocks noChangeAspect="1"/>
+          </p:cNvPicPr>
+          <p:nvPr/>
+        </p:nvPicPr>
+        <p:blipFill rotWithShape="1">
+          <a:blip r:embed="rId2"/>
+          <a:srcRect l="1883" t="10442" r="58692" b="45434"/>
+          <a:stretch/>
+        </p:blipFill>
+        <p:spPr>
+          <a:xfrm>
+            <a:off x="5441720" y="1535628"/>
+            <a:ext cx="6129959" cy="4712771"/>
+          </a:xfrm>
+          <a:prstGeom prst="rect">
+            <a:avLst/>
+          </a:prstGeom>
+          <a:effectLst>
+            <a:outerShdw blurRad="50800" dist="38100" dir="5400000" algn="t" rotWithShape="0">
+              <a:prstClr val="black">
+                <a:alpha val="43000"/>
+              </a:prstClr>
+            </a:outerShdw>
+          </a:effectLst>
+        </p:spPr>
+      </p:pic>
+      <p:sp>
+        <p:nvSpPr>
+          <p:cNvPr id="2" name="Title 1">
+            <a:extLst>
+              <a:ext uri="{FF2B5EF4-FFF2-40B4-BE49-F238E27FC236}">
+                <a16:creationId xmlns:a16="http://schemas.microsoft.com/office/drawing/2014/main" id="{D09D6E6F-FDB5-432B-80D3-F1F3110A01FE}"/>
+              </a:ext>
+            </a:extLst>
+          </p:cNvPr>
+          <p:cNvSpPr>
+            <a:spLocks noGrp="1"/>
+          </p:cNvSpPr>
+          <p:nvPr>
+            <p:ph type="title"/>
+          </p:nvPr>
+        </p:nvSpPr>
+        <p:spPr>
+          <a:xfrm>
+            <a:off x="648930" y="629266"/>
+            <a:ext cx="9252154" cy="1223983"/>
+          </a:xfrm>
+        </p:spPr>
+        <p:txBody>
+          <a:bodyPr vert="horz" lIns="91440" tIns="45720" rIns="91440" bIns="45720" rtlCol="0" anchor="t">
+            <a:normAutofit/>
+          </a:bodyPr>
+          <a:lstStyle/>
+          <a:p>
+            <a:r>
+              <a:rPr lang="en-US" b="0" i="0" u="sng" kern="1200" dirty="0">
+                <a:solidFill>
+                  <a:schemeClr val="bg2">
+                    <a:lumMod val="60000"/>
+                    <a:lumOff val="40000"/>
+                  </a:schemeClr>
+                </a:solidFill>
+                <a:latin typeface="+mj-lt"/>
+                <a:ea typeface="+mj-ea"/>
+                <a:cs typeface="+mj-cs"/>
+              </a:rPr>
+              <a:t>Backbone in Java – Stat Sort </a:t>
+            </a:r>
+          </a:p>
+        </p:txBody>
+      </p:sp>
+      <p:sp>
+        <p:nvSpPr>
+          <p:cNvPr id="7" name="Content Placeholder 6">
+            <a:extLst>
+              <a:ext uri="{FF2B5EF4-FFF2-40B4-BE49-F238E27FC236}">
+                <a16:creationId xmlns:a16="http://schemas.microsoft.com/office/drawing/2014/main" id="{80A5DCD4-54C7-4FAE-B1DB-B1AB521E28F2}"/>
+              </a:ext>
+            </a:extLst>
+          </p:cNvPr>
+          <p:cNvSpPr>
+            <a:spLocks noGrp="1"/>
+          </p:cNvSpPr>
+          <p:nvPr>
+            <p:ph idx="1"/>
+          </p:nvPr>
+        </p:nvSpPr>
+        <p:spPr>
+          <a:xfrm>
+            <a:off x="168813" y="2052214"/>
+            <a:ext cx="5272908" cy="4475195"/>
+          </a:xfrm>
+        </p:spPr>
+        <p:txBody>
+          <a:bodyPr vert="horz" lIns="91440" tIns="45720" rIns="91440" bIns="45720" rtlCol="0">
+            <a:normAutofit lnSpcReduction="10000"/>
+          </a:bodyPr>
+          <a:lstStyle/>
+          <a:p>
+            <a:pPr marL="285750" indent="-285750"/>
+            <a:r>
+              <a:rPr lang="en-US" sz="2400" dirty="0"/>
+              <a:t>This is the method that performs the new sort </a:t>
+            </a:r>
+          </a:p>
+          <a:p>
+            <a:endParaRPr lang="en-US" sz="2400" dirty="0"/>
+          </a:p>
+          <a:p>
+            <a:pPr marL="285750" indent="-285750"/>
+            <a:r>
+              <a:rPr lang="en-US" sz="2400" dirty="0"/>
+              <a:t>This part of the method is calculating the </a:t>
+            </a:r>
+          </a:p>
+          <a:p>
+            <a:pPr marL="742950" lvl="1" indent="-285750"/>
+            <a:r>
+              <a:rPr lang="en-US" sz="2000" dirty="0"/>
+              <a:t>Max and min </a:t>
+            </a:r>
+          </a:p>
+          <a:p>
+            <a:pPr marL="742950" lvl="1" indent="-285750"/>
+            <a:r>
+              <a:rPr lang="en-US" sz="2000" dirty="0"/>
+              <a:t>mean</a:t>
+            </a:r>
+          </a:p>
+          <a:p>
+            <a:pPr marL="742950" lvl="1" indent="-285750"/>
+            <a:r>
+              <a:rPr lang="en-US" sz="2000" dirty="0"/>
+              <a:t>The lower range </a:t>
+            </a:r>
+          </a:p>
+          <a:p>
+            <a:pPr marL="742950" lvl="1" indent="-285750"/>
+            <a:r>
+              <a:rPr lang="en-US" sz="2000" dirty="0"/>
+              <a:t>The upper range</a:t>
+            </a:r>
+          </a:p>
+          <a:p>
+            <a:pPr marL="742950" lvl="1" indent="-285750"/>
+            <a:r>
+              <a:rPr lang="en-US" sz="2000" dirty="0"/>
+              <a:t>The number of buckets for the two ranges</a:t>
+            </a:r>
+          </a:p>
+          <a:p>
+            <a:endParaRPr lang="en-US" dirty="0"/>
+          </a:p>
+          <a:p>
+            <a:endParaRPr lang="en-US" dirty="0"/>
+          </a:p>
+        </p:txBody>
+      </p:sp>
+    </p:spTree>
+    <p:extLst>
+      <p:ext uri="{BB962C8B-B14F-4D97-AF65-F5344CB8AC3E}">
+        <p14:creationId xmlns:p14="http://schemas.microsoft.com/office/powerpoint/2010/main" val="2663384573"/>
+      </p:ext>
+    </p:extLst>
+  </p:cSld>
+  <p:clrMapOvr>
+    <a:masterClrMapping/>
+  </p:clrMapOvr>
+</p:sld>
+</file>
+
+<file path=ppt/slides/slide12.xml><?xml version="1.0" encoding="utf-8"?>
+<p:sld xmlns:a="http://schemas.openxmlformats.org/drawingml/2006/main" xmlns:r="http://schemas.openxmlformats.org/officeDocument/2006/relationships" xmlns:p="http://schemas.openxmlformats.org/presentationml/2006/main">
+  <p:cSld>
+    <p:spTree>
+      <p:nvGrpSpPr>
+        <p:cNvPr id="1" name=""/>
+        <p:cNvGrpSpPr/>
+        <p:nvPr/>
+      </p:nvGrpSpPr>
+      <p:grpSpPr>
+        <a:xfrm>
+          <a:off x="0" y="0"/>
+          <a:ext cx="0" cy="0"/>
+          <a:chOff x="0" y="0"/>
+          <a:chExt cx="0" cy="0"/>
+        </a:xfrm>
+      </p:grpSpPr>
+      <p:sp>
+        <p:nvSpPr>
+          <p:cNvPr id="2" name="Title 1">
+            <a:extLst>
+              <a:ext uri="{FF2B5EF4-FFF2-40B4-BE49-F238E27FC236}">
                 <a16:creationId xmlns:a16="http://schemas.microsoft.com/office/drawing/2014/main" id="{D1448FAE-CB18-4EE0-8309-763ECE0A5492}"/>
               </a:ext>
             </a:extLst>
@@ -8418,37 +12147,6 @@
           </a:p>
         </p:txBody>
       </p:sp>
-      <p:pic>
-        <p:nvPicPr>
-          <p:cNvPr id="4" name="Content Placeholder 3">
-            <a:extLst>
-              <a:ext uri="{FF2B5EF4-FFF2-40B4-BE49-F238E27FC236}">
-                <a16:creationId xmlns:a16="http://schemas.microsoft.com/office/drawing/2014/main" id="{C8EDB839-3118-4BCE-8228-67F479EA438F}"/>
-              </a:ext>
-            </a:extLst>
-          </p:cNvPr>
-          <p:cNvPicPr>
-            <a:picLocks noGrp="1" noChangeAspect="1"/>
-          </p:cNvPicPr>
-          <p:nvPr>
-            <p:ph idx="1"/>
-          </p:nvPr>
-        </p:nvPicPr>
-        <p:blipFill rotWithShape="1">
-          <a:blip r:embed="rId2"/>
-          <a:srcRect l="5816" t="10933" r="22565" b="18161"/>
-          <a:stretch/>
-        </p:blipFill>
-        <p:spPr>
-          <a:xfrm>
-            <a:off x="257578" y="1359046"/>
-            <a:ext cx="7340957" cy="5003117"/>
-          </a:xfrm>
-          <a:prstGeom prst="rect">
-            <a:avLst/>
-          </a:prstGeom>
-        </p:spPr>
-      </p:pic>
       <p:sp>
         <p:nvSpPr>
           <p:cNvPr id="5" name="TextBox 4">
@@ -8501,6 +12199,37 @@
           </a:p>
         </p:txBody>
       </p:sp>
+      <p:pic>
+        <p:nvPicPr>
+          <p:cNvPr id="8" name="Content Placeholder 7">
+            <a:extLst>
+              <a:ext uri="{FF2B5EF4-FFF2-40B4-BE49-F238E27FC236}">
+                <a16:creationId xmlns:a16="http://schemas.microsoft.com/office/drawing/2014/main" id="{657219B0-C632-433C-88F0-966319E24C84}"/>
+              </a:ext>
+            </a:extLst>
+          </p:cNvPr>
+          <p:cNvPicPr>
+            <a:picLocks noGrp="1" noChangeAspect="1"/>
+          </p:cNvPicPr>
+          <p:nvPr>
+            <p:ph idx="1"/>
+          </p:nvPr>
+        </p:nvPicPr>
+        <p:blipFill rotWithShape="1">
+          <a:blip r:embed="rId2"/>
+          <a:srcRect l="1661" t="10423" r="35566" b="35261"/>
+          <a:stretch/>
+        </p:blipFill>
+        <p:spPr>
+          <a:xfrm>
+            <a:off x="322554" y="1305219"/>
+            <a:ext cx="7177718" cy="5320664"/>
+          </a:xfrm>
+          <a:prstGeom prst="rect">
+            <a:avLst/>
+          </a:prstGeom>
+        </p:spPr>
+      </p:pic>
     </p:spTree>
     <p:extLst>
       <p:ext uri="{BB962C8B-B14F-4D97-AF65-F5344CB8AC3E}">
@@ -8514,7 +12243,7 @@
 </p:sld>
 </file>
 
-<file path=ppt/slides/slide11.xml><?xml version="1.0" encoding="utf-8"?>
+<file path=ppt/slides/slide13.xml><?xml version="1.0" encoding="utf-8"?>
 <p:sld xmlns:a="http://schemas.openxmlformats.org/drawingml/2006/main" xmlns:r="http://schemas.openxmlformats.org/officeDocument/2006/relationships" xmlns:p="http://schemas.openxmlformats.org/presentationml/2006/main">
   <p:cSld>
     <p:spTree>
@@ -8553,7 +12282,14 @@
           <a:lstStyle/>
           <a:p>
             <a:r>
-              <a:rPr lang="en-US" dirty="0"/>
+              <a:rPr lang="en-US" u="sng" dirty="0">
+                <a:solidFill>
+                  <a:schemeClr val="bg2">
+                    <a:lumMod val="60000"/>
+                    <a:lumOff val="40000"/>
+                  </a:schemeClr>
+                </a:solidFill>
+              </a:rPr>
               <a:t>Data Collected</a:t>
             </a:r>
           </a:p>
@@ -11069,7 +14805,7 @@
           <a:p>
             <a:r>
               <a:rPr lang="en-US" sz="2000" dirty="0"/>
-              <a:t>*Efficiency keeps decreasing – due to high standard error  </a:t>
+              <a:t>*Efficiency apparently decreases – due to high standard error  </a:t>
             </a:r>
           </a:p>
           <a:p>
@@ -11103,7 +14839,7 @@
 </p:sld>
 </file>
 
-<file path=ppt/slides/slide12.xml><?xml version="1.0" encoding="utf-8"?>
+<file path=ppt/slides/slide14.xml><?xml version="1.0" encoding="utf-8"?>
 <p:sld xmlns:a="http://schemas.openxmlformats.org/drawingml/2006/main" xmlns:r="http://schemas.openxmlformats.org/officeDocument/2006/relationships" xmlns:p="http://schemas.openxmlformats.org/presentationml/2006/main">
   <p:cSld>
     <p:spTree>
@@ -11142,7 +14878,14 @@
           <a:lstStyle/>
           <a:p>
             <a:r>
-              <a:rPr lang="en-US" dirty="0"/>
+              <a:rPr lang="en-US" u="sng" dirty="0">
+                <a:solidFill>
+                  <a:schemeClr val="bg2">
+                    <a:lumMod val="60000"/>
+                    <a:lumOff val="40000"/>
+                  </a:schemeClr>
+                </a:solidFill>
+              </a:rPr>
               <a:t>Data Collected </a:t>
             </a:r>
           </a:p>
@@ -11163,7 +14906,7 @@
           <p:nvPr>
             <p:extLst>
               <p:ext uri="{D42A27DB-BD31-4B8C-83A1-F6EECF244321}">
-                <p14:modId xmlns:p14="http://schemas.microsoft.com/office/powerpoint/2010/main" val="16998200"/>
+                <p14:modId xmlns:p14="http://schemas.microsoft.com/office/powerpoint/2010/main" val="1290122507"/>
               </p:ext>
             </p:extLst>
           </p:nvPr>
@@ -11191,7 +14934,7 @@
 </p:sld>
 </file>
 
-<file path=ppt/slides/slide13.xml><?xml version="1.0" encoding="utf-8"?>
+<file path=ppt/slides/slide15.xml><?xml version="1.0" encoding="utf-8"?>
 <p:sld xmlns:a="http://schemas.openxmlformats.org/drawingml/2006/main" xmlns:r="http://schemas.openxmlformats.org/officeDocument/2006/relationships" xmlns:p="http://schemas.openxmlformats.org/presentationml/2006/main">
   <p:cSld>
     <p:spTree>
@@ -11288,6 +15031,191 @@
     <p:extLst>
       <p:ext uri="{BB962C8B-B14F-4D97-AF65-F5344CB8AC3E}">
         <p14:creationId xmlns:p14="http://schemas.microsoft.com/office/powerpoint/2010/main" val="4151292513"/>
+      </p:ext>
+    </p:extLst>
+  </p:cSld>
+  <p:clrMapOvr>
+    <a:masterClrMapping/>
+  </p:clrMapOvr>
+</p:sld>
+</file>
+
+<file path=ppt/slides/slide16.xml><?xml version="1.0" encoding="utf-8"?>
+<p:sld xmlns:a="http://schemas.openxmlformats.org/drawingml/2006/main" xmlns:r="http://schemas.openxmlformats.org/officeDocument/2006/relationships" xmlns:p="http://schemas.openxmlformats.org/presentationml/2006/main">
+  <p:cSld>
+    <p:spTree>
+      <p:nvGrpSpPr>
+        <p:cNvPr id="1" name=""/>
+        <p:cNvGrpSpPr/>
+        <p:nvPr/>
+      </p:nvGrpSpPr>
+      <p:grpSpPr>
+        <a:xfrm>
+          <a:off x="0" y="0"/>
+          <a:ext cx="0" cy="0"/>
+          <a:chOff x="0" y="0"/>
+          <a:chExt cx="0" cy="0"/>
+        </a:xfrm>
+      </p:grpSpPr>
+      <p:sp>
+        <p:nvSpPr>
+          <p:cNvPr id="2" name="Title 1">
+            <a:extLst>
+              <a:ext uri="{FF2B5EF4-FFF2-40B4-BE49-F238E27FC236}">
+                <a16:creationId xmlns:a16="http://schemas.microsoft.com/office/drawing/2014/main" id="{1982EF67-649B-4579-9A38-E0B33B95EE2D}"/>
+              </a:ext>
+            </a:extLst>
+          </p:cNvPr>
+          <p:cNvSpPr>
+            <a:spLocks noGrp="1"/>
+          </p:cNvSpPr>
+          <p:nvPr>
+            <p:ph type="title"/>
+          </p:nvPr>
+        </p:nvSpPr>
+        <p:spPr/>
+        <p:txBody>
+          <a:bodyPr/>
+          <a:lstStyle/>
+          <a:p>
+            <a:r>
+              <a:rPr lang="en-US" dirty="0"/>
+              <a:t>REFERENCES</a:t>
+            </a:r>
+          </a:p>
+        </p:txBody>
+      </p:sp>
+      <p:sp>
+        <p:nvSpPr>
+          <p:cNvPr id="3" name="Content Placeholder 2">
+            <a:extLst>
+              <a:ext uri="{FF2B5EF4-FFF2-40B4-BE49-F238E27FC236}">
+                <a16:creationId xmlns:a16="http://schemas.microsoft.com/office/drawing/2014/main" id="{6A7B3D2C-CA3A-43AD-A092-61B90774B2F5}"/>
+              </a:ext>
+            </a:extLst>
+          </p:cNvPr>
+          <p:cNvSpPr>
+            <a:spLocks noGrp="1"/>
+          </p:cNvSpPr>
+          <p:nvPr>
+            <p:ph idx="1"/>
+          </p:nvPr>
+        </p:nvSpPr>
+        <p:spPr/>
+        <p:txBody>
+          <a:bodyPr>
+            <a:normAutofit fontScale="92500"/>
+          </a:bodyPr>
+          <a:lstStyle/>
+          <a:p>
+            <a:r>
+              <a:rPr lang="en-US" dirty="0"/>
+              <a:t>Wang, L., et al. (2012). G-Hadoop: MapReduce across distributed data centers for data-intensive computing. </a:t>
+            </a:r>
+            <a:r>
+              <a:rPr lang="en-US" i="1" dirty="0"/>
+              <a:t>Future Generation Computer Systems</a:t>
+            </a:r>
+            <a:r>
+              <a:rPr lang="en-US" dirty="0"/>
+              <a:t>. doi:10/1016/j.future.2012.09.00</a:t>
+            </a:r>
+          </a:p>
+          <a:p>
+            <a:r>
+              <a:rPr lang="en-US" dirty="0" err="1"/>
+              <a:t>Monaknov</a:t>
+            </a:r>
+            <a:r>
+              <a:rPr lang="en-US" dirty="0"/>
+              <a:t>, A. (2016). Composable multi-threading for python libraries.  </a:t>
+            </a:r>
+          </a:p>
+          <a:p>
+            <a:r>
+              <a:rPr lang="en-US" dirty="0" err="1"/>
+              <a:t>Goel</a:t>
+            </a:r>
+            <a:r>
+              <a:rPr lang="en-US" dirty="0"/>
+              <a:t>, N., Laxmi, V., Saxena, A. (2015). Handling multithreading approach using java. </a:t>
+            </a:r>
+            <a:r>
+              <a:rPr lang="en-US" i="1" dirty="0"/>
+              <a:t>International Journal of Computer Science Trends and Technology.</a:t>
+            </a:r>
+            <a:r>
+              <a:rPr lang="en-US" dirty="0"/>
+              <a:t>3.2.</a:t>
+            </a:r>
+          </a:p>
+          <a:p>
+            <a:r>
+              <a:rPr lang="en-US" dirty="0"/>
+              <a:t>Hai, H., </a:t>
+            </a:r>
+            <a:r>
+              <a:rPr lang="en-US" dirty="0" err="1"/>
+              <a:t>Guang</a:t>
+            </a:r>
+            <a:r>
+              <a:rPr lang="en-US" dirty="0"/>
+              <a:t>-hui, J., &amp; Xiao-tian, Z. (2013). A fast numerical approach for Whipple shield ballistic limit analysis. </a:t>
+            </a:r>
+            <a:r>
+              <a:rPr lang="en-US" i="1" dirty="0"/>
+              <a:t>Acta </a:t>
+            </a:r>
+            <a:r>
+              <a:rPr lang="en-US" i="1" dirty="0" err="1"/>
+              <a:t>Astronautica</a:t>
+            </a:r>
+            <a:r>
+              <a:rPr lang="en-US" dirty="0"/>
+              <a:t>. 93. 112-120. Retrieved from http://dx.doi.org/10.1016/j.actaastro.2013.06.014   </a:t>
+            </a:r>
+          </a:p>
+          <a:p>
+            <a:r>
+              <a:rPr lang="en-US" dirty="0" err="1"/>
+              <a:t>Dehne</a:t>
+            </a:r>
+            <a:r>
+              <a:rPr lang="en-US" dirty="0"/>
+              <a:t>, F., &amp; </a:t>
+            </a:r>
+            <a:r>
+              <a:rPr lang="en-US" dirty="0" err="1"/>
+              <a:t>Zaboli</a:t>
+            </a:r>
+            <a:r>
+              <a:rPr lang="en-US" dirty="0"/>
+              <a:t>, H. (2016). Parallel sorting for GPUs. </a:t>
+            </a:r>
+            <a:r>
+              <a:rPr lang="en-US" i="1" dirty="0"/>
+              <a:t>Emergent Computation</a:t>
+            </a:r>
+            <a:r>
+              <a:rPr lang="en-US" dirty="0"/>
+              <a:t>. 293 – 302.  doi:10.1007/978-3-319-46376-6_12   </a:t>
+            </a:r>
+          </a:p>
+          <a:p>
+            <a:pPr marL="0" indent="0">
+              <a:buNone/>
+            </a:pPr>
+            <a:endParaRPr lang="en-US" dirty="0"/>
+          </a:p>
+          <a:p>
+            <a:endParaRPr lang="en-US" dirty="0"/>
+          </a:p>
+        </p:txBody>
+      </p:sp>
+    </p:spTree>
+    <p:extLst>
+      <p:ext uri="{BB962C8B-B14F-4D97-AF65-F5344CB8AC3E}">
+        <p14:creationId xmlns:p14="http://schemas.microsoft.com/office/powerpoint/2010/main" val="2809377809"/>
       </p:ext>
     </p:extLst>
   </p:cSld>
@@ -11336,8 +15264,26 @@
           <a:lstStyle/>
           <a:p>
             <a:r>
-              <a:rPr lang="en-US" dirty="0"/>
-              <a:t>Problem 	</a:t>
+              <a:rPr lang="en-US" u="sng" dirty="0">
+                <a:solidFill>
+                  <a:schemeClr val="bg2">
+                    <a:lumMod val="60000"/>
+                    <a:lumOff val="40000"/>
+                  </a:schemeClr>
+                </a:solidFill>
+              </a:rPr>
+              <a:t>PROBLEM</a:t>
+            </a:r>
+            <a:r>
+              <a:rPr lang="en-US" dirty="0">
+                <a:solidFill>
+                  <a:schemeClr val="bg2">
+                    <a:lumMod val="60000"/>
+                    <a:lumOff val="40000"/>
+                  </a:schemeClr>
+                </a:solidFill>
+              </a:rPr>
+              <a:t>	</a:t>
             </a:r>
           </a:p>
         </p:txBody>
@@ -11390,30 +15336,24 @@
             </a:r>
           </a:p>
           <a:p>
-            <a:pPr marL="457200" lvl="1" indent="0">
-              <a:buNone/>
-            </a:pPr>
-            <a:endParaRPr lang="en-US" sz="2400" dirty="0"/>
-          </a:p>
-          <a:p>
-            <a:pPr marL="400050"/>
-            <a:r>
-              <a:rPr lang="en-US" sz="2800" dirty="0"/>
-              <a:t>Sorting algorithms</a:t>
-            </a:r>
-          </a:p>
-          <a:p>
-            <a:pPr marL="800100" lvl="1"/>
-            <a:r>
-              <a:rPr lang="en-US" sz="2400" dirty="0"/>
-              <a:t>Best case – time it takes to sort an already sorted data set</a:t>
-            </a:r>
-          </a:p>
-          <a:p>
-            <a:pPr marL="800100" lvl="1"/>
-            <a:r>
-              <a:rPr lang="en-US" sz="2400" dirty="0"/>
-              <a:t>Worst case – time its takes to sort an unsorted data set</a:t>
+            <a:pPr lvl="2"/>
+            <a:r>
+              <a:rPr lang="en-US" sz="2200" dirty="0"/>
+              <a:t>Bioinformatics</a:t>
+            </a:r>
+          </a:p>
+          <a:p>
+            <a:pPr lvl="2"/>
+            <a:r>
+              <a:rPr lang="en-US" sz="2200" dirty="0"/>
+              <a:t> GIS</a:t>
+            </a:r>
+          </a:p>
+          <a:p>
+            <a:pPr lvl="2"/>
+            <a:r>
+              <a:rPr lang="en-US" sz="2200" dirty="0"/>
+              <a:t>Image Processing</a:t>
             </a:r>
           </a:p>
         </p:txBody>
@@ -11464,14 +15404,232 @@
             <p:ph type="title"/>
           </p:nvPr>
         </p:nvSpPr>
-        <p:spPr/>
+        <p:spPr>
+          <a:xfrm>
+            <a:off x="646111" y="452718"/>
+            <a:ext cx="9404723" cy="1400530"/>
+          </a:xfrm>
+        </p:spPr>
         <p:txBody>
           <a:bodyPr/>
           <a:lstStyle/>
           <a:p>
             <a:r>
-              <a:rPr lang="en-US" dirty="0"/>
-              <a:t>Problem</a:t>
+              <a:rPr lang="en-US" u="sng" dirty="0">
+                <a:solidFill>
+                  <a:schemeClr val="bg2">
+                    <a:lumMod val="60000"/>
+                    <a:lumOff val="40000"/>
+                  </a:schemeClr>
+                </a:solidFill>
+              </a:rPr>
+              <a:t>PROBLEM</a:t>
+            </a:r>
+          </a:p>
+        </p:txBody>
+      </p:sp>
+      <p:sp>
+        <p:nvSpPr>
+          <p:cNvPr id="3" name="Content Placeholder 2">
+            <a:extLst>
+              <a:ext uri="{FF2B5EF4-FFF2-40B4-BE49-F238E27FC236}">
+                <a16:creationId xmlns:a16="http://schemas.microsoft.com/office/drawing/2014/main" id="{98268668-4232-45C9-BD68-0C7267F2B3E3}"/>
+              </a:ext>
+            </a:extLst>
+          </p:cNvPr>
+          <p:cNvSpPr>
+            <a:spLocks noGrp="1"/>
+          </p:cNvSpPr>
+          <p:nvPr>
+            <p:ph idx="1"/>
+          </p:nvPr>
+        </p:nvSpPr>
+        <p:spPr>
+          <a:xfrm>
+            <a:off x="98386" y="1417838"/>
+            <a:ext cx="11872210" cy="5066675"/>
+          </a:xfrm>
+        </p:spPr>
+        <p:txBody>
+          <a:bodyPr>
+            <a:normAutofit/>
+          </a:bodyPr>
+          <a:lstStyle/>
+          <a:p>
+            <a:r>
+              <a:rPr lang="en-US" sz="2400" dirty="0"/>
+              <a:t>Resource intensive iterative computing (multiple passes through same data set)</a:t>
+            </a:r>
+          </a:p>
+          <a:p>
+            <a:r>
+              <a:rPr lang="en-US" sz="2400" dirty="0"/>
+              <a:t>Large memory (RAM) requirements </a:t>
+            </a:r>
+          </a:p>
+          <a:p>
+            <a:r>
+              <a:rPr lang="en-US" sz="2400" dirty="0"/>
+              <a:t>Exponentially worse sorting time for large data sets</a:t>
+            </a:r>
+          </a:p>
+          <a:p>
+            <a:endParaRPr lang="en-US" b="1" dirty="0"/>
+          </a:p>
+          <a:p>
+            <a:endParaRPr lang="en-US" b="1" dirty="0"/>
+          </a:p>
+        </p:txBody>
+      </p:sp>
+      <p:pic>
+        <p:nvPicPr>
+          <p:cNvPr id="9" name="Picture 8">
+            <a:extLst>
+              <a:ext uri="{FF2B5EF4-FFF2-40B4-BE49-F238E27FC236}">
+                <a16:creationId xmlns:a16="http://schemas.microsoft.com/office/drawing/2014/main" id="{3459BE8A-21A5-4795-8692-034E52020DA0}"/>
+              </a:ext>
+            </a:extLst>
+          </p:cNvPr>
+          <p:cNvPicPr>
+            <a:picLocks noChangeAspect="1"/>
+          </p:cNvPicPr>
+          <p:nvPr/>
+        </p:nvPicPr>
+        <p:blipFill rotWithShape="1">
+          <a:blip r:embed="rId2">
+            <a:extLst>
+              <a:ext uri="{BEBA8EAE-BF5A-486C-A8C5-ECC9F3942E4B}">
+                <a14:imgProps xmlns:a14="http://schemas.microsoft.com/office/drawing/2010/main">
+                  <a14:imgLayer r:embed="rId3">
+                    <a14:imgEffect>
+                      <a14:saturation sat="200000"/>
+                    </a14:imgEffect>
+                    <a14:imgEffect>
+                      <a14:brightnessContrast contrast="-20000"/>
+                    </a14:imgEffect>
+                  </a14:imgLayer>
+                </a14:imgProps>
+              </a:ext>
+              <a:ext uri="{28A0092B-C50C-407E-A947-70E740481C1C}">
+                <a14:useLocalDpi xmlns:a14="http://schemas.microsoft.com/office/drawing/2010/main" val="0"/>
+              </a:ext>
+            </a:extLst>
+          </a:blip>
+          <a:srcRect t="24524"/>
+          <a:stretch/>
+        </p:blipFill>
+        <p:spPr>
+          <a:xfrm>
+            <a:off x="1481069" y="3267149"/>
+            <a:ext cx="8448541" cy="3590851"/>
+          </a:xfrm>
+          <a:prstGeom prst="rect">
+            <a:avLst/>
+          </a:prstGeom>
+        </p:spPr>
+      </p:pic>
+    </p:spTree>
+    <p:extLst>
+      <p:ext uri="{BB962C8B-B14F-4D97-AF65-F5344CB8AC3E}">
+        <p14:creationId xmlns:p14="http://schemas.microsoft.com/office/powerpoint/2010/main" val="3634154644"/>
+      </p:ext>
+    </p:extLst>
+  </p:cSld>
+  <p:clrMapOvr>
+    <a:masterClrMapping/>
+  </p:clrMapOvr>
+</p:sld>
+</file>
+
+<file path=ppt/slides/slide4.xml><?xml version="1.0" encoding="utf-8"?>
+<p:sld xmlns:a="http://schemas.openxmlformats.org/drawingml/2006/main" xmlns:r="http://schemas.openxmlformats.org/officeDocument/2006/relationships" xmlns:p="http://schemas.openxmlformats.org/presentationml/2006/main" show="0">
+  <p:cSld>
+    <p:spTree>
+      <p:nvGrpSpPr>
+        <p:cNvPr id="1" name=""/>
+        <p:cNvGrpSpPr/>
+        <p:nvPr/>
+      </p:nvGrpSpPr>
+      <p:grpSpPr>
+        <a:xfrm>
+          <a:off x="0" y="0"/>
+          <a:ext cx="0" cy="0"/>
+          <a:chOff x="0" y="0"/>
+          <a:chExt cx="0" cy="0"/>
+        </a:xfrm>
+      </p:grpSpPr>
+      <p:pic>
+        <p:nvPicPr>
+          <p:cNvPr id="5" name="Picture 4">
+            <a:extLst>
+              <a:ext uri="{FF2B5EF4-FFF2-40B4-BE49-F238E27FC236}">
+                <a16:creationId xmlns:a16="http://schemas.microsoft.com/office/drawing/2014/main" id="{711C2C75-0E05-4FDA-8DAA-771BE0949952}"/>
+              </a:ext>
+            </a:extLst>
+          </p:cNvPr>
+          <p:cNvPicPr>
+            <a:picLocks noChangeAspect="1"/>
+          </p:cNvPicPr>
+          <p:nvPr/>
+        </p:nvPicPr>
+        <p:blipFill>
+          <a:blip r:embed="rId2">
+            <a:extLst>
+              <a:ext uri="{28A0092B-C50C-407E-A947-70E740481C1C}">
+                <a14:useLocalDpi xmlns:a14="http://schemas.microsoft.com/office/drawing/2010/main" val="0"/>
+              </a:ext>
+            </a:extLst>
+          </a:blip>
+          <a:stretch>
+            <a:fillRect/>
+          </a:stretch>
+        </p:blipFill>
+        <p:spPr>
+          <a:xfrm>
+            <a:off x="6675481" y="1853248"/>
+            <a:ext cx="5071946" cy="2758030"/>
+          </a:xfrm>
+          <a:prstGeom prst="rect">
+            <a:avLst/>
+          </a:prstGeom>
+        </p:spPr>
+      </p:pic>
+      <p:sp>
+        <p:nvSpPr>
+          <p:cNvPr id="2" name="Title 1">
+            <a:extLst>
+              <a:ext uri="{FF2B5EF4-FFF2-40B4-BE49-F238E27FC236}">
+                <a16:creationId xmlns:a16="http://schemas.microsoft.com/office/drawing/2014/main" id="{B772217C-A5E1-4855-A4DD-A2816CBCAFA3}"/>
+              </a:ext>
+            </a:extLst>
+          </p:cNvPr>
+          <p:cNvSpPr>
+            <a:spLocks noGrp="1"/>
+          </p:cNvSpPr>
+          <p:nvPr>
+            <p:ph type="title"/>
+          </p:nvPr>
+        </p:nvSpPr>
+        <p:spPr>
+          <a:xfrm>
+            <a:off x="646111" y="452718"/>
+            <a:ext cx="9404723" cy="1400530"/>
+          </a:xfrm>
+        </p:spPr>
+        <p:txBody>
+          <a:bodyPr/>
+          <a:lstStyle/>
+          <a:p>
+            <a:r>
+              <a:rPr lang="en-US" u="sng" dirty="0">
+                <a:solidFill>
+                  <a:schemeClr val="bg2">
+                    <a:lumMod val="60000"/>
+                    <a:lumOff val="40000"/>
+                  </a:schemeClr>
+                </a:solidFill>
+              </a:rPr>
+              <a:t>PROBLEM</a:t>
             </a:r>
           </a:p>
         </p:txBody>
@@ -11507,7 +15665,7 @@
             <a:pPr marL="400050"/>
             <a:r>
               <a:rPr lang="en-US" sz="2800" dirty="0"/>
-              <a:t>Bucket sort (non-comparison sort, widely used and respected)</a:t>
+              <a:t>Bucket sort</a:t>
             </a:r>
           </a:p>
           <a:p>
@@ -11581,7 +15739,7 @@
     </p:spTree>
     <p:extLst>
       <p:ext uri="{BB962C8B-B14F-4D97-AF65-F5344CB8AC3E}">
-        <p14:creationId xmlns:p14="http://schemas.microsoft.com/office/powerpoint/2010/main" val="3634154644"/>
+        <p14:creationId xmlns:p14="http://schemas.microsoft.com/office/powerpoint/2010/main" val="3101293010"/>
       </p:ext>
     </p:extLst>
   </p:cSld>
@@ -11591,7 +15749,7 @@
 </p:sld>
 </file>
 
-<file path=ppt/slides/slide4.xml><?xml version="1.0" encoding="utf-8"?>
+<file path=ppt/slides/slide5.xml><?xml version="1.0" encoding="utf-8"?>
 <p:sld xmlns:a="http://schemas.openxmlformats.org/drawingml/2006/main" xmlns:r="http://schemas.openxmlformats.org/officeDocument/2006/relationships" xmlns:p="http://schemas.openxmlformats.org/presentationml/2006/main">
   <p:cSld>
     <p:spTree>
@@ -11630,8 +15788,15 @@
           <a:lstStyle/>
           <a:p>
             <a:r>
-              <a:rPr lang="en-US" dirty="0"/>
-              <a:t>Goal in Depth </a:t>
+              <a:rPr lang="en-US" dirty="0">
+                <a:solidFill>
+                  <a:schemeClr val="bg2">
+                    <a:lumMod val="60000"/>
+                    <a:lumOff val="40000"/>
+                  </a:schemeClr>
+                </a:solidFill>
+              </a:rPr>
+              <a:t>A FASTER SORTING ALGORITHM</a:t>
             </a:r>
           </a:p>
         </p:txBody>
@@ -11667,15 +15832,14 @@
             <a:pPr lvl="1"/>
             <a:r>
               <a:rPr lang="en-US" sz="2800" dirty="0"/>
-              <a:t>Calculates parameters of </a:t>
-            </a:r>
-            <a:r>
-              <a:rPr lang="en-US" sz="2800" i="1" dirty="0"/>
-              <a:t>n</a:t>
-            </a:r>
+              <a:t>Reduces compute time and RAM requirements </a:t>
+            </a:r>
+          </a:p>
+          <a:p>
+            <a:pPr lvl="1"/>
             <a:r>
               <a:rPr lang="en-US" sz="2800" dirty="0"/>
-              <a:t> number of buckets based on elements in data set</a:t>
+              <a:t>Use statistical analysis to determine bucket ranges based on data set </a:t>
             </a:r>
           </a:p>
           <a:p>
@@ -11690,6 +15854,13 @@
             <a:r>
               <a:rPr lang="en-US" sz="2800" dirty="0"/>
               <a:t>Should be able to sort data sets that follow any type of distribution</a:t>
+            </a:r>
+          </a:p>
+          <a:p>
+            <a:pPr lvl="1"/>
+            <a:r>
+              <a:rPr lang="en-US" sz="2800" dirty="0"/>
+              <a:t>Worst case of O(6n)</a:t>
             </a:r>
             <a:endParaRPr lang="en-US" sz="2000" dirty="0"/>
           </a:p>
@@ -11708,7 +15879,7 @@
 </p:sld>
 </file>
 
-<file path=ppt/slides/slide5.xml><?xml version="1.0" encoding="utf-8"?>
+<file path=ppt/slides/slide6.xml><?xml version="1.0" encoding="utf-8"?>
 <p:sld xmlns:a="http://schemas.openxmlformats.org/drawingml/2006/main" xmlns:r="http://schemas.openxmlformats.org/officeDocument/2006/relationships" xmlns:p="http://schemas.openxmlformats.org/presentationml/2006/main">
   <p:cSld>
     <p:spTree>
@@ -12205,7 +16376,103 @@
 </p:sld>
 </file>
 
-<file path=ppt/slides/slide6.xml><?xml version="1.0" encoding="utf-8"?>
+<file path=ppt/slides/slide7.xml><?xml version="1.0" encoding="utf-8"?>
+<p:sld xmlns:a="http://schemas.openxmlformats.org/drawingml/2006/main" xmlns:r="http://schemas.openxmlformats.org/officeDocument/2006/relationships" xmlns:p="http://schemas.openxmlformats.org/presentationml/2006/main">
+  <p:cSld>
+    <p:spTree>
+      <p:nvGrpSpPr>
+        <p:cNvPr id="1" name=""/>
+        <p:cNvGrpSpPr/>
+        <p:nvPr/>
+      </p:nvGrpSpPr>
+      <p:grpSpPr>
+        <a:xfrm>
+          <a:off x="0" y="0"/>
+          <a:ext cx="0" cy="0"/>
+          <a:chOff x="0" y="0"/>
+          <a:chExt cx="0" cy="0"/>
+        </a:xfrm>
+      </p:grpSpPr>
+      <p:sp>
+        <p:nvSpPr>
+          <p:cNvPr id="2" name="Title 1">
+            <a:extLst>
+              <a:ext uri="{FF2B5EF4-FFF2-40B4-BE49-F238E27FC236}">
+                <a16:creationId xmlns:a16="http://schemas.microsoft.com/office/drawing/2014/main" id="{41881539-A0B7-4674-BEEB-458A9DB0F0C8}"/>
+              </a:ext>
+            </a:extLst>
+          </p:cNvPr>
+          <p:cNvSpPr>
+            <a:spLocks noGrp="1"/>
+          </p:cNvSpPr>
+          <p:nvPr>
+            <p:ph type="title"/>
+          </p:nvPr>
+        </p:nvSpPr>
+        <p:spPr/>
+        <p:txBody>
+          <a:bodyPr/>
+          <a:lstStyle/>
+          <a:p>
+            <a:r>
+              <a:rPr lang="en-US" u="sng" dirty="0">
+                <a:solidFill>
+                  <a:schemeClr val="bg2">
+                    <a:lumMod val="60000"/>
+                    <a:lumOff val="40000"/>
+                  </a:schemeClr>
+                </a:solidFill>
+              </a:rPr>
+              <a:t>HOW WILL I CREATE THIS</a:t>
+            </a:r>
+          </a:p>
+        </p:txBody>
+      </p:sp>
+      <p:graphicFrame>
+        <p:nvGraphicFramePr>
+          <p:cNvPr id="5" name="Content Placeholder 4">
+            <a:extLst>
+              <a:ext uri="{FF2B5EF4-FFF2-40B4-BE49-F238E27FC236}">
+                <a16:creationId xmlns:a16="http://schemas.microsoft.com/office/drawing/2014/main" id="{29274C06-8BE5-4E83-A793-001E5DA8BE96}"/>
+              </a:ext>
+            </a:extLst>
+          </p:cNvPr>
+          <p:cNvGraphicFramePr>
+            <a:graphicFrameLocks noGrp="1"/>
+          </p:cNvGraphicFramePr>
+          <p:nvPr>
+            <p:ph idx="1"/>
+            <p:extLst>
+              <p:ext uri="{D42A27DB-BD31-4B8C-83A1-F6EECF244321}">
+                <p14:modId xmlns:p14="http://schemas.microsoft.com/office/powerpoint/2010/main" val="1086971281"/>
+              </p:ext>
+            </p:extLst>
+          </p:nvPr>
+        </p:nvGraphicFramePr>
+        <p:xfrm>
+          <a:off x="270456" y="1468191"/>
+          <a:ext cx="11681138" cy="5024907"/>
+        </p:xfrm>
+        <a:graphic>
+          <a:graphicData uri="http://schemas.openxmlformats.org/drawingml/2006/diagram">
+            <dgm:relIds xmlns:dgm="http://schemas.openxmlformats.org/drawingml/2006/diagram" xmlns:r="http://schemas.openxmlformats.org/officeDocument/2006/relationships" r:dm="rId2" r:lo="rId3" r:qs="rId4" r:cs="rId5"/>
+          </a:graphicData>
+        </a:graphic>
+      </p:graphicFrame>
+    </p:spTree>
+    <p:extLst>
+      <p:ext uri="{BB962C8B-B14F-4D97-AF65-F5344CB8AC3E}">
+        <p14:creationId xmlns:p14="http://schemas.microsoft.com/office/powerpoint/2010/main" val="116078067"/>
+      </p:ext>
+    </p:extLst>
+  </p:cSld>
+  <p:clrMapOvr>
+    <a:masterClrMapping/>
+  </p:clrMapOvr>
+</p:sld>
+</file>
+
+<file path=ppt/slides/slide8.xml><?xml version="1.0" encoding="utf-8"?>
 <p:sld xmlns:a="http://schemas.openxmlformats.org/drawingml/2006/main" xmlns:r="http://schemas.openxmlformats.org/officeDocument/2006/relationships" xmlns:p="http://schemas.openxmlformats.org/presentationml/2006/main">
   <p:cSld>
     <p:spTree>
@@ -12244,8 +16511,15 @@
           <a:lstStyle/>
           <a:p>
             <a:r>
-              <a:rPr lang="en-US" dirty="0"/>
-              <a:t>What Has Been Done Thus Far</a:t>
+              <a:rPr lang="en-US" u="sng" dirty="0">
+                <a:solidFill>
+                  <a:schemeClr val="bg2">
+                    <a:lumMod val="60000"/>
+                    <a:lumOff val="40000"/>
+                  </a:schemeClr>
+                </a:solidFill>
+              </a:rPr>
+              <a:t>PROJECT STATUS </a:t>
             </a:r>
           </a:p>
         </p:txBody>
@@ -12339,7 +16613,7 @@
 </p:sld>
 </file>
 
-<file path=ppt/slides/slide7.xml><?xml version="1.0" encoding="utf-8"?>
+<file path=ppt/slides/slide9.xml><?xml version="1.0" encoding="utf-8"?>
 <p:sld xmlns:a="http://schemas.openxmlformats.org/drawingml/2006/main" xmlns:r="http://schemas.openxmlformats.org/officeDocument/2006/relationships" xmlns:p="http://schemas.openxmlformats.org/presentationml/2006/main">
   <p:cSld>
     <p:spTree>
@@ -12378,55 +16652,19 @@
           <a:lstStyle/>
           <a:p>
             <a:r>
-              <a:rPr lang="en-US" dirty="0"/>
+              <a:rPr lang="en-US" u="sng" dirty="0">
+                <a:solidFill>
+                  <a:schemeClr val="bg2">
+                    <a:lumMod val="60000"/>
+                    <a:lumOff val="40000"/>
+                  </a:schemeClr>
+                </a:solidFill>
+              </a:rPr>
               <a:t>Backbone Code in Java – Main </a:t>
             </a:r>
           </a:p>
         </p:txBody>
       </p:sp>
-      <p:pic>
-        <p:nvPicPr>
-          <p:cNvPr id="4" name="Content Placeholder 3">
-            <a:extLst>
-              <a:ext uri="{FF2B5EF4-FFF2-40B4-BE49-F238E27FC236}">
-                <a16:creationId xmlns:a16="http://schemas.microsoft.com/office/drawing/2014/main" id="{9F94FB3E-E331-4769-8981-FF29890887CC}"/>
-              </a:ext>
-            </a:extLst>
-          </p:cNvPr>
-          <p:cNvPicPr>
-            <a:picLocks noGrp="1" noChangeAspect="1"/>
-          </p:cNvPicPr>
-          <p:nvPr>
-            <p:ph idx="1"/>
-          </p:nvPr>
-        </p:nvPicPr>
-        <p:blipFill rotWithShape="1">
-          <a:blip r:embed="rId2">
-            <a:extLst>
-              <a:ext uri="{BEBA8EAE-BF5A-486C-A8C5-ECC9F3942E4B}">
-                <a14:imgProps xmlns:a14="http://schemas.microsoft.com/office/drawing/2010/main">
-                  <a14:imgLayer r:embed="rId3">
-                    <a14:imgEffect>
-                      <a14:sharpenSoften amount="25000"/>
-                    </a14:imgEffect>
-                  </a14:imgLayer>
-                </a14:imgProps>
-              </a:ext>
-            </a:extLst>
-          </a:blip>
-          <a:srcRect l="3759" t="10934" r="45691" b="20674"/>
-          <a:stretch/>
-        </p:blipFill>
-        <p:spPr>
-          <a:xfrm>
-            <a:off x="308524" y="1409159"/>
-            <a:ext cx="6774287" cy="5153005"/>
-          </a:xfrm>
-          <a:prstGeom prst="rect">
-            <a:avLst/>
-          </a:prstGeom>
-        </p:spPr>
-      </p:pic>
       <p:sp>
         <p:nvSpPr>
           <p:cNvPr id="5" name="TextBox 4">
@@ -12442,7 +16680,7 @@
         <p:spPr>
           <a:xfrm>
             <a:off x="7590864" y="2361605"/>
-            <a:ext cx="4329953" cy="2215991"/>
+            <a:ext cx="4329953" cy="2954655"/>
           </a:xfrm>
           <a:prstGeom prst="rect">
             <a:avLst/>
@@ -12461,8 +16699,11 @@
             </a:pPr>
             <a:r>
               <a:rPr lang="en-US" sz="2400" dirty="0"/>
-              <a:t>Main method that creates the randomized array</a:t>
-            </a:r>
+              <a:t>Main method that creates the randomized array of normal distribution</a:t>
+            </a:r>
+          </a:p>
+          <a:p>
+            <a:endParaRPr lang="en-US" sz="2400" dirty="0"/>
           </a:p>
           <a:p>
             <a:pPr marL="285750" indent="-285750">
@@ -12479,331 +16720,39 @@
           </a:p>
         </p:txBody>
       </p:sp>
-    </p:spTree>
-    <p:extLst>
-      <p:ext uri="{BB962C8B-B14F-4D97-AF65-F5344CB8AC3E}">
-        <p14:creationId xmlns:p14="http://schemas.microsoft.com/office/powerpoint/2010/main" val="1769526650"/>
-      </p:ext>
-    </p:extLst>
-  </p:cSld>
-  <p:clrMapOvr>
-    <a:masterClrMapping/>
-  </p:clrMapOvr>
-</p:sld>
-</file>
-
-<file path=ppt/slides/slide8.xml><?xml version="1.0" encoding="utf-8"?>
-<p:sld xmlns:a="http://schemas.openxmlformats.org/drawingml/2006/main" xmlns:r="http://schemas.openxmlformats.org/officeDocument/2006/relationships" xmlns:p="http://schemas.openxmlformats.org/presentationml/2006/main">
-  <p:cSld>
-    <p:spTree>
-      <p:nvGrpSpPr>
-        <p:cNvPr id="1" name=""/>
-        <p:cNvGrpSpPr/>
-        <p:nvPr/>
-      </p:nvGrpSpPr>
-      <p:grpSpPr>
-        <a:xfrm>
-          <a:off x="0" y="0"/>
-          <a:ext cx="0" cy="0"/>
-          <a:chOff x="0" y="0"/>
-          <a:chExt cx="0" cy="0"/>
-        </a:xfrm>
-      </p:grpSpPr>
-      <p:sp>
-        <p:nvSpPr>
-          <p:cNvPr id="2" name="Title 1">
+      <p:pic>
+        <p:nvPicPr>
+          <p:cNvPr id="7" name="Picture 6">
             <a:extLst>
               <a:ext uri="{FF2B5EF4-FFF2-40B4-BE49-F238E27FC236}">
-                <a16:creationId xmlns:a16="http://schemas.microsoft.com/office/drawing/2014/main" id="{57CA63F1-B608-4821-B5B5-644273C8DA2E}"/>
-              </a:ext>
-            </a:extLst>
-          </p:cNvPr>
-          <p:cNvSpPr>
-            <a:spLocks noGrp="1"/>
-          </p:cNvSpPr>
-          <p:nvPr>
-            <p:ph type="title"/>
-          </p:nvPr>
-        </p:nvSpPr>
-        <p:spPr/>
-        <p:txBody>
-          <a:bodyPr/>
-          <a:lstStyle/>
-          <a:p>
-            <a:r>
-              <a:rPr lang="en-US" dirty="0"/>
-              <a:t>Backbone in Java – Parallel Sort</a:t>
-            </a:r>
-          </a:p>
-        </p:txBody>
-      </p:sp>
-      <p:pic>
-        <p:nvPicPr>
-          <p:cNvPr id="4" name="Content Placeholder 3">
-            <a:extLst>
-              <a:ext uri="{FF2B5EF4-FFF2-40B4-BE49-F238E27FC236}">
-                <a16:creationId xmlns:a16="http://schemas.microsoft.com/office/drawing/2014/main" id="{92266E24-42CF-424D-AF11-C476396374C4}"/>
+                <a16:creationId xmlns:a16="http://schemas.microsoft.com/office/drawing/2014/main" id="{0262FC7E-A088-440C-BA88-1EFA917609EE}"/>
               </a:ext>
             </a:extLst>
           </p:cNvPr>
           <p:cNvPicPr>
-            <a:picLocks noGrp="1" noChangeAspect="1"/>
+            <a:picLocks noChangeAspect="1"/>
           </p:cNvPicPr>
-          <p:nvPr>
-            <p:ph idx="1"/>
-          </p:nvPr>
+          <p:nvPr/>
         </p:nvPicPr>
         <p:blipFill rotWithShape="1">
           <a:blip r:embed="rId2"/>
-          <a:srcRect l="5817" t="11855" r="57253" b="77402"/>
+          <a:srcRect l="2193" t="10853" r="62154" b="56516"/>
           <a:stretch/>
         </p:blipFill>
         <p:spPr>
           <a:xfrm>
-            <a:off x="798490" y="1627867"/>
-            <a:ext cx="9811781" cy="1604729"/>
+            <a:off x="374470" y="1613879"/>
+            <a:ext cx="6909309" cy="4129591"/>
           </a:xfrm>
           <a:prstGeom prst="rect">
             <a:avLst/>
           </a:prstGeom>
         </p:spPr>
       </p:pic>
-      <p:sp>
-        <p:nvSpPr>
-          <p:cNvPr id="5" name="TextBox 4">
-            <a:extLst>
-              <a:ext uri="{FF2B5EF4-FFF2-40B4-BE49-F238E27FC236}">
-                <a16:creationId xmlns:a16="http://schemas.microsoft.com/office/drawing/2014/main" id="{6BE20B5B-4526-43D8-8D74-B4FD466386FB}"/>
-              </a:ext>
-            </a:extLst>
-          </p:cNvPr>
-          <p:cNvSpPr txBox="1"/>
-          <p:nvPr/>
-        </p:nvSpPr>
-        <p:spPr>
-          <a:xfrm>
-            <a:off x="1339403" y="4340180"/>
-            <a:ext cx="8912180" cy="830997"/>
-          </a:xfrm>
-          <a:prstGeom prst="rect">
-            <a:avLst/>
-          </a:prstGeom>
-          <a:noFill/>
-        </p:spPr>
-        <p:txBody>
-          <a:bodyPr wrap="square" rtlCol="0">
-            <a:spAutoFit/>
-          </a:bodyPr>
-          <a:lstStyle/>
-          <a:p>
-            <a:r>
-              <a:rPr lang="en-US" sz="2400" dirty="0"/>
-              <a:t>Getting run time of Parallel Sort – this is a Java merge-sort like sorting algorithm used to sort arrays by threading </a:t>
-            </a:r>
-          </a:p>
-        </p:txBody>
-      </p:sp>
     </p:spTree>
     <p:extLst>
       <p:ext uri="{BB962C8B-B14F-4D97-AF65-F5344CB8AC3E}">
-        <p14:creationId xmlns:p14="http://schemas.microsoft.com/office/powerpoint/2010/main" val="4146910968"/>
-      </p:ext>
-    </p:extLst>
-  </p:cSld>
-  <p:clrMapOvr>
-    <a:masterClrMapping/>
-  </p:clrMapOvr>
-</p:sld>
-</file>
-
-<file path=ppt/slides/slide9.xml><?xml version="1.0" encoding="utf-8"?>
-<p:sld xmlns:a="http://schemas.openxmlformats.org/drawingml/2006/main" xmlns:r="http://schemas.openxmlformats.org/officeDocument/2006/relationships" xmlns:p="http://schemas.openxmlformats.org/presentationml/2006/main">
-  <p:cSld>
-    <p:spTree>
-      <p:nvGrpSpPr>
-        <p:cNvPr id="1" name=""/>
-        <p:cNvGrpSpPr/>
-        <p:nvPr/>
-      </p:nvGrpSpPr>
-      <p:grpSpPr>
-        <a:xfrm>
-          <a:off x="0" y="0"/>
-          <a:ext cx="0" cy="0"/>
-          <a:chOff x="0" y="0"/>
-          <a:chExt cx="0" cy="0"/>
-        </a:xfrm>
-      </p:grpSpPr>
-      <p:sp>
-        <p:nvSpPr>
-          <p:cNvPr id="2" name="Title 1">
-            <a:extLst>
-              <a:ext uri="{FF2B5EF4-FFF2-40B4-BE49-F238E27FC236}">
-                <a16:creationId xmlns:a16="http://schemas.microsoft.com/office/drawing/2014/main" id="{D09D6E6F-FDB5-432B-80D3-F1F3110A01FE}"/>
-              </a:ext>
-            </a:extLst>
-          </p:cNvPr>
-          <p:cNvSpPr>
-            <a:spLocks noGrp="1"/>
-          </p:cNvSpPr>
-          <p:nvPr>
-            <p:ph type="title"/>
-          </p:nvPr>
-        </p:nvSpPr>
-        <p:spPr/>
-        <p:txBody>
-          <a:bodyPr/>
-          <a:lstStyle/>
-          <a:p>
-            <a:r>
-              <a:rPr lang="en-US" dirty="0"/>
-              <a:t>Backbone in Java – Stat Sort </a:t>
-            </a:r>
-          </a:p>
-        </p:txBody>
-      </p:sp>
-      <p:pic>
-        <p:nvPicPr>
-          <p:cNvPr id="4" name="Content Placeholder 3">
-            <a:extLst>
-              <a:ext uri="{FF2B5EF4-FFF2-40B4-BE49-F238E27FC236}">
-                <a16:creationId xmlns:a16="http://schemas.microsoft.com/office/drawing/2014/main" id="{5C344250-59D0-4355-9727-E19C3F75D970}"/>
-              </a:ext>
-            </a:extLst>
-          </p:cNvPr>
-          <p:cNvPicPr>
-            <a:picLocks noGrp="1" noChangeAspect="1"/>
-          </p:cNvPicPr>
-          <p:nvPr>
-            <p:ph idx="1"/>
-          </p:nvPr>
-        </p:nvPicPr>
-        <p:blipFill rotWithShape="1">
-          <a:blip r:embed="rId2"/>
-          <a:srcRect l="5816" t="10627" r="56562" b="43638"/>
-          <a:stretch/>
-        </p:blipFill>
-        <p:spPr>
-          <a:xfrm>
-            <a:off x="437880" y="1468190"/>
-            <a:ext cx="5690561" cy="4984125"/>
-          </a:xfrm>
-          <a:prstGeom prst="rect">
-            <a:avLst/>
-          </a:prstGeom>
-        </p:spPr>
-      </p:pic>
-      <p:sp>
-        <p:nvSpPr>
-          <p:cNvPr id="5" name="TextBox 4">
-            <a:extLst>
-              <a:ext uri="{FF2B5EF4-FFF2-40B4-BE49-F238E27FC236}">
-                <a16:creationId xmlns:a16="http://schemas.microsoft.com/office/drawing/2014/main" id="{A8860C59-2B8F-4EE6-9C2B-4CA867B48F5C}"/>
-              </a:ext>
-            </a:extLst>
-          </p:cNvPr>
-          <p:cNvSpPr txBox="1"/>
-          <p:nvPr/>
-        </p:nvSpPr>
-        <p:spPr>
-          <a:xfrm>
-            <a:off x="6336673" y="1468190"/>
-            <a:ext cx="5745400" cy="4708981"/>
-          </a:xfrm>
-          <a:prstGeom prst="rect">
-            <a:avLst/>
-          </a:prstGeom>
-          <a:noFill/>
-        </p:spPr>
-        <p:txBody>
-          <a:bodyPr wrap="square" rtlCol="0">
-            <a:spAutoFit/>
-          </a:bodyPr>
-          <a:lstStyle/>
-          <a:p>
-            <a:pPr marL="285750" indent="-285750">
-              <a:buFont typeface="Wingdings" panose="05000000000000000000" pitchFamily="2" charset="2"/>
-              <a:buChar char="q"/>
-            </a:pPr>
-            <a:r>
-              <a:rPr lang="en-US" sz="2400" dirty="0"/>
-              <a:t>This is the method that performs the new sort </a:t>
-            </a:r>
-          </a:p>
-          <a:p>
-            <a:endParaRPr lang="en-US" sz="2400" dirty="0"/>
-          </a:p>
-          <a:p>
-            <a:pPr marL="285750" indent="-285750">
-              <a:buFont typeface="Wingdings" panose="05000000000000000000" pitchFamily="2" charset="2"/>
-              <a:buChar char="q"/>
-            </a:pPr>
-            <a:r>
-              <a:rPr lang="en-US" sz="2400" dirty="0"/>
-              <a:t>This part of the method is calculating the </a:t>
-            </a:r>
-          </a:p>
-          <a:p>
-            <a:pPr marL="742950" lvl="1" indent="-285750">
-              <a:buFont typeface="Wingdings" panose="05000000000000000000" pitchFamily="2" charset="2"/>
-              <a:buChar char="q"/>
-            </a:pPr>
-            <a:r>
-              <a:rPr lang="en-US" sz="2400" dirty="0"/>
-              <a:t>Max and min </a:t>
-            </a:r>
-          </a:p>
-          <a:p>
-            <a:pPr marL="742950" lvl="1" indent="-285750">
-              <a:buFont typeface="Wingdings" panose="05000000000000000000" pitchFamily="2" charset="2"/>
-              <a:buChar char="q"/>
-            </a:pPr>
-            <a:r>
-              <a:rPr lang="en-US" sz="2400" dirty="0"/>
-              <a:t>mean</a:t>
-            </a:r>
-          </a:p>
-          <a:p>
-            <a:pPr marL="742950" lvl="1" indent="-285750">
-              <a:buFont typeface="Wingdings" panose="05000000000000000000" pitchFamily="2" charset="2"/>
-              <a:buChar char="q"/>
-            </a:pPr>
-            <a:r>
-              <a:rPr lang="en-US" sz="2400" dirty="0"/>
-              <a:t>The lower range </a:t>
-            </a:r>
-          </a:p>
-          <a:p>
-            <a:pPr marL="742950" lvl="1" indent="-285750">
-              <a:buFont typeface="Wingdings" panose="05000000000000000000" pitchFamily="2" charset="2"/>
-              <a:buChar char="q"/>
-            </a:pPr>
-            <a:r>
-              <a:rPr lang="en-US" sz="2400" dirty="0"/>
-              <a:t>The upper range</a:t>
-            </a:r>
-          </a:p>
-          <a:p>
-            <a:pPr marL="742950" lvl="1" indent="-285750">
-              <a:buFont typeface="Wingdings" panose="05000000000000000000" pitchFamily="2" charset="2"/>
-              <a:buChar char="q"/>
-            </a:pPr>
-            <a:r>
-              <a:rPr lang="en-US" sz="2400" dirty="0"/>
-              <a:t>The number of buckets for the two ranges</a:t>
-            </a:r>
-          </a:p>
-          <a:p>
-            <a:endParaRPr lang="en-US" dirty="0"/>
-          </a:p>
-          <a:p>
-            <a:endParaRPr lang="en-US" dirty="0"/>
-          </a:p>
-        </p:txBody>
-      </p:sp>
-    </p:spTree>
-    <p:extLst>
-      <p:ext uri="{BB962C8B-B14F-4D97-AF65-F5344CB8AC3E}">
-        <p14:creationId xmlns:p14="http://schemas.microsoft.com/office/powerpoint/2010/main" val="2663384573"/>
+        <p14:creationId xmlns:p14="http://schemas.microsoft.com/office/powerpoint/2010/main" val="1769526650"/>
       </p:ext>
     </p:extLst>
   </p:cSld>

--- a/Progress Report for Project 10_13_17.pptx
+++ b/Progress Report for Project 10_13_17.pptx
@@ -15880,7 +15880,7 @@
 </file>
 
 <file path=ppt/slides/slide6.xml><?xml version="1.0" encoding="utf-8"?>
-<p:sld xmlns:a="http://schemas.openxmlformats.org/drawingml/2006/main" xmlns:r="http://schemas.openxmlformats.org/officeDocument/2006/relationships" xmlns:p="http://schemas.openxmlformats.org/presentationml/2006/main">
+<p:sld xmlns:a="http://schemas.openxmlformats.org/drawingml/2006/main" xmlns:r="http://schemas.openxmlformats.org/officeDocument/2006/relationships" xmlns:p="http://schemas.openxmlformats.org/presentationml/2006/main" show="0">
   <p:cSld>
     <p:spTree>
       <p:nvGrpSpPr>
